--- a/G2M Case Study.pptx
+++ b/G2M Case Study.pptx
@@ -7,10 +7,21 @@
   <p:sldIdLst>
     <p:sldId id="256" r:id="rId2"/>
     <p:sldId id="267" r:id="rId3"/>
-    <p:sldId id="269" r:id="rId4"/>
-    <p:sldId id="270" r:id="rId5"/>
-    <p:sldId id="271" r:id="rId6"/>
-    <p:sldId id="268" r:id="rId7"/>
+    <p:sldId id="272" r:id="rId4"/>
+    <p:sldId id="273" r:id="rId5"/>
+    <p:sldId id="274" r:id="rId6"/>
+    <p:sldId id="275" r:id="rId7"/>
+    <p:sldId id="270" r:id="rId8"/>
+    <p:sldId id="271" r:id="rId9"/>
+    <p:sldId id="276" r:id="rId10"/>
+    <p:sldId id="277" r:id="rId11"/>
+    <p:sldId id="280" r:id="rId12"/>
+    <p:sldId id="281" r:id="rId13"/>
+    <p:sldId id="278" r:id="rId14"/>
+    <p:sldId id="279" r:id="rId15"/>
+    <p:sldId id="283" r:id="rId16"/>
+    <p:sldId id="285" r:id="rId17"/>
+    <p:sldId id="268" r:id="rId18"/>
   </p:sldIdLst>
   <p:sldSz cx="12192000" cy="6858000"/>
   <p:notesSz cx="6858000" cy="9144000"/>
@@ -120,7 +131,7 @@
 <file path=ppt/revisionInfo.xml><?xml version="1.0" encoding="utf-8"?>
 <p1510:revInfo xmlns:a="http://schemas.openxmlformats.org/drawingml/2006/main" xmlns:r="http://schemas.openxmlformats.org/officeDocument/2006/relationships" xmlns:p1510="http://schemas.microsoft.com/office/powerpoint/2015/10/main">
   <p1510:revLst>
-    <p1510:client id="{045C37C3-1970-4C45-95B9-9F160D623BBC}" v="12" dt="2023-10-21T15:02:11.360"/>
+    <p1510:client id="{045C37C3-1970-4C45-95B9-9F160D623BBC}" v="26" dt="2023-10-24T18:19:34.170"/>
   </p1510:revLst>
 </p1510:revInfo>
 </file>
@@ -129,8 +140,8 @@
 <pc:chgInfo xmlns:a="http://schemas.openxmlformats.org/drawingml/2006/main" xmlns:r="http://schemas.openxmlformats.org/officeDocument/2006/relationships" xmlns:ac="http://schemas.microsoft.com/office/drawing/2013/main/command" xmlns:pc="http://schemas.microsoft.com/office/powerpoint/2013/main/command">
   <pc:docChgLst>
     <pc:chgData name="Nazri Jasmal" userId="e6a065d2aca82f38" providerId="LiveId" clId="{045C37C3-1970-4C45-95B9-9F160D623BBC}"/>
-    <pc:docChg chg="undo custSel addSld delSld modSld">
-      <pc:chgData name="Nazri Jasmal" userId="e6a065d2aca82f38" providerId="LiveId" clId="{045C37C3-1970-4C45-95B9-9F160D623BBC}" dt="2023-10-21T15:06:46.337" v="202" actId="2890"/>
+    <pc:docChg chg="undo custSel addSld delSld modSld sldOrd">
+      <pc:chgData name="Nazri Jasmal" userId="e6a065d2aca82f38" providerId="LiveId" clId="{045C37C3-1970-4C45-95B9-9F160D623BBC}" dt="2023-10-24T18:21:15.242" v="2870" actId="20577"/>
       <pc:docMkLst>
         <pc:docMk/>
       </pc:docMkLst>
@@ -149,6 +160,52 @@
           </ac:spMkLst>
         </pc:spChg>
       </pc:sldChg>
+      <pc:sldChg chg="modSp mod">
+        <pc:chgData name="Nazri Jasmal" userId="e6a065d2aca82f38" providerId="LiveId" clId="{045C37C3-1970-4C45-95B9-9F160D623BBC}" dt="2023-10-21T21:30:04.329" v="735" actId="1076"/>
+        <pc:sldMkLst>
+          <pc:docMk/>
+          <pc:sldMk cId="4047255108" sldId="267"/>
+        </pc:sldMkLst>
+        <pc:spChg chg="mod">
+          <ac:chgData name="Nazri Jasmal" userId="e6a065d2aca82f38" providerId="LiveId" clId="{045C37C3-1970-4C45-95B9-9F160D623BBC}" dt="2023-10-21T21:30:04.329" v="735" actId="1076"/>
+          <ac:spMkLst>
+            <pc:docMk/>
+            <pc:sldMk cId="4047255108" sldId="267"/>
+            <ac:spMk id="2" creationId="{E8B8F26E-9345-4747-9094-972E38700A17}"/>
+          </ac:spMkLst>
+        </pc:spChg>
+        <pc:spChg chg="mod">
+          <ac:chgData name="Nazri Jasmal" userId="e6a065d2aca82f38" providerId="LiveId" clId="{045C37C3-1970-4C45-95B9-9F160D623BBC}" dt="2023-10-21T21:05:37.566" v="230" actId="20577"/>
+          <ac:spMkLst>
+            <pc:docMk/>
+            <pc:sldMk cId="4047255108" sldId="267"/>
+            <ac:spMk id="3" creationId="{60B3D5A6-E766-7C41-BD00-B22DA4727FBA}"/>
+          </ac:spMkLst>
+        </pc:spChg>
+      </pc:sldChg>
+      <pc:sldChg chg="modSp mod">
+        <pc:chgData name="Nazri Jasmal" userId="e6a065d2aca82f38" providerId="LiveId" clId="{045C37C3-1970-4C45-95B9-9F160D623BBC}" dt="2023-10-24T17:35:42.017" v="2036" actId="20577"/>
+        <pc:sldMkLst>
+          <pc:docMk/>
+          <pc:sldMk cId="116821060" sldId="268"/>
+        </pc:sldMkLst>
+        <pc:spChg chg="mod">
+          <ac:chgData name="Nazri Jasmal" userId="e6a065d2aca82f38" providerId="LiveId" clId="{045C37C3-1970-4C45-95B9-9F160D623BBC}" dt="2023-10-24T17:35:42.017" v="2036" actId="20577"/>
+          <ac:spMkLst>
+            <pc:docMk/>
+            <pc:sldMk cId="116821060" sldId="268"/>
+            <ac:spMk id="2" creationId="{E8B8F26E-9345-4747-9094-972E38700A17}"/>
+          </ac:spMkLst>
+        </pc:spChg>
+        <pc:spChg chg="mod">
+          <ac:chgData name="Nazri Jasmal" userId="e6a065d2aca82f38" providerId="LiveId" clId="{045C37C3-1970-4C45-95B9-9F160D623BBC}" dt="2023-10-24T17:34:59.386" v="2031" actId="21"/>
+          <ac:spMkLst>
+            <pc:docMk/>
+            <pc:sldMk cId="116821060" sldId="268"/>
+            <ac:spMk id="6" creationId="{2D4BA697-580E-5544-8F2F-194AD99B859F}"/>
+          </ac:spMkLst>
+        </pc:spChg>
+      </pc:sldChg>
       <pc:sldChg chg="addSp delSp modSp new del mod chgLayout">
         <pc:chgData name="Nazri Jasmal" userId="e6a065d2aca82f38" providerId="LiveId" clId="{045C37C3-1970-4C45-95B9-9F160D623BBC}" dt="2023-10-21T14:58:05.960" v="176" actId="2696"/>
         <pc:sldMkLst>
@@ -220,14 +277,14 @@
           </ac:graphicFrameMkLst>
         </pc:graphicFrameChg>
       </pc:sldChg>
-      <pc:sldChg chg="addSp delSp modSp new mod setBg setClrOvrMap delDesignElem">
-        <pc:chgData name="Nazri Jasmal" userId="e6a065d2aca82f38" providerId="LiveId" clId="{045C37C3-1970-4C45-95B9-9F160D623BBC}" dt="2023-10-21T15:06:35.811" v="200" actId="14100"/>
+      <pc:sldChg chg="addSp delSp modSp new del mod setBg modClrScheme setClrOvrMap delDesignElem chgLayout">
+        <pc:chgData name="Nazri Jasmal" userId="e6a065d2aca82f38" providerId="LiveId" clId="{045C37C3-1970-4C45-95B9-9F160D623BBC}" dt="2023-10-21T21:49:32.084" v="899" actId="2696"/>
         <pc:sldMkLst>
           <pc:docMk/>
           <pc:sldMk cId="4133099076" sldId="269"/>
         </pc:sldMkLst>
-        <pc:spChg chg="mod">
-          <ac:chgData name="Nazri Jasmal" userId="e6a065d2aca82f38" providerId="LiveId" clId="{045C37C3-1970-4C45-95B9-9F160D623BBC}" dt="2023-10-21T15:06:19.899" v="198" actId="14100"/>
+        <pc:spChg chg="mod ord">
+          <ac:chgData name="Nazri Jasmal" userId="e6a065d2aca82f38" providerId="LiveId" clId="{045C37C3-1970-4C45-95B9-9F160D623BBC}" dt="2023-10-21T21:12:20.169" v="455" actId="14100"/>
           <ac:spMkLst>
             <pc:docMk/>
             <pc:sldMk cId="4133099076" sldId="269"/>
@@ -235,11 +292,27 @@
           </ac:spMkLst>
         </pc:spChg>
         <pc:spChg chg="add del mod">
+          <ac:chgData name="Nazri Jasmal" userId="e6a065d2aca82f38" providerId="LiveId" clId="{045C37C3-1970-4C45-95B9-9F160D623BBC}" dt="2023-10-21T21:10:51.163" v="446"/>
+          <ac:spMkLst>
+            <pc:docMk/>
+            <pc:sldMk cId="4133099076" sldId="269"/>
+            <ac:spMk id="3" creationId="{8D7FD720-FCA8-54CA-900D-1E132C7910CF}"/>
+          </ac:spMkLst>
+        </pc:spChg>
+        <pc:spChg chg="add del mod">
           <ac:chgData name="Nazri Jasmal" userId="e6a065d2aca82f38" providerId="LiveId" clId="{045C37C3-1970-4C45-95B9-9F160D623BBC}" dt="2023-10-21T15:01:33.319" v="189" actId="26606"/>
           <ac:spMkLst>
             <pc:docMk/>
             <pc:sldMk cId="4133099076" sldId="269"/>
             <ac:spMk id="3" creationId="{C764DEDE-B45D-6C2C-5EEF-D269F6A5F781}"/>
+          </ac:spMkLst>
+        </pc:spChg>
+        <pc:spChg chg="add mod ord">
+          <ac:chgData name="Nazri Jasmal" userId="e6a065d2aca82f38" providerId="LiveId" clId="{045C37C3-1970-4C45-95B9-9F160D623BBC}" dt="2023-10-21T21:44:10.295" v="876" actId="27636"/>
+          <ac:spMkLst>
+            <pc:docMk/>
+            <pc:sldMk cId="4133099076" sldId="269"/>
+            <ac:spMk id="4" creationId="{61B3FE97-97BD-297C-182C-526A1F126BA7}"/>
           </ac:spMkLst>
         </pc:spChg>
         <pc:spChg chg="add del">
@@ -298,8 +371,8 @@
             <ac:spMk id="16" creationId="{53E5B1A8-3AC9-4BD1-9BBC-78CA94F2D1BA}"/>
           </ac:spMkLst>
         </pc:spChg>
-        <pc:spChg chg="add mod">
-          <ac:chgData name="Nazri Jasmal" userId="e6a065d2aca82f38" providerId="LiveId" clId="{045C37C3-1970-4C45-95B9-9F160D623BBC}" dt="2023-10-21T15:06:35.811" v="200" actId="14100"/>
+        <pc:spChg chg="add del mod ord">
+          <ac:chgData name="Nazri Jasmal" userId="e6a065d2aca82f38" providerId="LiveId" clId="{045C37C3-1970-4C45-95B9-9F160D623BBC}" dt="2023-10-21T21:11:16.883" v="447" actId="700"/>
           <ac:spMkLst>
             <pc:docMk/>
             <pc:sldMk cId="4133099076" sldId="269"/>
@@ -322,19 +395,683 @@
           </ac:spMkLst>
         </pc:spChg>
       </pc:sldChg>
-      <pc:sldChg chg="add">
-        <pc:chgData name="Nazri Jasmal" userId="e6a065d2aca82f38" providerId="LiveId" clId="{045C37C3-1970-4C45-95B9-9F160D623BBC}" dt="2023-10-21T15:06:41.945" v="201" actId="2890"/>
+      <pc:sldChg chg="addSp delSp modSp add mod">
+        <pc:chgData name="Nazri Jasmal" userId="e6a065d2aca82f38" providerId="LiveId" clId="{045C37C3-1970-4C45-95B9-9F160D623BBC}" dt="2023-10-24T12:36:17.384" v="1650" actId="1076"/>
         <pc:sldMkLst>
           <pc:docMk/>
           <pc:sldMk cId="4204140153" sldId="270"/>
         </pc:sldMkLst>
+        <pc:spChg chg="mod">
+          <ac:chgData name="Nazri Jasmal" userId="e6a065d2aca82f38" providerId="LiveId" clId="{045C37C3-1970-4C45-95B9-9F160D623BBC}" dt="2023-10-21T22:26:04.670" v="1457" actId="20577"/>
+          <ac:spMkLst>
+            <pc:docMk/>
+            <pc:sldMk cId="4204140153" sldId="270"/>
+            <ac:spMk id="2" creationId="{5297B551-8FFF-A9BD-185D-B09EA4308D56}"/>
+          </ac:spMkLst>
+        </pc:spChg>
+        <pc:spChg chg="add mod">
+          <ac:chgData name="Nazri Jasmal" userId="e6a065d2aca82f38" providerId="LiveId" clId="{045C37C3-1970-4C45-95B9-9F160D623BBC}" dt="2023-10-21T22:31:20.269" v="1521" actId="313"/>
+          <ac:spMkLst>
+            <pc:docMk/>
+            <pc:sldMk cId="4204140153" sldId="270"/>
+            <ac:spMk id="8" creationId="{AAE7C4B2-013E-D0D6-3388-0CEBC33CD6BB}"/>
+          </ac:spMkLst>
+        </pc:spChg>
+        <pc:spChg chg="add del">
+          <ac:chgData name="Nazri Jasmal" userId="e6a065d2aca82f38" providerId="LiveId" clId="{045C37C3-1970-4C45-95B9-9F160D623BBC}" dt="2023-10-21T22:19:39.501" v="1152" actId="26606"/>
+          <ac:spMkLst>
+            <pc:docMk/>
+            <pc:sldMk cId="4204140153" sldId="270"/>
+            <ac:spMk id="14" creationId="{5EF17487-C386-4F99-B5EB-4FD3DF4236B2}"/>
+          </ac:spMkLst>
+        </pc:spChg>
+        <pc:spChg chg="del mod">
+          <ac:chgData name="Nazri Jasmal" userId="e6a065d2aca82f38" providerId="LiveId" clId="{045C37C3-1970-4C45-95B9-9F160D623BBC}" dt="2023-10-21T22:10:07.548" v="1080" actId="22"/>
+          <ac:spMkLst>
+            <pc:docMk/>
+            <pc:sldMk cId="4204140153" sldId="270"/>
+            <ac:spMk id="17" creationId="{C764DEDE-B45D-6C2C-5EEF-D269F6A5F781}"/>
+          </ac:spMkLst>
+        </pc:spChg>
+        <pc:spChg chg="add del">
+          <ac:chgData name="Nazri Jasmal" userId="e6a065d2aca82f38" providerId="LiveId" clId="{045C37C3-1970-4C45-95B9-9F160D623BBC}" dt="2023-10-21T22:19:39.501" v="1152" actId="26606"/>
+          <ac:spMkLst>
+            <pc:docMk/>
+            <pc:sldMk cId="4204140153" sldId="270"/>
+            <ac:spMk id="19" creationId="{A0DE92DF-4769-4DE9-93FD-EE31271850CA}"/>
+          </ac:spMkLst>
+        </pc:spChg>
+        <pc:picChg chg="add del mod ord">
+          <ac:chgData name="Nazri Jasmal" userId="e6a065d2aca82f38" providerId="LiveId" clId="{045C37C3-1970-4C45-95B9-9F160D623BBC}" dt="2023-10-21T22:14:57.477" v="1098" actId="478"/>
+          <ac:picMkLst>
+            <pc:docMk/>
+            <pc:sldMk cId="4204140153" sldId="270"/>
+            <ac:picMk id="4" creationId="{2A52B1EB-BE6A-1F9E-89CB-1CE7E0750443}"/>
+          </ac:picMkLst>
+        </pc:picChg>
+        <pc:picChg chg="add del mod">
+          <ac:chgData name="Nazri Jasmal" userId="e6a065d2aca82f38" providerId="LiveId" clId="{045C37C3-1970-4C45-95B9-9F160D623BBC}" dt="2023-10-21T22:14:59.527" v="1099" actId="478"/>
+          <ac:picMkLst>
+            <pc:docMk/>
+            <pc:sldMk cId="4204140153" sldId="270"/>
+            <ac:picMk id="6" creationId="{562FDA9C-5687-662B-D088-8A17D531BD3C}"/>
+          </ac:picMkLst>
+        </pc:picChg>
+        <pc:picChg chg="add mod ord">
+          <ac:chgData name="Nazri Jasmal" userId="e6a065d2aca82f38" providerId="LiveId" clId="{045C37C3-1970-4C45-95B9-9F160D623BBC}" dt="2023-10-24T12:36:17.384" v="1650" actId="1076"/>
+          <ac:picMkLst>
+            <pc:docMk/>
+            <pc:sldMk cId="4204140153" sldId="270"/>
+            <ac:picMk id="10" creationId="{6CB18174-D108-6B75-3654-4EA0E77937CE}"/>
+          </ac:picMkLst>
+        </pc:picChg>
+        <pc:picChg chg="add mod">
+          <ac:chgData name="Nazri Jasmal" userId="e6a065d2aca82f38" providerId="LiveId" clId="{045C37C3-1970-4C45-95B9-9F160D623BBC}" dt="2023-10-21T22:19:39.501" v="1152" actId="26606"/>
+          <ac:picMkLst>
+            <pc:docMk/>
+            <pc:sldMk cId="4204140153" sldId="270"/>
+            <ac:picMk id="12" creationId="{B917DF74-B05B-8B99-07F8-5350CD5C1015}"/>
+          </ac:picMkLst>
+        </pc:picChg>
       </pc:sldChg>
-      <pc:sldChg chg="add">
-        <pc:chgData name="Nazri Jasmal" userId="e6a065d2aca82f38" providerId="LiveId" clId="{045C37C3-1970-4C45-95B9-9F160D623BBC}" dt="2023-10-21T15:06:46.337" v="202" actId="2890"/>
+      <pc:sldChg chg="addSp delSp modSp add mod">
+        <pc:chgData name="Nazri Jasmal" userId="e6a065d2aca82f38" providerId="LiveId" clId="{045C37C3-1970-4C45-95B9-9F160D623BBC}" dt="2023-10-24T12:17:58.605" v="1565" actId="20577"/>
         <pc:sldMkLst>
           <pc:docMk/>
           <pc:sldMk cId="2943574500" sldId="271"/>
         </pc:sldMkLst>
+        <pc:spChg chg="mod">
+          <ac:chgData name="Nazri Jasmal" userId="e6a065d2aca82f38" providerId="LiveId" clId="{045C37C3-1970-4C45-95B9-9F160D623BBC}" dt="2023-10-24T12:14:55.031" v="1524" actId="26606"/>
+          <ac:spMkLst>
+            <pc:docMk/>
+            <pc:sldMk cId="2943574500" sldId="271"/>
+            <ac:spMk id="2" creationId="{5297B551-8FFF-A9BD-185D-B09EA4308D56}"/>
+          </ac:spMkLst>
+        </pc:spChg>
+        <pc:spChg chg="add mod">
+          <ac:chgData name="Nazri Jasmal" userId="e6a065d2aca82f38" providerId="LiveId" clId="{045C37C3-1970-4C45-95B9-9F160D623BBC}" dt="2023-10-24T12:17:58.605" v="1565" actId="20577"/>
+          <ac:spMkLst>
+            <pc:docMk/>
+            <pc:sldMk cId="2943574500" sldId="271"/>
+            <ac:spMk id="5" creationId="{BD85EADB-78EB-1CFA-4D3F-1A62C0AD6B22}"/>
+          </ac:spMkLst>
+        </pc:spChg>
+        <pc:spChg chg="add del">
+          <ac:chgData name="Nazri Jasmal" userId="e6a065d2aca82f38" providerId="LiveId" clId="{045C37C3-1970-4C45-95B9-9F160D623BBC}" dt="2023-10-24T12:14:55.031" v="1524" actId="26606"/>
+          <ac:spMkLst>
+            <pc:docMk/>
+            <pc:sldMk cId="2943574500" sldId="271"/>
+            <ac:spMk id="9" creationId="{D4771268-CB57-404A-9271-370EB28F6090}"/>
+          </ac:spMkLst>
+        </pc:spChg>
+        <pc:spChg chg="del">
+          <ac:chgData name="Nazri Jasmal" userId="e6a065d2aca82f38" providerId="LiveId" clId="{045C37C3-1970-4C45-95B9-9F160D623BBC}" dt="2023-10-24T12:14:26.601" v="1522" actId="22"/>
+          <ac:spMkLst>
+            <pc:docMk/>
+            <pc:sldMk cId="2943574500" sldId="271"/>
+            <ac:spMk id="17" creationId="{C764DEDE-B45D-6C2C-5EEF-D269F6A5F781}"/>
+          </ac:spMkLst>
+        </pc:spChg>
+        <pc:picChg chg="add mod ord">
+          <ac:chgData name="Nazri Jasmal" userId="e6a065d2aca82f38" providerId="LiveId" clId="{045C37C3-1970-4C45-95B9-9F160D623BBC}" dt="2023-10-24T12:16:10.635" v="1528" actId="1076"/>
+          <ac:picMkLst>
+            <pc:docMk/>
+            <pc:sldMk cId="2943574500" sldId="271"/>
+            <ac:picMk id="4" creationId="{36B531E5-E2E1-1632-2D0E-B8D8940AC647}"/>
+          </ac:picMkLst>
+        </pc:picChg>
+      </pc:sldChg>
+      <pc:sldChg chg="modSp add mod">
+        <pc:chgData name="Nazri Jasmal" userId="e6a065d2aca82f38" providerId="LiveId" clId="{045C37C3-1970-4C45-95B9-9F160D623BBC}" dt="2023-10-24T18:02:43.550" v="2599" actId="27636"/>
+        <pc:sldMkLst>
+          <pc:docMk/>
+          <pc:sldMk cId="1887042566" sldId="272"/>
+        </pc:sldMkLst>
+        <pc:spChg chg="mod">
+          <ac:chgData name="Nazri Jasmal" userId="e6a065d2aca82f38" providerId="LiveId" clId="{045C37C3-1970-4C45-95B9-9F160D623BBC}" dt="2023-10-21T21:33:40.574" v="801" actId="20577"/>
+          <ac:spMkLst>
+            <pc:docMk/>
+            <pc:sldMk cId="1887042566" sldId="272"/>
+            <ac:spMk id="2" creationId="{E8B8F26E-9345-4747-9094-972E38700A17}"/>
+          </ac:spMkLst>
+        </pc:spChg>
+        <pc:spChg chg="mod">
+          <ac:chgData name="Nazri Jasmal" userId="e6a065d2aca82f38" providerId="LiveId" clId="{045C37C3-1970-4C45-95B9-9F160D623BBC}" dt="2023-10-24T18:02:43.550" v="2599" actId="27636"/>
+          <ac:spMkLst>
+            <pc:docMk/>
+            <pc:sldMk cId="1887042566" sldId="272"/>
+            <ac:spMk id="3" creationId="{60B3D5A6-E766-7C41-BD00-B22DA4727FBA}"/>
+          </ac:spMkLst>
+        </pc:spChg>
+      </pc:sldChg>
+      <pc:sldChg chg="modSp add mod ord">
+        <pc:chgData name="Nazri Jasmal" userId="e6a065d2aca82f38" providerId="LiveId" clId="{045C37C3-1970-4C45-95B9-9F160D623BBC}" dt="2023-10-21T21:54:26.324" v="974" actId="207"/>
+        <pc:sldMkLst>
+          <pc:docMk/>
+          <pc:sldMk cId="3460855582" sldId="273"/>
+        </pc:sldMkLst>
+        <pc:spChg chg="mod">
+          <ac:chgData name="Nazri Jasmal" userId="e6a065d2aca82f38" providerId="LiveId" clId="{045C37C3-1970-4C45-95B9-9F160D623BBC}" dt="2023-10-21T21:34:34.307" v="810" actId="20577"/>
+          <ac:spMkLst>
+            <pc:docMk/>
+            <pc:sldMk cId="3460855582" sldId="273"/>
+            <ac:spMk id="2" creationId="{E8B8F26E-9345-4747-9094-972E38700A17}"/>
+          </ac:spMkLst>
+        </pc:spChg>
+        <pc:spChg chg="mod">
+          <ac:chgData name="Nazri Jasmal" userId="e6a065d2aca82f38" providerId="LiveId" clId="{045C37C3-1970-4C45-95B9-9F160D623BBC}" dt="2023-10-21T21:54:26.324" v="974" actId="207"/>
+          <ac:spMkLst>
+            <pc:docMk/>
+            <pc:sldMk cId="3460855582" sldId="273"/>
+            <ac:spMk id="3" creationId="{60B3D5A6-E766-7C41-BD00-B22DA4727FBA}"/>
+          </ac:spMkLst>
+        </pc:spChg>
+      </pc:sldChg>
+      <pc:sldChg chg="modSp add mod ord">
+        <pc:chgData name="Nazri Jasmal" userId="e6a065d2aca82f38" providerId="LiveId" clId="{045C37C3-1970-4C45-95B9-9F160D623BBC}" dt="2023-10-24T18:21:15.242" v="2870" actId="20577"/>
+        <pc:sldMkLst>
+          <pc:docMk/>
+          <pc:sldMk cId="2209780632" sldId="274"/>
+        </pc:sldMkLst>
+        <pc:spChg chg="mod">
+          <ac:chgData name="Nazri Jasmal" userId="e6a065d2aca82f38" providerId="LiveId" clId="{045C37C3-1970-4C45-95B9-9F160D623BBC}" dt="2023-10-21T21:47:13.512" v="897" actId="20577"/>
+          <ac:spMkLst>
+            <pc:docMk/>
+            <pc:sldMk cId="2209780632" sldId="274"/>
+            <ac:spMk id="2" creationId="{E8B8F26E-9345-4747-9094-972E38700A17}"/>
+          </ac:spMkLst>
+        </pc:spChg>
+        <pc:spChg chg="mod">
+          <ac:chgData name="Nazri Jasmal" userId="e6a065d2aca82f38" providerId="LiveId" clId="{045C37C3-1970-4C45-95B9-9F160D623BBC}" dt="2023-10-24T18:21:15.242" v="2870" actId="20577"/>
+          <ac:spMkLst>
+            <pc:docMk/>
+            <pc:sldMk cId="2209780632" sldId="274"/>
+            <ac:spMk id="3" creationId="{60B3D5A6-E766-7C41-BD00-B22DA4727FBA}"/>
+          </ac:spMkLst>
+        </pc:spChg>
+      </pc:sldChg>
+      <pc:sldChg chg="new del">
+        <pc:chgData name="Nazri Jasmal" userId="e6a065d2aca82f38" providerId="LiveId" clId="{045C37C3-1970-4C45-95B9-9F160D623BBC}" dt="2023-10-21T22:00:29.140" v="1037" actId="2696"/>
+        <pc:sldMkLst>
+          <pc:docMk/>
+          <pc:sldMk cId="1487410453" sldId="275"/>
+        </pc:sldMkLst>
+      </pc:sldChg>
+      <pc:sldChg chg="new del">
+        <pc:chgData name="Nazri Jasmal" userId="e6a065d2aca82f38" providerId="LiveId" clId="{045C37C3-1970-4C45-95B9-9F160D623BBC}" dt="2023-10-21T22:00:57.838" v="1039" actId="2696"/>
+        <pc:sldMkLst>
+          <pc:docMk/>
+          <pc:sldMk cId="1497337661" sldId="275"/>
+        </pc:sldMkLst>
+      </pc:sldChg>
+      <pc:sldChg chg="addSp delSp modSp new mod ord">
+        <pc:chgData name="Nazri Jasmal" userId="e6a065d2aca82f38" providerId="LiveId" clId="{045C37C3-1970-4C45-95B9-9F160D623BBC}" dt="2023-10-24T18:18:27.759" v="2756" actId="20577"/>
+        <pc:sldMkLst>
+          <pc:docMk/>
+          <pc:sldMk cId="3732162510" sldId="275"/>
+        </pc:sldMkLst>
+        <pc:spChg chg="del mod">
+          <ac:chgData name="Nazri Jasmal" userId="e6a065d2aca82f38" providerId="LiveId" clId="{045C37C3-1970-4C45-95B9-9F160D623BBC}" dt="2023-10-21T22:01:39.229" v="1047"/>
+          <ac:spMkLst>
+            <pc:docMk/>
+            <pc:sldMk cId="3732162510" sldId="275"/>
+            <ac:spMk id="2" creationId="{45B4FE28-A0BA-FB79-367B-9FE8F034BD20}"/>
+          </ac:spMkLst>
+        </pc:spChg>
+        <pc:spChg chg="add mod">
+          <ac:chgData name="Nazri Jasmal" userId="e6a065d2aca82f38" providerId="LiveId" clId="{045C37C3-1970-4C45-95B9-9F160D623BBC}" dt="2023-10-24T18:18:27.759" v="2756" actId="20577"/>
+          <ac:spMkLst>
+            <pc:docMk/>
+            <pc:sldMk cId="3732162510" sldId="275"/>
+            <ac:spMk id="2" creationId="{BC6B02C7-AB20-3521-DFB1-D8DD5AF4F0F9}"/>
+          </ac:spMkLst>
+        </pc:spChg>
+        <pc:spChg chg="mod">
+          <ac:chgData name="Nazri Jasmal" userId="e6a065d2aca82f38" providerId="LiveId" clId="{045C37C3-1970-4C45-95B9-9F160D623BBC}" dt="2023-10-21T22:03:25.700" v="1059" actId="12"/>
+          <ac:spMkLst>
+            <pc:docMk/>
+            <pc:sldMk cId="3732162510" sldId="275"/>
+            <ac:spMk id="3" creationId="{07D09F2E-AC84-F2F9-17FA-74BD3FCAA546}"/>
+          </ac:spMkLst>
+        </pc:spChg>
+        <pc:spChg chg="add mod">
+          <ac:chgData name="Nazri Jasmal" userId="e6a065d2aca82f38" providerId="LiveId" clId="{045C37C3-1970-4C45-95B9-9F160D623BBC}" dt="2023-10-21T22:03:14.622" v="1058" actId="255"/>
+          <ac:spMkLst>
+            <pc:docMk/>
+            <pc:sldMk cId="3732162510" sldId="275"/>
+            <ac:spMk id="4" creationId="{E840BB47-7261-CD2A-B976-F02A5C6B6141}"/>
+          </ac:spMkLst>
+        </pc:spChg>
+      </pc:sldChg>
+      <pc:sldChg chg="addSp delSp modSp add mod ord setBg addAnim delAnim">
+        <pc:chgData name="Nazri Jasmal" userId="e6a065d2aca82f38" providerId="LiveId" clId="{045C37C3-1970-4C45-95B9-9F160D623BBC}" dt="2023-10-24T12:51:06.090" v="1701" actId="14100"/>
+        <pc:sldMkLst>
+          <pc:docMk/>
+          <pc:sldMk cId="1901692113" sldId="276"/>
+        </pc:sldMkLst>
+        <pc:spChg chg="mod ord">
+          <ac:chgData name="Nazri Jasmal" userId="e6a065d2aca82f38" providerId="LiveId" clId="{045C37C3-1970-4C45-95B9-9F160D623BBC}" dt="2023-10-24T12:36:32.803" v="1653" actId="26606"/>
+          <ac:spMkLst>
+            <pc:docMk/>
+            <pc:sldMk cId="1901692113" sldId="276"/>
+            <ac:spMk id="3" creationId="{07D09F2E-AC84-F2F9-17FA-74BD3FCAA546}"/>
+          </ac:spMkLst>
+        </pc:spChg>
+        <pc:spChg chg="mod ord">
+          <ac:chgData name="Nazri Jasmal" userId="e6a065d2aca82f38" providerId="LiveId" clId="{045C37C3-1970-4C45-95B9-9F160D623BBC}" dt="2023-10-24T12:36:32.803" v="1653" actId="26606"/>
+          <ac:spMkLst>
+            <pc:docMk/>
+            <pc:sldMk cId="1901692113" sldId="276"/>
+            <ac:spMk id="4" creationId="{E840BB47-7261-CD2A-B976-F02A5C6B6141}"/>
+          </ac:spMkLst>
+        </pc:spChg>
+        <pc:spChg chg="add mod">
+          <ac:chgData name="Nazri Jasmal" userId="e6a065d2aca82f38" providerId="LiveId" clId="{045C37C3-1970-4C45-95B9-9F160D623BBC}" dt="2023-10-24T12:51:06.090" v="1701" actId="14100"/>
+          <ac:spMkLst>
+            <pc:docMk/>
+            <pc:sldMk cId="1901692113" sldId="276"/>
+            <ac:spMk id="8" creationId="{0928D065-7E4C-23FE-C432-41AFB7338331}"/>
+          </ac:spMkLst>
+        </pc:spChg>
+        <pc:spChg chg="add del">
+          <ac:chgData name="Nazri Jasmal" userId="e6a065d2aca82f38" providerId="LiveId" clId="{045C37C3-1970-4C45-95B9-9F160D623BBC}" dt="2023-10-24T12:36:32.803" v="1653" actId="26606"/>
+          <ac:spMkLst>
+            <pc:docMk/>
+            <pc:sldMk cId="1901692113" sldId="276"/>
+            <ac:spMk id="10" creationId="{0671A8AE-40A1-4631-A6B8-581AFF065482}"/>
+          </ac:spMkLst>
+        </pc:spChg>
+        <pc:spChg chg="add del">
+          <ac:chgData name="Nazri Jasmal" userId="e6a065d2aca82f38" providerId="LiveId" clId="{045C37C3-1970-4C45-95B9-9F160D623BBC}" dt="2023-10-24T12:36:32.803" v="1653" actId="26606"/>
+          <ac:spMkLst>
+            <pc:docMk/>
+            <pc:sldMk cId="1901692113" sldId="276"/>
+            <ac:spMk id="12" creationId="{AB58EF07-17C2-48CF-ABB0-EEF1F17CB8F0}"/>
+          </ac:spMkLst>
+        </pc:spChg>
+        <pc:spChg chg="add del">
+          <ac:chgData name="Nazri Jasmal" userId="e6a065d2aca82f38" providerId="LiveId" clId="{045C37C3-1970-4C45-95B9-9F160D623BBC}" dt="2023-10-24T12:36:32.803" v="1653" actId="26606"/>
+          <ac:spMkLst>
+            <pc:docMk/>
+            <pc:sldMk cId="1901692113" sldId="276"/>
+            <ac:spMk id="14" creationId="{AF2F604E-43BE-4DC3-B983-E071523364F8}"/>
+          </ac:spMkLst>
+        </pc:spChg>
+        <pc:spChg chg="add del">
+          <ac:chgData name="Nazri Jasmal" userId="e6a065d2aca82f38" providerId="LiveId" clId="{045C37C3-1970-4C45-95B9-9F160D623BBC}" dt="2023-10-24T12:36:32.803" v="1653" actId="26606"/>
+          <ac:spMkLst>
+            <pc:docMk/>
+            <pc:sldMk cId="1901692113" sldId="276"/>
+            <ac:spMk id="16" creationId="{08C9B587-E65E-4B52-B37C-ABEBB6E87928}"/>
+          </ac:spMkLst>
+        </pc:spChg>
+        <pc:picChg chg="add mod">
+          <ac:chgData name="Nazri Jasmal" userId="e6a065d2aca82f38" providerId="LiveId" clId="{045C37C3-1970-4C45-95B9-9F160D623BBC}" dt="2023-10-24T12:36:32.803" v="1653" actId="26606"/>
+          <ac:picMkLst>
+            <pc:docMk/>
+            <pc:sldMk cId="1901692113" sldId="276"/>
+            <ac:picMk id="5" creationId="{BB68543E-2A07-7484-0DF6-BBBCA834CA65}"/>
+          </ac:picMkLst>
+        </pc:picChg>
+        <pc:picChg chg="add mod">
+          <ac:chgData name="Nazri Jasmal" userId="e6a065d2aca82f38" providerId="LiveId" clId="{045C37C3-1970-4C45-95B9-9F160D623BBC}" dt="2023-10-24T12:44:39.908" v="1666" actId="1076"/>
+          <ac:picMkLst>
+            <pc:docMk/>
+            <pc:sldMk cId="1901692113" sldId="276"/>
+            <ac:picMk id="7" creationId="{5D7F1A81-A36C-EFA1-DBA4-87EE1DEA1504}"/>
+          </ac:picMkLst>
+        </pc:picChg>
+      </pc:sldChg>
+      <pc:sldChg chg="addSp modSp add mod">
+        <pc:chgData name="Nazri Jasmal" userId="e6a065d2aca82f38" providerId="LiveId" clId="{045C37C3-1970-4C45-95B9-9F160D623BBC}" dt="2023-10-24T17:42:03.733" v="2072" actId="5793"/>
+        <pc:sldMkLst>
+          <pc:docMk/>
+          <pc:sldMk cId="501279495" sldId="277"/>
+        </pc:sldMkLst>
+        <pc:spChg chg="mod">
+          <ac:chgData name="Nazri Jasmal" userId="e6a065d2aca82f38" providerId="LiveId" clId="{045C37C3-1970-4C45-95B9-9F160D623BBC}" dt="2023-10-24T17:38:07.241" v="2037" actId="14100"/>
+          <ac:spMkLst>
+            <pc:docMk/>
+            <pc:sldMk cId="501279495" sldId="277"/>
+            <ac:spMk id="3" creationId="{07D09F2E-AC84-F2F9-17FA-74BD3FCAA546}"/>
+          </ac:spMkLst>
+        </pc:spChg>
+        <pc:spChg chg="mod">
+          <ac:chgData name="Nazri Jasmal" userId="e6a065d2aca82f38" providerId="LiveId" clId="{045C37C3-1970-4C45-95B9-9F160D623BBC}" dt="2023-10-24T12:57:13.844" v="1725" actId="14100"/>
+          <ac:spMkLst>
+            <pc:docMk/>
+            <pc:sldMk cId="501279495" sldId="277"/>
+            <ac:spMk id="4" creationId="{E840BB47-7261-CD2A-B976-F02A5C6B6141}"/>
+          </ac:spMkLst>
+        </pc:spChg>
+        <pc:spChg chg="add mod">
+          <ac:chgData name="Nazri Jasmal" userId="e6a065d2aca82f38" providerId="LiveId" clId="{045C37C3-1970-4C45-95B9-9F160D623BBC}" dt="2023-10-24T17:42:03.733" v="2072" actId="5793"/>
+          <ac:spMkLst>
+            <pc:docMk/>
+            <pc:sldMk cId="501279495" sldId="277"/>
+            <ac:spMk id="7" creationId="{FC5884BA-6CAC-41E5-88C9-AFBBAE8905FE}"/>
+          </ac:spMkLst>
+        </pc:spChg>
+        <pc:picChg chg="add mod">
+          <ac:chgData name="Nazri Jasmal" userId="e6a065d2aca82f38" providerId="LiveId" clId="{045C37C3-1970-4C45-95B9-9F160D623BBC}" dt="2023-10-24T12:57:19.384" v="1726" actId="1076"/>
+          <ac:picMkLst>
+            <pc:docMk/>
+            <pc:sldMk cId="501279495" sldId="277"/>
+            <ac:picMk id="5" creationId="{2A662451-E8B8-0521-B6F0-383FD667B2D7}"/>
+          </ac:picMkLst>
+        </pc:picChg>
+      </pc:sldChg>
+      <pc:sldChg chg="addSp delSp modSp add mod">
+        <pc:chgData name="Nazri Jasmal" userId="e6a065d2aca82f38" providerId="LiveId" clId="{045C37C3-1970-4C45-95B9-9F160D623BBC}" dt="2023-10-24T17:48:35.156" v="2226" actId="14100"/>
+        <pc:sldMkLst>
+          <pc:docMk/>
+          <pc:sldMk cId="1550492675" sldId="278"/>
+        </pc:sldMkLst>
+        <pc:spChg chg="mod">
+          <ac:chgData name="Nazri Jasmal" userId="e6a065d2aca82f38" providerId="LiveId" clId="{045C37C3-1970-4C45-95B9-9F160D623BBC}" dt="2023-10-24T17:46:35.480" v="2216" actId="12"/>
+          <ac:spMkLst>
+            <pc:docMk/>
+            <pc:sldMk cId="1550492675" sldId="278"/>
+            <ac:spMk id="3" creationId="{07D09F2E-AC84-F2F9-17FA-74BD3FCAA546}"/>
+          </ac:spMkLst>
+        </pc:spChg>
+        <pc:spChg chg="mod">
+          <ac:chgData name="Nazri Jasmal" userId="e6a065d2aca82f38" providerId="LiveId" clId="{045C37C3-1970-4C45-95B9-9F160D623BBC}" dt="2023-10-24T17:48:35.156" v="2226" actId="14100"/>
+          <ac:spMkLst>
+            <pc:docMk/>
+            <pc:sldMk cId="1550492675" sldId="278"/>
+            <ac:spMk id="4" creationId="{E840BB47-7261-CD2A-B976-F02A5C6B6141}"/>
+          </ac:spMkLst>
+        </pc:spChg>
+        <pc:spChg chg="add del">
+          <ac:chgData name="Nazri Jasmal" userId="e6a065d2aca82f38" providerId="LiveId" clId="{045C37C3-1970-4C45-95B9-9F160D623BBC}" dt="2023-10-24T17:43:36.656" v="2074" actId="22"/>
+          <ac:spMkLst>
+            <pc:docMk/>
+            <pc:sldMk cId="1550492675" sldId="278"/>
+            <ac:spMk id="9" creationId="{E94E7D94-C355-CBEB-DF88-4636B8AD127B}"/>
+          </ac:spMkLst>
+        </pc:spChg>
+        <pc:picChg chg="add mod">
+          <ac:chgData name="Nazri Jasmal" userId="e6a065d2aca82f38" providerId="LiveId" clId="{045C37C3-1970-4C45-95B9-9F160D623BBC}" dt="2023-10-24T17:48:31.603" v="2225" actId="1076"/>
+          <ac:picMkLst>
+            <pc:docMk/>
+            <pc:sldMk cId="1550492675" sldId="278"/>
+            <ac:picMk id="5" creationId="{CE0238E5-7189-4ACD-EA0D-895850F61364}"/>
+          </ac:picMkLst>
+        </pc:picChg>
+        <pc:picChg chg="add mod">
+          <ac:chgData name="Nazri Jasmal" userId="e6a065d2aca82f38" providerId="LiveId" clId="{045C37C3-1970-4C45-95B9-9F160D623BBC}" dt="2023-10-24T13:53:56.377" v="1919" actId="1076"/>
+          <ac:picMkLst>
+            <pc:docMk/>
+            <pc:sldMk cId="1550492675" sldId="278"/>
+            <ac:picMk id="7" creationId="{012927F2-E417-8E02-34BA-855AD570BA15}"/>
+          </ac:picMkLst>
+        </pc:picChg>
+      </pc:sldChg>
+      <pc:sldChg chg="addSp delSp modSp add mod">
+        <pc:chgData name="Nazri Jasmal" userId="e6a065d2aca82f38" providerId="LiveId" clId="{045C37C3-1970-4C45-95B9-9F160D623BBC}" dt="2023-10-24T17:52:43.932" v="2360" actId="20577"/>
+        <pc:sldMkLst>
+          <pc:docMk/>
+          <pc:sldMk cId="283066543" sldId="279"/>
+        </pc:sldMkLst>
+        <pc:spChg chg="mod">
+          <ac:chgData name="Nazri Jasmal" userId="e6a065d2aca82f38" providerId="LiveId" clId="{045C37C3-1970-4C45-95B9-9F160D623BBC}" dt="2023-10-24T17:52:34.478" v="2355" actId="20577"/>
+          <ac:spMkLst>
+            <pc:docMk/>
+            <pc:sldMk cId="283066543" sldId="279"/>
+            <ac:spMk id="4" creationId="{E840BB47-7261-CD2A-B976-F02A5C6B6141}"/>
+          </ac:spMkLst>
+        </pc:spChg>
+        <pc:spChg chg="add mod">
+          <ac:chgData name="Nazri Jasmal" userId="e6a065d2aca82f38" providerId="LiveId" clId="{045C37C3-1970-4C45-95B9-9F160D623BBC}" dt="2023-10-24T17:52:43.932" v="2360" actId="20577"/>
+          <ac:spMkLst>
+            <pc:docMk/>
+            <pc:sldMk cId="283066543" sldId="279"/>
+            <ac:spMk id="8" creationId="{B50B8B4C-31C2-0196-0BED-00ADA96155AD}"/>
+          </ac:spMkLst>
+        </pc:spChg>
+        <pc:picChg chg="add mod">
+          <ac:chgData name="Nazri Jasmal" userId="e6a065d2aca82f38" providerId="LiveId" clId="{045C37C3-1970-4C45-95B9-9F160D623BBC}" dt="2023-10-24T17:47:44.874" v="2222" actId="1076"/>
+          <ac:picMkLst>
+            <pc:docMk/>
+            <pc:sldMk cId="283066543" sldId="279"/>
+            <ac:picMk id="5" creationId="{F5CC2F9E-0454-BC78-1855-4CA965D14C41}"/>
+          </ac:picMkLst>
+        </pc:picChg>
+        <pc:picChg chg="add mod">
+          <ac:chgData name="Nazri Jasmal" userId="e6a065d2aca82f38" providerId="LiveId" clId="{045C37C3-1970-4C45-95B9-9F160D623BBC}" dt="2023-10-24T17:49:02.507" v="2227" actId="1076"/>
+          <ac:picMkLst>
+            <pc:docMk/>
+            <pc:sldMk cId="283066543" sldId="279"/>
+            <ac:picMk id="6" creationId="{413705E5-45C1-1242-A8A2-967F01DAFDFE}"/>
+          </ac:picMkLst>
+        </pc:picChg>
+        <pc:picChg chg="add del mod">
+          <ac:chgData name="Nazri Jasmal" userId="e6a065d2aca82f38" providerId="LiveId" clId="{045C37C3-1970-4C45-95B9-9F160D623BBC}" dt="2023-10-24T17:49:22.297" v="2229" actId="478"/>
+          <ac:picMkLst>
+            <pc:docMk/>
+            <pc:sldMk cId="283066543" sldId="279"/>
+            <ac:picMk id="7" creationId="{B952DF13-9493-1CAD-27C5-636198CACE37}"/>
+          </ac:picMkLst>
+        </pc:picChg>
+      </pc:sldChg>
+      <pc:sldChg chg="addSp delSp modSp add mod ord">
+        <pc:chgData name="Nazri Jasmal" userId="e6a065d2aca82f38" providerId="LiveId" clId="{045C37C3-1970-4C45-95B9-9F160D623BBC}" dt="2023-10-24T13:01:15.733" v="1796" actId="20577"/>
+        <pc:sldMkLst>
+          <pc:docMk/>
+          <pc:sldMk cId="3038569736" sldId="280"/>
+        </pc:sldMkLst>
+        <pc:spChg chg="mod">
+          <ac:chgData name="Nazri Jasmal" userId="e6a065d2aca82f38" providerId="LiveId" clId="{045C37C3-1970-4C45-95B9-9F160D623BBC}" dt="2023-10-24T13:00:21.382" v="1769" actId="20577"/>
+          <ac:spMkLst>
+            <pc:docMk/>
+            <pc:sldMk cId="3038569736" sldId="280"/>
+            <ac:spMk id="3" creationId="{07D09F2E-AC84-F2F9-17FA-74BD3FCAA546}"/>
+          </ac:spMkLst>
+        </pc:spChg>
+        <pc:spChg chg="mod">
+          <ac:chgData name="Nazri Jasmal" userId="e6a065d2aca82f38" providerId="LiveId" clId="{045C37C3-1970-4C45-95B9-9F160D623BBC}" dt="2023-10-24T12:57:57.547" v="1742" actId="20577"/>
+          <ac:spMkLst>
+            <pc:docMk/>
+            <pc:sldMk cId="3038569736" sldId="280"/>
+            <ac:spMk id="4" creationId="{E840BB47-7261-CD2A-B976-F02A5C6B6141}"/>
+          </ac:spMkLst>
+        </pc:spChg>
+        <pc:spChg chg="mod">
+          <ac:chgData name="Nazri Jasmal" userId="e6a065d2aca82f38" providerId="LiveId" clId="{045C37C3-1970-4C45-95B9-9F160D623BBC}" dt="2023-10-24T13:01:15.733" v="1796" actId="20577"/>
+          <ac:spMkLst>
+            <pc:docMk/>
+            <pc:sldMk cId="3038569736" sldId="280"/>
+            <ac:spMk id="8" creationId="{0928D065-7E4C-23FE-C432-41AFB7338331}"/>
+          </ac:spMkLst>
+        </pc:spChg>
+        <pc:picChg chg="del mod">
+          <ac:chgData name="Nazri Jasmal" userId="e6a065d2aca82f38" providerId="LiveId" clId="{045C37C3-1970-4C45-95B9-9F160D623BBC}" dt="2023-10-24T12:58:00.588" v="1744" actId="478"/>
+          <ac:picMkLst>
+            <pc:docMk/>
+            <pc:sldMk cId="3038569736" sldId="280"/>
+            <ac:picMk id="5" creationId="{BB68543E-2A07-7484-0DF6-BBBCA834CA65}"/>
+          </ac:picMkLst>
+        </pc:picChg>
+        <pc:picChg chg="add mod">
+          <ac:chgData name="Nazri Jasmal" userId="e6a065d2aca82f38" providerId="LiveId" clId="{045C37C3-1970-4C45-95B9-9F160D623BBC}" dt="2023-10-24T13:00:07.725" v="1756" actId="1076"/>
+          <ac:picMkLst>
+            <pc:docMk/>
+            <pc:sldMk cId="3038569736" sldId="280"/>
+            <ac:picMk id="6" creationId="{8A6F29AF-D7D4-13E6-F028-72D870682685}"/>
+          </ac:picMkLst>
+        </pc:picChg>
+        <pc:picChg chg="del">
+          <ac:chgData name="Nazri Jasmal" userId="e6a065d2aca82f38" providerId="LiveId" clId="{045C37C3-1970-4C45-95B9-9F160D623BBC}" dt="2023-10-24T12:58:02.441" v="1745" actId="478"/>
+          <ac:picMkLst>
+            <pc:docMk/>
+            <pc:sldMk cId="3038569736" sldId="280"/>
+            <ac:picMk id="7" creationId="{5D7F1A81-A36C-EFA1-DBA4-87EE1DEA1504}"/>
+          </ac:picMkLst>
+        </pc:picChg>
+        <pc:picChg chg="add mod">
+          <ac:chgData name="Nazri Jasmal" userId="e6a065d2aca82f38" providerId="LiveId" clId="{045C37C3-1970-4C45-95B9-9F160D623BBC}" dt="2023-10-24T13:00:03.980" v="1755" actId="1076"/>
+          <ac:picMkLst>
+            <pc:docMk/>
+            <pc:sldMk cId="3038569736" sldId="280"/>
+            <ac:picMk id="10" creationId="{F96A0AC7-967A-64C5-AF8C-010208226E0B}"/>
+          </ac:picMkLst>
+        </pc:picChg>
+      </pc:sldChg>
+      <pc:sldChg chg="addSp delSp modSp add mod ord">
+        <pc:chgData name="Nazri Jasmal" userId="e6a065d2aca82f38" providerId="LiveId" clId="{045C37C3-1970-4C45-95B9-9F160D623BBC}" dt="2023-10-24T17:41:46.524" v="2070" actId="5793"/>
+        <pc:sldMkLst>
+          <pc:docMk/>
+          <pc:sldMk cId="1952667295" sldId="281"/>
+        </pc:sldMkLst>
+        <pc:spChg chg="mod">
+          <ac:chgData name="Nazri Jasmal" userId="e6a065d2aca82f38" providerId="LiveId" clId="{045C37C3-1970-4C45-95B9-9F160D623BBC}" dt="2023-10-24T13:02:16.151" v="1812" actId="20577"/>
+          <ac:spMkLst>
+            <pc:docMk/>
+            <pc:sldMk cId="1952667295" sldId="281"/>
+            <ac:spMk id="4" creationId="{E840BB47-7261-CD2A-B976-F02A5C6B6141}"/>
+          </ac:spMkLst>
+        </pc:spChg>
+        <pc:spChg chg="add del">
+          <ac:chgData name="Nazri Jasmal" userId="e6a065d2aca82f38" providerId="LiveId" clId="{045C37C3-1970-4C45-95B9-9F160D623BBC}" dt="2023-10-24T17:40:16.092" v="2059" actId="22"/>
+          <ac:spMkLst>
+            <pc:docMk/>
+            <pc:sldMk cId="1952667295" sldId="281"/>
+            <ac:spMk id="8" creationId="{C23AFD2D-BF14-F59E-E586-373663FD0C28}"/>
+          </ac:spMkLst>
+        </pc:spChg>
+        <pc:spChg chg="add mod">
+          <ac:chgData name="Nazri Jasmal" userId="e6a065d2aca82f38" providerId="LiveId" clId="{045C37C3-1970-4C45-95B9-9F160D623BBC}" dt="2023-10-24T17:41:46.524" v="2070" actId="5793"/>
+          <ac:spMkLst>
+            <pc:docMk/>
+            <pc:sldMk cId="1952667295" sldId="281"/>
+            <ac:spMk id="10" creationId="{4895429C-15B6-AB65-FA96-5A05AF68808B}"/>
+          </ac:spMkLst>
+        </pc:spChg>
+        <pc:picChg chg="del mod">
+          <ac:chgData name="Nazri Jasmal" userId="e6a065d2aca82f38" providerId="LiveId" clId="{045C37C3-1970-4C45-95B9-9F160D623BBC}" dt="2023-10-24T13:02:18.210" v="1814" actId="478"/>
+          <ac:picMkLst>
+            <pc:docMk/>
+            <pc:sldMk cId="1952667295" sldId="281"/>
+            <ac:picMk id="5" creationId="{2A662451-E8B8-0521-B6F0-383FD667B2D7}"/>
+          </ac:picMkLst>
+        </pc:picChg>
+        <pc:picChg chg="add mod">
+          <ac:chgData name="Nazri Jasmal" userId="e6a065d2aca82f38" providerId="LiveId" clId="{045C37C3-1970-4C45-95B9-9F160D623BBC}" dt="2023-10-24T13:03:47.011" v="1822" actId="1076"/>
+          <ac:picMkLst>
+            <pc:docMk/>
+            <pc:sldMk cId="1952667295" sldId="281"/>
+            <ac:picMk id="6" creationId="{350630AB-651B-1CA6-336A-C82434851A73}"/>
+          </ac:picMkLst>
+        </pc:picChg>
+      </pc:sldChg>
+      <pc:sldChg chg="addSp delSp modSp add del mod">
+        <pc:chgData name="Nazri Jasmal" userId="e6a065d2aca82f38" providerId="LiveId" clId="{045C37C3-1970-4C45-95B9-9F160D623BBC}" dt="2023-10-24T17:51:54.252" v="2316" actId="2696"/>
+        <pc:sldMkLst>
+          <pc:docMk/>
+          <pc:sldMk cId="1822895847" sldId="282"/>
+        </pc:sldMkLst>
+        <pc:picChg chg="del mod">
+          <ac:chgData name="Nazri Jasmal" userId="e6a065d2aca82f38" providerId="LiveId" clId="{045C37C3-1970-4C45-95B9-9F160D623BBC}" dt="2023-10-24T13:54:43.514" v="1923" actId="478"/>
+          <ac:picMkLst>
+            <pc:docMk/>
+            <pc:sldMk cId="1822895847" sldId="282"/>
+            <ac:picMk id="5" creationId="{F5CC2F9E-0454-BC78-1855-4CA965D14C41}"/>
+          </ac:picMkLst>
+        </pc:picChg>
+        <pc:picChg chg="add del">
+          <ac:chgData name="Nazri Jasmal" userId="e6a065d2aca82f38" providerId="LiveId" clId="{045C37C3-1970-4C45-95B9-9F160D623BBC}" dt="2023-10-24T17:47:28.664" v="2217" actId="21"/>
+          <ac:picMkLst>
+            <pc:docMk/>
+            <pc:sldMk cId="1822895847" sldId="282"/>
+            <ac:picMk id="6" creationId="{0B47F093-CC59-20FF-ED17-C227A08BCA92}"/>
+          </ac:picMkLst>
+        </pc:picChg>
+      </pc:sldChg>
+      <pc:sldChg chg="addSp delSp modSp add mod">
+        <pc:chgData name="Nazri Jasmal" userId="e6a065d2aca82f38" providerId="LiveId" clId="{045C37C3-1970-4C45-95B9-9F160D623BBC}" dt="2023-10-24T17:57:04.429" v="2561" actId="20577"/>
+        <pc:sldMkLst>
+          <pc:docMk/>
+          <pc:sldMk cId="1473912062" sldId="283"/>
+        </pc:sldMkLst>
+        <pc:spChg chg="add del mod">
+          <ac:chgData name="Nazri Jasmal" userId="e6a065d2aca82f38" providerId="LiveId" clId="{045C37C3-1970-4C45-95B9-9F160D623BBC}" dt="2023-10-24T17:53:17.641" v="2365"/>
+          <ac:spMkLst>
+            <pc:docMk/>
+            <pc:sldMk cId="1473912062" sldId="283"/>
+            <ac:spMk id="9" creationId="{6697AF00-56AE-BC86-C236-E4A483C8C12D}"/>
+          </ac:spMkLst>
+        </pc:spChg>
+        <pc:spChg chg="add mod">
+          <ac:chgData name="Nazri Jasmal" userId="e6a065d2aca82f38" providerId="LiveId" clId="{045C37C3-1970-4C45-95B9-9F160D623BBC}" dt="2023-10-24T17:57:04.429" v="2561" actId="20577"/>
+          <ac:spMkLst>
+            <pc:docMk/>
+            <pc:sldMk cId="1473912062" sldId="283"/>
+            <ac:spMk id="11" creationId="{BC5BE809-5D2A-8B1A-EAB7-36CAF8EB78F1}"/>
+          </ac:spMkLst>
+        </pc:spChg>
+        <pc:picChg chg="add mod">
+          <ac:chgData name="Nazri Jasmal" userId="e6a065d2aca82f38" providerId="LiveId" clId="{045C37C3-1970-4C45-95B9-9F160D623BBC}" dt="2023-10-24T17:54:08.631" v="2374" actId="14100"/>
+          <ac:picMkLst>
+            <pc:docMk/>
+            <pc:sldMk cId="1473912062" sldId="283"/>
+            <ac:picMk id="5" creationId="{ADE95111-5EAD-AB65-58B7-ABDA3EF19D71}"/>
+          </ac:picMkLst>
+        </pc:picChg>
+        <pc:picChg chg="del">
+          <ac:chgData name="Nazri Jasmal" userId="e6a065d2aca82f38" providerId="LiveId" clId="{045C37C3-1970-4C45-95B9-9F160D623BBC}" dt="2023-10-24T14:03:14.720" v="1929" actId="478"/>
+          <ac:picMkLst>
+            <pc:docMk/>
+            <pc:sldMk cId="1473912062" sldId="283"/>
+            <ac:picMk id="6" creationId="{0B47F093-CC59-20FF-ED17-C227A08BCA92}"/>
+          </ac:picMkLst>
+        </pc:picChg>
+        <pc:picChg chg="add mod">
+          <ac:chgData name="Nazri Jasmal" userId="e6a065d2aca82f38" providerId="LiveId" clId="{045C37C3-1970-4C45-95B9-9F160D623BBC}" dt="2023-10-24T17:52:57.830" v="2362" actId="1076"/>
+          <ac:picMkLst>
+            <pc:docMk/>
+            <pc:sldMk cId="1473912062" sldId="283"/>
+            <ac:picMk id="8" creationId="{FC6D52E8-7120-113D-18F3-DF52FB49287E}"/>
+          </ac:picMkLst>
+        </pc:picChg>
+      </pc:sldChg>
+      <pc:sldChg chg="add del">
+        <pc:chgData name="Nazri Jasmal" userId="e6a065d2aca82f38" providerId="LiveId" clId="{045C37C3-1970-4C45-95B9-9F160D623BBC}" dt="2023-10-24T17:56:28.350" v="2531" actId="2696"/>
+        <pc:sldMkLst>
+          <pc:docMk/>
+          <pc:sldMk cId="610741656" sldId="284"/>
+        </pc:sldMkLst>
+      </pc:sldChg>
+      <pc:sldChg chg="addSp delSp modSp add mod ord">
+        <pc:chgData name="Nazri Jasmal" userId="e6a065d2aca82f38" providerId="LiveId" clId="{045C37C3-1970-4C45-95B9-9F160D623BBC}" dt="2023-10-24T17:59:43.019" v="2588" actId="12"/>
+        <pc:sldMkLst>
+          <pc:docMk/>
+          <pc:sldMk cId="1134178562" sldId="285"/>
+        </pc:sldMkLst>
+        <pc:spChg chg="mod">
+          <ac:chgData name="Nazri Jasmal" userId="e6a065d2aca82f38" providerId="LiveId" clId="{045C37C3-1970-4C45-95B9-9F160D623BBC}" dt="2023-10-24T17:34:24.508" v="2029" actId="20577"/>
+          <ac:spMkLst>
+            <pc:docMk/>
+            <pc:sldMk cId="1134178562" sldId="285"/>
+            <ac:spMk id="2" creationId="{E8B8F26E-9345-4747-9094-972E38700A17}"/>
+          </ac:spMkLst>
+        </pc:spChg>
+        <pc:spChg chg="mod">
+          <ac:chgData name="Nazri Jasmal" userId="e6a065d2aca82f38" providerId="LiveId" clId="{045C37C3-1970-4C45-95B9-9F160D623BBC}" dt="2023-10-24T17:59:43.019" v="2588" actId="12"/>
+          <ac:spMkLst>
+            <pc:docMk/>
+            <pc:sldMk cId="1134178562" sldId="285"/>
+            <ac:spMk id="3" creationId="{60B3D5A6-E766-7C41-BD00-B22DA4727FBA}"/>
+          </ac:spMkLst>
+        </pc:spChg>
+        <pc:spChg chg="add del mod">
+          <ac:chgData name="Nazri Jasmal" userId="e6a065d2aca82f38" providerId="LiveId" clId="{045C37C3-1970-4C45-95B9-9F160D623BBC}" dt="2023-10-24T17:28:40.732" v="1979"/>
+          <ac:spMkLst>
+            <pc:docMk/>
+            <pc:sldMk cId="1134178562" sldId="285"/>
+            <ac:spMk id="5" creationId="{50D9E98F-0166-F2CA-615F-1E58ECC0B021}"/>
+          </ac:spMkLst>
+        </pc:spChg>
       </pc:sldChg>
     </pc:docChg>
   </pc:docChgLst>
@@ -472,7 +1209,7 @@
           <a:p>
             <a:fld id="{C764DE79-268F-4C1A-8933-263129D2AF90}" type="datetimeFigureOut">
               <a:rPr lang="en-US" smtClean="0"/>
-              <a:t>10/21/2023</a:t>
+              <a:t>10/24/2023</a:t>
             </a:fld>
             <a:endParaRPr lang="en-US"/>
           </a:p>
@@ -642,7 +1379,7 @@
           <a:p>
             <a:fld id="{C764DE79-268F-4C1A-8933-263129D2AF90}" type="datetimeFigureOut">
               <a:rPr lang="en-US" smtClean="0"/>
-              <a:t>10/21/2023</a:t>
+              <a:t>10/24/2023</a:t>
             </a:fld>
             <a:endParaRPr lang="en-US"/>
           </a:p>
@@ -822,7 +1559,7 @@
           <a:p>
             <a:fld id="{C764DE79-268F-4C1A-8933-263129D2AF90}" type="datetimeFigureOut">
               <a:rPr lang="en-US" smtClean="0"/>
-              <a:t>10/21/2023</a:t>
+              <a:t>10/24/2023</a:t>
             </a:fld>
             <a:endParaRPr lang="en-US"/>
           </a:p>
@@ -992,7 +1729,7 @@
           <a:p>
             <a:fld id="{C764DE79-268F-4C1A-8933-263129D2AF90}" type="datetimeFigureOut">
               <a:rPr lang="en-US" smtClean="0"/>
-              <a:t>10/21/2023</a:t>
+              <a:t>10/24/2023</a:t>
             </a:fld>
             <a:endParaRPr lang="en-US"/>
           </a:p>
@@ -1238,7 +1975,7 @@
           <a:p>
             <a:fld id="{C764DE79-268F-4C1A-8933-263129D2AF90}" type="datetimeFigureOut">
               <a:rPr lang="en-US" smtClean="0"/>
-              <a:t>10/21/2023</a:t>
+              <a:t>10/24/2023</a:t>
             </a:fld>
             <a:endParaRPr lang="en-US"/>
           </a:p>
@@ -1470,7 +2207,7 @@
           <a:p>
             <a:fld id="{C764DE79-268F-4C1A-8933-263129D2AF90}" type="datetimeFigureOut">
               <a:rPr lang="en-US" smtClean="0"/>
-              <a:t>10/21/2023</a:t>
+              <a:t>10/24/2023</a:t>
             </a:fld>
             <a:endParaRPr lang="en-US"/>
           </a:p>
@@ -1837,7 +2574,7 @@
           <a:p>
             <a:fld id="{C764DE79-268F-4C1A-8933-263129D2AF90}" type="datetimeFigureOut">
               <a:rPr lang="en-US" smtClean="0"/>
-              <a:t>10/21/2023</a:t>
+              <a:t>10/24/2023</a:t>
             </a:fld>
             <a:endParaRPr lang="en-US"/>
           </a:p>
@@ -1955,7 +2692,7 @@
           <a:p>
             <a:fld id="{C764DE79-268F-4C1A-8933-263129D2AF90}" type="datetimeFigureOut">
               <a:rPr lang="en-US" smtClean="0"/>
-              <a:t>10/21/2023</a:t>
+              <a:t>10/24/2023</a:t>
             </a:fld>
             <a:endParaRPr lang="en-US"/>
           </a:p>
@@ -2050,7 +2787,7 @@
           <a:p>
             <a:fld id="{C764DE79-268F-4C1A-8933-263129D2AF90}" type="datetimeFigureOut">
               <a:rPr lang="en-US" smtClean="0"/>
-              <a:t>10/21/2023</a:t>
+              <a:t>10/24/2023</a:t>
             </a:fld>
             <a:endParaRPr lang="en-US"/>
           </a:p>
@@ -2327,7 +3064,7 @@
           <a:p>
             <a:fld id="{C764DE79-268F-4C1A-8933-263129D2AF90}" type="datetimeFigureOut">
               <a:rPr lang="en-US" smtClean="0"/>
-              <a:t>10/21/2023</a:t>
+              <a:t>10/24/2023</a:t>
             </a:fld>
             <a:endParaRPr lang="en-US"/>
           </a:p>
@@ -2584,7 +3321,7 @@
           <a:p>
             <a:fld id="{C764DE79-268F-4C1A-8933-263129D2AF90}" type="datetimeFigureOut">
               <a:rPr lang="en-US" smtClean="0"/>
-              <a:t>10/21/2023</a:t>
+              <a:t>10/24/2023</a:t>
             </a:fld>
             <a:endParaRPr lang="en-US"/>
           </a:p>
@@ -2797,7 +3534,7 @@
           <a:p>
             <a:fld id="{C764DE79-268F-4C1A-8933-263129D2AF90}" type="datetimeFigureOut">
               <a:rPr lang="en-US" smtClean="0"/>
-              <a:t>10/21/2023</a:t>
+              <a:t>10/24/2023</a:t>
             </a:fld>
             <a:endParaRPr lang="en-US"/>
           </a:p>
@@ -3329,7 +4066,7 @@
 </p:sld>
 </file>
 
-<file path=ppt/slides/slide2.xml><?xml version="1.0" encoding="utf-8"?>
+<file path=ppt/slides/slide10.xml><?xml version="1.0" encoding="utf-8"?>
 <p:sld xmlns:a="http://schemas.openxmlformats.org/drawingml/2006/main" xmlns:r="http://schemas.openxmlformats.org/officeDocument/2006/relationships" xmlns:p="http://schemas.openxmlformats.org/presentationml/2006/main">
   <p:cSld>
     <p:spTree>
@@ -3348,6 +4085,1678 @@
       </p:grpSpPr>
       <p:sp>
         <p:nvSpPr>
+          <p:cNvPr id="3" name="Subtitle 2">
+            <a:extLst>
+              <a:ext uri="{FF2B5EF4-FFF2-40B4-BE49-F238E27FC236}">
+                <a16:creationId xmlns:a16="http://schemas.microsoft.com/office/drawing/2014/main" id="{07D09F2E-AC84-F2F9-17FA-74BD3FCAA546}"/>
+              </a:ext>
+            </a:extLst>
+          </p:cNvPr>
+          <p:cNvSpPr>
+            <a:spLocks noGrp="1"/>
+          </p:cNvSpPr>
+          <p:nvPr>
+            <p:ph type="subTitle" idx="1"/>
+          </p:nvPr>
+        </p:nvSpPr>
+        <p:spPr>
+          <a:xfrm>
+            <a:off x="-1" y="845574"/>
+            <a:ext cx="12191999" cy="6012426"/>
+          </a:xfrm>
+        </p:spPr>
+        <p:txBody>
+          <a:bodyPr/>
+          <a:lstStyle/>
+          <a:p>
+            <a:pPr algn="l"/>
+            <a:endParaRPr lang="en-GB" dirty="0"/>
+          </a:p>
+          <a:p>
+            <a:pPr marL="342900" indent="-342900" algn="l">
+              <a:buFont typeface="Arial" panose="020B0604020202020204" pitchFamily="34" charset="0"/>
+              <a:buChar char="•"/>
+            </a:pPr>
+            <a:endParaRPr lang="en-GB" dirty="0"/>
+          </a:p>
+        </p:txBody>
+      </p:sp>
+      <p:sp>
+        <p:nvSpPr>
+          <p:cNvPr id="4" name="Title 1">
+            <a:extLst>
+              <a:ext uri="{FF2B5EF4-FFF2-40B4-BE49-F238E27FC236}">
+                <a16:creationId xmlns:a16="http://schemas.microsoft.com/office/drawing/2014/main" id="{E840BB47-7261-CD2A-B976-F02A5C6B6141}"/>
+              </a:ext>
+            </a:extLst>
+          </p:cNvPr>
+          <p:cNvSpPr>
+            <a:spLocks noGrp="1"/>
+          </p:cNvSpPr>
+          <p:nvPr>
+            <p:ph type="ctrTitle"/>
+          </p:nvPr>
+        </p:nvSpPr>
+        <p:spPr>
+          <a:xfrm>
+            <a:off x="0" y="-39329"/>
+            <a:ext cx="12192000" cy="884903"/>
+          </a:xfrm>
+          <a:solidFill>
+            <a:schemeClr val="tx1">
+              <a:lumMod val="75000"/>
+              <a:lumOff val="25000"/>
+            </a:schemeClr>
+          </a:solidFill>
+        </p:spPr>
+        <p:txBody>
+          <a:bodyPr>
+            <a:normAutofit/>
+          </a:bodyPr>
+          <a:lstStyle/>
+          <a:p>
+            <a:pPr algn="l"/>
+            <a:r>
+              <a:rPr lang="en-GB" sz="4000" dirty="0">
+                <a:solidFill>
+                  <a:srgbClr val="FFFFFF"/>
+                </a:solidFill>
+              </a:rPr>
+              <a:t>  </a:t>
+            </a:r>
+            <a:r>
+              <a:rPr lang="en-GB" sz="4800" dirty="0">
+                <a:solidFill>
+                  <a:srgbClr val="FFFFFF"/>
+                </a:solidFill>
+              </a:rPr>
+              <a:t> </a:t>
+            </a:r>
+            <a:r>
+              <a:rPr lang="en-GB" sz="4000" dirty="0">
+                <a:solidFill>
+                  <a:schemeClr val="accent5"/>
+                </a:solidFill>
+              </a:rPr>
+              <a:t>Total Revenue for each Cab Company City Wise</a:t>
+            </a:r>
+          </a:p>
+        </p:txBody>
+      </p:sp>
+      <p:pic>
+        <p:nvPicPr>
+          <p:cNvPr id="5" name="Picture 4">
+            <a:extLst>
+              <a:ext uri="{FF2B5EF4-FFF2-40B4-BE49-F238E27FC236}">
+                <a16:creationId xmlns:a16="http://schemas.microsoft.com/office/drawing/2014/main" id="{2A662451-E8B8-0521-B6F0-383FD667B2D7}"/>
+              </a:ext>
+            </a:extLst>
+          </p:cNvPr>
+          <p:cNvPicPr>
+            <a:picLocks noChangeAspect="1"/>
+          </p:cNvPicPr>
+          <p:nvPr/>
+        </p:nvPicPr>
+        <p:blipFill>
+          <a:blip r:embed="rId2"/>
+          <a:stretch>
+            <a:fillRect/>
+          </a:stretch>
+        </p:blipFill>
+        <p:spPr>
+          <a:xfrm>
+            <a:off x="0" y="934585"/>
+            <a:ext cx="7521677" cy="5923415"/>
+          </a:xfrm>
+          <a:prstGeom prst="rect">
+            <a:avLst/>
+          </a:prstGeom>
+        </p:spPr>
+      </p:pic>
+      <p:sp>
+        <p:nvSpPr>
+          <p:cNvPr id="7" name="TextBox 6">
+            <a:extLst>
+              <a:ext uri="{FF2B5EF4-FFF2-40B4-BE49-F238E27FC236}">
+                <a16:creationId xmlns:a16="http://schemas.microsoft.com/office/drawing/2014/main" id="{FC5884BA-6CAC-41E5-88C9-AFBBAE8905FE}"/>
+              </a:ext>
+            </a:extLst>
+          </p:cNvPr>
+          <p:cNvSpPr txBox="1"/>
+          <p:nvPr/>
+        </p:nvSpPr>
+        <p:spPr>
+          <a:xfrm>
+            <a:off x="7521677" y="1209166"/>
+            <a:ext cx="4694907" cy="3570208"/>
+          </a:xfrm>
+          <a:prstGeom prst="rect">
+            <a:avLst/>
+          </a:prstGeom>
+          <a:noFill/>
+        </p:spPr>
+        <p:txBody>
+          <a:bodyPr wrap="square">
+            <a:spAutoFit/>
+          </a:bodyPr>
+          <a:lstStyle/>
+          <a:p>
+            <a:pPr algn="l"/>
+            <a:r>
+              <a:rPr lang="en-GB" sz="2800" b="1" i="0" dirty="0">
+                <a:solidFill>
+                  <a:srgbClr val="212121"/>
+                </a:solidFill>
+                <a:effectLst/>
+                <a:latin typeface="Roboto" panose="02000000000000000000" pitchFamily="2" charset="0"/>
+              </a:rPr>
+              <a:t>Outliers:</a:t>
+            </a:r>
+          </a:p>
+          <a:p>
+            <a:pPr algn="l"/>
+            <a:endParaRPr lang="en-GB" b="1" i="0" dirty="0">
+              <a:solidFill>
+                <a:srgbClr val="212121"/>
+              </a:solidFill>
+              <a:effectLst/>
+              <a:latin typeface="Roboto" panose="02000000000000000000" pitchFamily="2" charset="0"/>
+            </a:endParaRPr>
+          </a:p>
+          <a:p>
+            <a:pPr algn="l"/>
+            <a:r>
+              <a:rPr lang="en-GB" b="0" i="0" dirty="0">
+                <a:solidFill>
+                  <a:srgbClr val="212121"/>
+                </a:solidFill>
+                <a:effectLst/>
+                <a:latin typeface="Roboto" panose="02000000000000000000" pitchFamily="2" charset="0"/>
+              </a:rPr>
+              <a:t>Total Revenue generated by Pink cab is more when compared to yellow cab in cities like</a:t>
+            </a:r>
+          </a:p>
+          <a:p>
+            <a:pPr algn="l">
+              <a:buFont typeface="Arial" panose="020B0604020202020204" pitchFamily="34" charset="0"/>
+              <a:buChar char="•"/>
+            </a:pPr>
+            <a:r>
+              <a:rPr lang="en-GB" b="0" i="0" dirty="0">
+                <a:solidFill>
+                  <a:srgbClr val="212121"/>
+                </a:solidFill>
+                <a:effectLst/>
+                <a:latin typeface="Roboto" panose="02000000000000000000" pitchFamily="2" charset="0"/>
+              </a:rPr>
+              <a:t>Nashville TN</a:t>
+            </a:r>
+          </a:p>
+          <a:p>
+            <a:pPr algn="l">
+              <a:buFont typeface="Arial" panose="020B0604020202020204" pitchFamily="34" charset="0"/>
+              <a:buChar char="•"/>
+            </a:pPr>
+            <a:r>
+              <a:rPr lang="en-GB" b="0" i="0" dirty="0">
+                <a:solidFill>
+                  <a:srgbClr val="212121"/>
+                </a:solidFill>
+                <a:effectLst/>
+                <a:latin typeface="Roboto" panose="02000000000000000000" pitchFamily="2" charset="0"/>
+              </a:rPr>
+              <a:t>Pittsburgh PA</a:t>
+            </a:r>
+          </a:p>
+          <a:p>
+            <a:pPr algn="l">
+              <a:buFont typeface="Arial" panose="020B0604020202020204" pitchFamily="34" charset="0"/>
+              <a:buChar char="•"/>
+            </a:pPr>
+            <a:r>
+              <a:rPr lang="en-GB" b="0" i="0" dirty="0">
+                <a:solidFill>
+                  <a:srgbClr val="212121"/>
+                </a:solidFill>
+                <a:effectLst/>
+                <a:latin typeface="Roboto" panose="02000000000000000000" pitchFamily="2" charset="0"/>
+              </a:rPr>
+              <a:t>Sacramento CA</a:t>
+            </a:r>
+          </a:p>
+          <a:p>
+            <a:pPr algn="l"/>
+            <a:endParaRPr lang="en-GB" b="0" i="0" dirty="0">
+              <a:solidFill>
+                <a:srgbClr val="212121"/>
+              </a:solidFill>
+              <a:effectLst/>
+              <a:latin typeface="Roboto" panose="02000000000000000000" pitchFamily="2" charset="0"/>
+            </a:endParaRPr>
+          </a:p>
+          <a:p>
+            <a:pPr algn="l"/>
+            <a:r>
+              <a:rPr lang="en-GB" b="0" i="0" dirty="0">
+                <a:solidFill>
+                  <a:srgbClr val="212121"/>
+                </a:solidFill>
+                <a:effectLst/>
+                <a:latin typeface="Roboto" panose="02000000000000000000" pitchFamily="2" charset="0"/>
+              </a:rPr>
+              <a:t>These exceptions we can ignore when compared to the total revenue generated by yellow cab in other major cities.</a:t>
+            </a:r>
+          </a:p>
+        </p:txBody>
+      </p:sp>
+    </p:spTree>
+    <p:extLst>
+      <p:ext uri="{BB962C8B-B14F-4D97-AF65-F5344CB8AC3E}">
+        <p14:creationId xmlns:p14="http://schemas.microsoft.com/office/powerpoint/2010/main" val="501279495"/>
+      </p:ext>
+    </p:extLst>
+  </p:cSld>
+  <p:clrMapOvr>
+    <a:masterClrMapping/>
+  </p:clrMapOvr>
+</p:sld>
+</file>
+
+<file path=ppt/slides/slide11.xml><?xml version="1.0" encoding="utf-8"?>
+<p:sld xmlns:a="http://schemas.openxmlformats.org/drawingml/2006/main" xmlns:r="http://schemas.openxmlformats.org/officeDocument/2006/relationships" xmlns:p="http://schemas.openxmlformats.org/presentationml/2006/main">
+  <p:cSld>
+    <p:spTree>
+      <p:nvGrpSpPr>
+        <p:cNvPr id="1" name=""/>
+        <p:cNvGrpSpPr/>
+        <p:nvPr/>
+      </p:nvGrpSpPr>
+      <p:grpSpPr>
+        <a:xfrm>
+          <a:off x="0" y="0"/>
+          <a:ext cx="0" cy="0"/>
+          <a:chOff x="0" y="0"/>
+          <a:chExt cx="0" cy="0"/>
+        </a:xfrm>
+      </p:grpSpPr>
+      <p:sp>
+        <p:nvSpPr>
+          <p:cNvPr id="3" name="Subtitle 2">
+            <a:extLst>
+              <a:ext uri="{FF2B5EF4-FFF2-40B4-BE49-F238E27FC236}">
+                <a16:creationId xmlns:a16="http://schemas.microsoft.com/office/drawing/2014/main" id="{07D09F2E-AC84-F2F9-17FA-74BD3FCAA546}"/>
+              </a:ext>
+            </a:extLst>
+          </p:cNvPr>
+          <p:cNvSpPr>
+            <a:spLocks noGrp="1"/>
+          </p:cNvSpPr>
+          <p:nvPr>
+            <p:ph type="subTitle" idx="1"/>
+          </p:nvPr>
+        </p:nvSpPr>
+        <p:spPr>
+          <a:xfrm>
+            <a:off x="-1" y="963561"/>
+            <a:ext cx="12191999" cy="5894439"/>
+          </a:xfrm>
+        </p:spPr>
+        <p:txBody>
+          <a:bodyPr/>
+          <a:lstStyle/>
+          <a:p>
+            <a:pPr algn="l"/>
+            <a:endParaRPr lang="en-GB" dirty="0"/>
+          </a:p>
+          <a:p>
+            <a:pPr algn="l"/>
+            <a:endParaRPr lang="en-GB" dirty="0"/>
+          </a:p>
+          <a:p>
+            <a:pPr algn="l"/>
+            <a:endParaRPr lang="en-GB" dirty="0"/>
+          </a:p>
+          <a:p>
+            <a:pPr algn="l"/>
+            <a:endParaRPr lang="en-GB" dirty="0"/>
+          </a:p>
+          <a:p>
+            <a:pPr algn="l"/>
+            <a:endParaRPr lang="en-GB" dirty="0"/>
+          </a:p>
+          <a:p>
+            <a:pPr algn="l"/>
+            <a:endParaRPr lang="en-GB" dirty="0"/>
+          </a:p>
+          <a:p>
+            <a:pPr algn="l"/>
+            <a:endParaRPr lang="en-GB" dirty="0"/>
+          </a:p>
+          <a:p>
+            <a:pPr algn="l"/>
+            <a:endParaRPr lang="en-GB" dirty="0"/>
+          </a:p>
+          <a:p>
+            <a:pPr algn="l"/>
+            <a:endParaRPr lang="en-GB" dirty="0"/>
+          </a:p>
+          <a:p>
+            <a:pPr algn="l"/>
+            <a:endParaRPr lang="en-GB" dirty="0"/>
+          </a:p>
+        </p:txBody>
+      </p:sp>
+      <p:sp>
+        <p:nvSpPr>
+          <p:cNvPr id="4" name="Title 1">
+            <a:extLst>
+              <a:ext uri="{FF2B5EF4-FFF2-40B4-BE49-F238E27FC236}">
+                <a16:creationId xmlns:a16="http://schemas.microsoft.com/office/drawing/2014/main" id="{E840BB47-7261-CD2A-B976-F02A5C6B6141}"/>
+              </a:ext>
+            </a:extLst>
+          </p:cNvPr>
+          <p:cNvSpPr>
+            <a:spLocks noGrp="1"/>
+          </p:cNvSpPr>
+          <p:nvPr>
+            <p:ph type="ctrTitle"/>
+          </p:nvPr>
+        </p:nvSpPr>
+        <p:spPr>
+          <a:xfrm>
+            <a:off x="0" y="-29496"/>
+            <a:ext cx="12192000" cy="993057"/>
+          </a:xfrm>
+          <a:solidFill>
+            <a:schemeClr val="tx1">
+              <a:lumMod val="75000"/>
+              <a:lumOff val="25000"/>
+            </a:schemeClr>
+          </a:solidFill>
+        </p:spPr>
+        <p:txBody>
+          <a:bodyPr>
+            <a:normAutofit/>
+          </a:bodyPr>
+          <a:lstStyle/>
+          <a:p>
+            <a:pPr algn="l"/>
+            <a:r>
+              <a:rPr lang="en-GB" sz="4000" dirty="0">
+                <a:solidFill>
+                  <a:srgbClr val="FFFFFF"/>
+                </a:solidFill>
+              </a:rPr>
+              <a:t>  </a:t>
+            </a:r>
+            <a:r>
+              <a:rPr lang="en-GB" sz="4000" dirty="0">
+                <a:solidFill>
+                  <a:schemeClr val="accent5"/>
+                </a:solidFill>
+              </a:rPr>
+              <a:t>Total Profit for each Cab Company</a:t>
+            </a:r>
+            <a:endParaRPr lang="en-GB" sz="4800" dirty="0">
+              <a:solidFill>
+                <a:schemeClr val="accent5"/>
+              </a:solidFill>
+            </a:endParaRPr>
+          </a:p>
+        </p:txBody>
+      </p:sp>
+      <p:sp>
+        <p:nvSpPr>
+          <p:cNvPr id="8" name="TextBox 7">
+            <a:extLst>
+              <a:ext uri="{FF2B5EF4-FFF2-40B4-BE49-F238E27FC236}">
+                <a16:creationId xmlns:a16="http://schemas.microsoft.com/office/drawing/2014/main" id="{0928D065-7E4C-23FE-C432-41AFB7338331}"/>
+              </a:ext>
+            </a:extLst>
+          </p:cNvPr>
+          <p:cNvSpPr txBox="1"/>
+          <p:nvPr/>
+        </p:nvSpPr>
+        <p:spPr>
+          <a:xfrm>
+            <a:off x="205011" y="5144104"/>
+            <a:ext cx="10659634" cy="1261884"/>
+          </a:xfrm>
+          <a:prstGeom prst="rect">
+            <a:avLst/>
+          </a:prstGeom>
+          <a:noFill/>
+        </p:spPr>
+        <p:txBody>
+          <a:bodyPr wrap="square" rtlCol="0">
+            <a:spAutoFit/>
+          </a:bodyPr>
+          <a:lstStyle/>
+          <a:p>
+            <a:r>
+              <a:rPr lang="en-GB" sz="2800" dirty="0"/>
+              <a:t>Insights:</a:t>
+            </a:r>
+          </a:p>
+          <a:p>
+            <a:pPr marL="342900" indent="-342900">
+              <a:buFont typeface="Arial" panose="020B0604020202020204" pitchFamily="34" charset="0"/>
+              <a:buChar char="•"/>
+            </a:pPr>
+            <a:r>
+              <a:rPr lang="en-GB" sz="2400" dirty="0"/>
+              <a:t>Yellow Cab has earned more  profit when compared to Pink Cab in each Year.</a:t>
+            </a:r>
+          </a:p>
+          <a:p>
+            <a:pPr marL="342900" indent="-342900">
+              <a:buFont typeface="Arial" panose="020B0604020202020204" pitchFamily="34" charset="0"/>
+              <a:buChar char="•"/>
+            </a:pPr>
+            <a:r>
+              <a:rPr lang="en-GB" sz="2400" dirty="0"/>
+              <a:t>Yellow Cab has earned more profit in the year 2017.</a:t>
+            </a:r>
+          </a:p>
+        </p:txBody>
+      </p:sp>
+      <p:pic>
+        <p:nvPicPr>
+          <p:cNvPr id="6" name="Picture 5">
+            <a:extLst>
+              <a:ext uri="{FF2B5EF4-FFF2-40B4-BE49-F238E27FC236}">
+                <a16:creationId xmlns:a16="http://schemas.microsoft.com/office/drawing/2014/main" id="{8A6F29AF-D7D4-13E6-F028-72D870682685}"/>
+              </a:ext>
+            </a:extLst>
+          </p:cNvPr>
+          <p:cNvPicPr>
+            <a:picLocks noChangeAspect="1"/>
+          </p:cNvPicPr>
+          <p:nvPr/>
+        </p:nvPicPr>
+        <p:blipFill>
+          <a:blip r:embed="rId2"/>
+          <a:stretch>
+            <a:fillRect/>
+          </a:stretch>
+        </p:blipFill>
+        <p:spPr>
+          <a:xfrm>
+            <a:off x="73237" y="1261465"/>
+            <a:ext cx="4767057" cy="3827770"/>
+          </a:xfrm>
+          <a:prstGeom prst="rect">
+            <a:avLst/>
+          </a:prstGeom>
+        </p:spPr>
+      </p:pic>
+      <p:pic>
+        <p:nvPicPr>
+          <p:cNvPr id="10" name="Picture 9">
+            <a:extLst>
+              <a:ext uri="{FF2B5EF4-FFF2-40B4-BE49-F238E27FC236}">
+                <a16:creationId xmlns:a16="http://schemas.microsoft.com/office/drawing/2014/main" id="{F96A0AC7-967A-64C5-AF8C-010208226E0B}"/>
+              </a:ext>
+            </a:extLst>
+          </p:cNvPr>
+          <p:cNvPicPr>
+            <a:picLocks noChangeAspect="1"/>
+          </p:cNvPicPr>
+          <p:nvPr/>
+        </p:nvPicPr>
+        <p:blipFill>
+          <a:blip r:embed="rId3"/>
+          <a:stretch>
+            <a:fillRect/>
+          </a:stretch>
+        </p:blipFill>
+        <p:spPr>
+          <a:xfrm>
+            <a:off x="4913532" y="1176136"/>
+            <a:ext cx="7198080" cy="3913099"/>
+          </a:xfrm>
+          <a:prstGeom prst="rect">
+            <a:avLst/>
+          </a:prstGeom>
+        </p:spPr>
+      </p:pic>
+    </p:spTree>
+    <p:extLst>
+      <p:ext uri="{BB962C8B-B14F-4D97-AF65-F5344CB8AC3E}">
+        <p14:creationId xmlns:p14="http://schemas.microsoft.com/office/powerpoint/2010/main" val="3038569736"/>
+      </p:ext>
+    </p:extLst>
+  </p:cSld>
+  <p:clrMapOvr>
+    <a:masterClrMapping/>
+  </p:clrMapOvr>
+</p:sld>
+</file>
+
+<file path=ppt/slides/slide12.xml><?xml version="1.0" encoding="utf-8"?>
+<p:sld xmlns:a="http://schemas.openxmlformats.org/drawingml/2006/main" xmlns:r="http://schemas.openxmlformats.org/officeDocument/2006/relationships" xmlns:p="http://schemas.openxmlformats.org/presentationml/2006/main">
+  <p:cSld>
+    <p:spTree>
+      <p:nvGrpSpPr>
+        <p:cNvPr id="1" name=""/>
+        <p:cNvGrpSpPr/>
+        <p:nvPr/>
+      </p:nvGrpSpPr>
+      <p:grpSpPr>
+        <a:xfrm>
+          <a:off x="0" y="0"/>
+          <a:ext cx="0" cy="0"/>
+          <a:chOff x="0" y="0"/>
+          <a:chExt cx="0" cy="0"/>
+        </a:xfrm>
+      </p:grpSpPr>
+      <p:sp>
+        <p:nvSpPr>
+          <p:cNvPr id="3" name="Subtitle 2">
+            <a:extLst>
+              <a:ext uri="{FF2B5EF4-FFF2-40B4-BE49-F238E27FC236}">
+                <a16:creationId xmlns:a16="http://schemas.microsoft.com/office/drawing/2014/main" id="{07D09F2E-AC84-F2F9-17FA-74BD3FCAA546}"/>
+              </a:ext>
+            </a:extLst>
+          </p:cNvPr>
+          <p:cNvSpPr>
+            <a:spLocks noGrp="1"/>
+          </p:cNvSpPr>
+          <p:nvPr>
+            <p:ph type="subTitle" idx="1"/>
+          </p:nvPr>
+        </p:nvSpPr>
+        <p:spPr>
+          <a:xfrm>
+            <a:off x="-1" y="1171074"/>
+            <a:ext cx="12191999" cy="5686926"/>
+          </a:xfrm>
+        </p:spPr>
+        <p:txBody>
+          <a:bodyPr/>
+          <a:lstStyle/>
+          <a:p>
+            <a:pPr algn="l"/>
+            <a:endParaRPr lang="en-GB" dirty="0"/>
+          </a:p>
+          <a:p>
+            <a:pPr marL="342900" indent="-342900" algn="l">
+              <a:buFont typeface="Arial" panose="020B0604020202020204" pitchFamily="34" charset="0"/>
+              <a:buChar char="•"/>
+            </a:pPr>
+            <a:endParaRPr lang="en-GB" dirty="0"/>
+          </a:p>
+        </p:txBody>
+      </p:sp>
+      <p:sp>
+        <p:nvSpPr>
+          <p:cNvPr id="4" name="Title 1">
+            <a:extLst>
+              <a:ext uri="{FF2B5EF4-FFF2-40B4-BE49-F238E27FC236}">
+                <a16:creationId xmlns:a16="http://schemas.microsoft.com/office/drawing/2014/main" id="{E840BB47-7261-CD2A-B976-F02A5C6B6141}"/>
+              </a:ext>
+            </a:extLst>
+          </p:cNvPr>
+          <p:cNvSpPr>
+            <a:spLocks noGrp="1"/>
+          </p:cNvSpPr>
+          <p:nvPr>
+            <p:ph type="ctrTitle"/>
+          </p:nvPr>
+        </p:nvSpPr>
+        <p:spPr>
+          <a:xfrm>
+            <a:off x="0" y="-39329"/>
+            <a:ext cx="12192000" cy="884903"/>
+          </a:xfrm>
+          <a:solidFill>
+            <a:schemeClr val="tx1">
+              <a:lumMod val="75000"/>
+              <a:lumOff val="25000"/>
+            </a:schemeClr>
+          </a:solidFill>
+        </p:spPr>
+        <p:txBody>
+          <a:bodyPr>
+            <a:normAutofit/>
+          </a:bodyPr>
+          <a:lstStyle/>
+          <a:p>
+            <a:pPr algn="l"/>
+            <a:r>
+              <a:rPr lang="en-GB" sz="4000" dirty="0">
+                <a:solidFill>
+                  <a:srgbClr val="FFFFFF"/>
+                </a:solidFill>
+              </a:rPr>
+              <a:t>  </a:t>
+            </a:r>
+            <a:r>
+              <a:rPr lang="en-GB" sz="4800" dirty="0">
+                <a:solidFill>
+                  <a:srgbClr val="FFFFFF"/>
+                </a:solidFill>
+              </a:rPr>
+              <a:t> </a:t>
+            </a:r>
+            <a:r>
+              <a:rPr lang="en-GB" sz="4000" dirty="0">
+                <a:solidFill>
+                  <a:schemeClr val="accent5"/>
+                </a:solidFill>
+              </a:rPr>
+              <a:t>Total Profit for each Cab Company City Wise</a:t>
+            </a:r>
+          </a:p>
+        </p:txBody>
+      </p:sp>
+      <p:pic>
+        <p:nvPicPr>
+          <p:cNvPr id="6" name="Picture 5">
+            <a:extLst>
+              <a:ext uri="{FF2B5EF4-FFF2-40B4-BE49-F238E27FC236}">
+                <a16:creationId xmlns:a16="http://schemas.microsoft.com/office/drawing/2014/main" id="{350630AB-651B-1CA6-336A-C82434851A73}"/>
+              </a:ext>
+            </a:extLst>
+          </p:cNvPr>
+          <p:cNvPicPr>
+            <a:picLocks noChangeAspect="1"/>
+          </p:cNvPicPr>
+          <p:nvPr/>
+        </p:nvPicPr>
+        <p:blipFill>
+          <a:blip r:embed="rId2"/>
+          <a:stretch>
+            <a:fillRect/>
+          </a:stretch>
+        </p:blipFill>
+        <p:spPr>
+          <a:xfrm>
+            <a:off x="19665" y="865448"/>
+            <a:ext cx="7579768" cy="5992552"/>
+          </a:xfrm>
+          <a:prstGeom prst="rect">
+            <a:avLst/>
+          </a:prstGeom>
+        </p:spPr>
+      </p:pic>
+      <p:sp>
+        <p:nvSpPr>
+          <p:cNvPr id="10" name="TextBox 9">
+            <a:extLst>
+              <a:ext uri="{FF2B5EF4-FFF2-40B4-BE49-F238E27FC236}">
+                <a16:creationId xmlns:a16="http://schemas.microsoft.com/office/drawing/2014/main" id="{4895429C-15B6-AB65-FA96-5A05AF68808B}"/>
+              </a:ext>
+            </a:extLst>
+          </p:cNvPr>
+          <p:cNvSpPr txBox="1"/>
+          <p:nvPr/>
+        </p:nvSpPr>
+        <p:spPr>
+          <a:xfrm>
+            <a:off x="7619099" y="1122513"/>
+            <a:ext cx="4592565" cy="3447098"/>
+          </a:xfrm>
+          <a:prstGeom prst="rect">
+            <a:avLst/>
+          </a:prstGeom>
+          <a:noFill/>
+        </p:spPr>
+        <p:txBody>
+          <a:bodyPr wrap="square">
+            <a:spAutoFit/>
+          </a:bodyPr>
+          <a:lstStyle/>
+          <a:p>
+            <a:pPr algn="l"/>
+            <a:r>
+              <a:rPr lang="en-GB" sz="2800" b="1" i="0" dirty="0">
+                <a:solidFill>
+                  <a:srgbClr val="212121"/>
+                </a:solidFill>
+                <a:effectLst/>
+                <a:latin typeface="Roboto" panose="02000000000000000000" pitchFamily="2" charset="0"/>
+              </a:rPr>
+              <a:t>Outliers:</a:t>
+            </a:r>
+          </a:p>
+          <a:p>
+            <a:pPr algn="l"/>
+            <a:endParaRPr lang="en-GB" sz="2800" b="1" i="0" dirty="0">
+              <a:solidFill>
+                <a:srgbClr val="212121"/>
+              </a:solidFill>
+              <a:effectLst/>
+              <a:latin typeface="Roboto" panose="02000000000000000000" pitchFamily="2" charset="0"/>
+            </a:endParaRPr>
+          </a:p>
+          <a:p>
+            <a:pPr algn="l"/>
+            <a:r>
+              <a:rPr lang="en-GB" b="0" i="0" dirty="0">
+                <a:solidFill>
+                  <a:srgbClr val="212121"/>
+                </a:solidFill>
+                <a:effectLst/>
+                <a:latin typeface="Roboto" panose="02000000000000000000" pitchFamily="2" charset="0"/>
+              </a:rPr>
+              <a:t>Total Profit earned by Pink cab is more when compared to yellow cab in cities like</a:t>
+            </a:r>
+          </a:p>
+          <a:p>
+            <a:pPr algn="l">
+              <a:buFont typeface="Arial" panose="020B0604020202020204" pitchFamily="34" charset="0"/>
+              <a:buChar char="•"/>
+            </a:pPr>
+            <a:r>
+              <a:rPr lang="en-GB" b="0" i="0" dirty="0">
+                <a:solidFill>
+                  <a:srgbClr val="212121"/>
+                </a:solidFill>
+                <a:effectLst/>
+                <a:latin typeface="Roboto" panose="02000000000000000000" pitchFamily="2" charset="0"/>
+              </a:rPr>
+              <a:t>Nashville TN</a:t>
+            </a:r>
+          </a:p>
+          <a:p>
+            <a:pPr algn="l">
+              <a:buFont typeface="Arial" panose="020B0604020202020204" pitchFamily="34" charset="0"/>
+              <a:buChar char="•"/>
+            </a:pPr>
+            <a:r>
+              <a:rPr lang="en-GB" b="0" i="0" dirty="0">
+                <a:solidFill>
+                  <a:srgbClr val="212121"/>
+                </a:solidFill>
+                <a:effectLst/>
+                <a:latin typeface="Roboto" panose="02000000000000000000" pitchFamily="2" charset="0"/>
+              </a:rPr>
+              <a:t>Tucson AZ</a:t>
+            </a:r>
+          </a:p>
+          <a:p>
+            <a:pPr algn="l"/>
+            <a:endParaRPr lang="en-GB" b="0" i="0" dirty="0">
+              <a:solidFill>
+                <a:srgbClr val="212121"/>
+              </a:solidFill>
+              <a:effectLst/>
+              <a:latin typeface="Roboto" panose="02000000000000000000" pitchFamily="2" charset="0"/>
+            </a:endParaRPr>
+          </a:p>
+          <a:p>
+            <a:pPr algn="l"/>
+            <a:r>
+              <a:rPr lang="en-GB" b="0" i="0" dirty="0">
+                <a:solidFill>
+                  <a:srgbClr val="212121"/>
+                </a:solidFill>
+                <a:effectLst/>
+                <a:latin typeface="Roboto" panose="02000000000000000000" pitchFamily="2" charset="0"/>
+              </a:rPr>
+              <a:t>These exceptions we can ignore when compared to the total profit earned by yellow cab in other major cities.</a:t>
+            </a:r>
+          </a:p>
+          <a:p>
+            <a:pPr algn="l"/>
+            <a:endParaRPr lang="en-GB" b="1" i="0" dirty="0">
+              <a:solidFill>
+                <a:srgbClr val="212121"/>
+              </a:solidFill>
+              <a:effectLst/>
+              <a:latin typeface="Roboto" panose="02000000000000000000" pitchFamily="2" charset="0"/>
+            </a:endParaRPr>
+          </a:p>
+        </p:txBody>
+      </p:sp>
+    </p:spTree>
+    <p:extLst>
+      <p:ext uri="{BB962C8B-B14F-4D97-AF65-F5344CB8AC3E}">
+        <p14:creationId xmlns:p14="http://schemas.microsoft.com/office/powerpoint/2010/main" val="1952667295"/>
+      </p:ext>
+    </p:extLst>
+  </p:cSld>
+  <p:clrMapOvr>
+    <a:masterClrMapping/>
+  </p:clrMapOvr>
+</p:sld>
+</file>
+
+<file path=ppt/slides/slide13.xml><?xml version="1.0" encoding="utf-8"?>
+<p:sld xmlns:a="http://schemas.openxmlformats.org/drawingml/2006/main" xmlns:r="http://schemas.openxmlformats.org/officeDocument/2006/relationships" xmlns:p="http://schemas.openxmlformats.org/presentationml/2006/main">
+  <p:cSld>
+    <p:spTree>
+      <p:nvGrpSpPr>
+        <p:cNvPr id="1" name=""/>
+        <p:cNvGrpSpPr/>
+        <p:nvPr/>
+      </p:nvGrpSpPr>
+      <p:grpSpPr>
+        <a:xfrm>
+          <a:off x="0" y="0"/>
+          <a:ext cx="0" cy="0"/>
+          <a:chOff x="0" y="0"/>
+          <a:chExt cx="0" cy="0"/>
+        </a:xfrm>
+      </p:grpSpPr>
+      <p:sp>
+        <p:nvSpPr>
+          <p:cNvPr id="3" name="Subtitle 2">
+            <a:extLst>
+              <a:ext uri="{FF2B5EF4-FFF2-40B4-BE49-F238E27FC236}">
+                <a16:creationId xmlns:a16="http://schemas.microsoft.com/office/drawing/2014/main" id="{07D09F2E-AC84-F2F9-17FA-74BD3FCAA546}"/>
+              </a:ext>
+            </a:extLst>
+          </p:cNvPr>
+          <p:cNvSpPr>
+            <a:spLocks noGrp="1"/>
+          </p:cNvSpPr>
+          <p:nvPr>
+            <p:ph type="subTitle" idx="1"/>
+          </p:nvPr>
+        </p:nvSpPr>
+        <p:spPr>
+          <a:xfrm>
+            <a:off x="-1" y="1171074"/>
+            <a:ext cx="12191999" cy="5686926"/>
+          </a:xfrm>
+        </p:spPr>
+        <p:txBody>
+          <a:bodyPr/>
+          <a:lstStyle/>
+          <a:p>
+            <a:pPr algn="l"/>
+            <a:endParaRPr lang="en-GB" dirty="0"/>
+          </a:p>
+          <a:p>
+            <a:pPr algn="l"/>
+            <a:r>
+              <a:rPr lang="en-GB" b="0" i="0" dirty="0">
+                <a:solidFill>
+                  <a:srgbClr val="212121"/>
+                </a:solidFill>
+                <a:effectLst/>
+                <a:latin typeface="Roboto" panose="02000000000000000000" pitchFamily="2" charset="0"/>
+              </a:rPr>
+              <a:t>Total Profit earned by Pink cab is more when compared to yellow cab in cities like</a:t>
+            </a:r>
+          </a:p>
+          <a:p>
+            <a:pPr algn="l">
+              <a:buFont typeface="Arial" panose="020B0604020202020204" pitchFamily="34" charset="0"/>
+              <a:buChar char="•"/>
+            </a:pPr>
+            <a:r>
+              <a:rPr lang="en-GB" b="0" i="0" dirty="0">
+                <a:solidFill>
+                  <a:srgbClr val="212121"/>
+                </a:solidFill>
+                <a:effectLst/>
+                <a:latin typeface="Roboto" panose="02000000000000000000" pitchFamily="2" charset="0"/>
+              </a:rPr>
+              <a:t>Nashville TN</a:t>
+            </a:r>
+          </a:p>
+          <a:p>
+            <a:pPr algn="l">
+              <a:buFont typeface="Arial" panose="020B0604020202020204" pitchFamily="34" charset="0"/>
+              <a:buChar char="•"/>
+            </a:pPr>
+            <a:r>
+              <a:rPr lang="en-GB" b="0" i="0" dirty="0">
+                <a:solidFill>
+                  <a:srgbClr val="212121"/>
+                </a:solidFill>
+                <a:effectLst/>
+                <a:latin typeface="Roboto" panose="02000000000000000000" pitchFamily="2" charset="0"/>
+              </a:rPr>
+              <a:t>Tucson AZ</a:t>
+            </a:r>
+          </a:p>
+          <a:p>
+            <a:pPr algn="l"/>
+            <a:r>
+              <a:rPr lang="en-GB" b="0" i="0" dirty="0">
+                <a:solidFill>
+                  <a:srgbClr val="212121"/>
+                </a:solidFill>
+                <a:effectLst/>
+                <a:latin typeface="Roboto" panose="02000000000000000000" pitchFamily="2" charset="0"/>
+              </a:rPr>
+              <a:t>These exceptions we can ignore when compared to the total profit earned by yellow cab in other major cities.</a:t>
+            </a:r>
+          </a:p>
+          <a:p>
+            <a:pPr algn="l"/>
+            <a:r>
+              <a:rPr lang="en-GB" b="0" i="0" dirty="0">
+                <a:solidFill>
+                  <a:srgbClr val="212121"/>
+                </a:solidFill>
+                <a:effectLst/>
+                <a:latin typeface="Roboto" panose="02000000000000000000" pitchFamily="2" charset="0"/>
+              </a:rPr>
+              <a:t>Total Profit earned by Pink cab is more when compared to yellow cab in cities like</a:t>
+            </a:r>
+          </a:p>
+          <a:p>
+            <a:pPr algn="l">
+              <a:buFont typeface="Arial" panose="020B0604020202020204" pitchFamily="34" charset="0"/>
+              <a:buChar char="•"/>
+            </a:pPr>
+            <a:r>
+              <a:rPr lang="en-GB" b="0" i="0" dirty="0">
+                <a:solidFill>
+                  <a:srgbClr val="212121"/>
+                </a:solidFill>
+                <a:effectLst/>
+                <a:latin typeface="Roboto" panose="02000000000000000000" pitchFamily="2" charset="0"/>
+              </a:rPr>
+              <a:t>Nashville TN</a:t>
+            </a:r>
+          </a:p>
+          <a:p>
+            <a:pPr algn="l">
+              <a:buFont typeface="Arial" panose="020B0604020202020204" pitchFamily="34" charset="0"/>
+              <a:buChar char="•"/>
+            </a:pPr>
+            <a:r>
+              <a:rPr lang="en-GB" b="0" i="0" dirty="0">
+                <a:solidFill>
+                  <a:srgbClr val="212121"/>
+                </a:solidFill>
+                <a:effectLst/>
+                <a:latin typeface="Roboto" panose="02000000000000000000" pitchFamily="2" charset="0"/>
+              </a:rPr>
+              <a:t>Tucson AZ</a:t>
+            </a:r>
+          </a:p>
+          <a:p>
+            <a:pPr algn="l"/>
+            <a:r>
+              <a:rPr lang="en-GB" sz="2800" dirty="0"/>
+              <a:t>Insights:</a:t>
+            </a:r>
+            <a:endParaRPr lang="en-GB" b="0" i="0" dirty="0">
+              <a:solidFill>
+                <a:srgbClr val="212121"/>
+              </a:solidFill>
+              <a:effectLst/>
+              <a:latin typeface="Roboto" panose="02000000000000000000" pitchFamily="2" charset="0"/>
+            </a:endParaRPr>
+          </a:p>
+          <a:p>
+            <a:pPr marL="342900" indent="-342900" algn="l">
+              <a:buFont typeface="Arial" panose="020B0604020202020204" pitchFamily="34" charset="0"/>
+              <a:buChar char="•"/>
+            </a:pPr>
+            <a:r>
+              <a:rPr lang="en-GB" b="0" i="0" dirty="0">
+                <a:solidFill>
+                  <a:srgbClr val="212121"/>
+                </a:solidFill>
+                <a:effectLst/>
+                <a:latin typeface="Roboto" panose="02000000000000000000" pitchFamily="2" charset="0"/>
+              </a:rPr>
+              <a:t>Kilometres </a:t>
+            </a:r>
+            <a:r>
+              <a:rPr lang="en-GB" dirty="0">
+                <a:solidFill>
+                  <a:srgbClr val="212121"/>
+                </a:solidFill>
+                <a:latin typeface="Roboto" panose="02000000000000000000" pitchFamily="2" charset="0"/>
+              </a:rPr>
+              <a:t>t</a:t>
+            </a:r>
+            <a:r>
+              <a:rPr lang="en-GB" b="0" i="0" dirty="0">
+                <a:solidFill>
+                  <a:srgbClr val="212121"/>
+                </a:solidFill>
+                <a:effectLst/>
+                <a:latin typeface="Roboto" panose="02000000000000000000" pitchFamily="2" charset="0"/>
+              </a:rPr>
+              <a:t>ravelled by 'Yellow Cabs' are more when compared to the 'Pink cab'.</a:t>
+            </a:r>
+          </a:p>
+          <a:p>
+            <a:pPr algn="l"/>
+            <a:endParaRPr lang="en-GB" b="0" i="0" dirty="0">
+              <a:solidFill>
+                <a:srgbClr val="212121"/>
+              </a:solidFill>
+              <a:effectLst/>
+              <a:latin typeface="Roboto" panose="02000000000000000000" pitchFamily="2" charset="0"/>
+            </a:endParaRPr>
+          </a:p>
+        </p:txBody>
+      </p:sp>
+      <p:sp>
+        <p:nvSpPr>
+          <p:cNvPr id="4" name="Title 1">
+            <a:extLst>
+              <a:ext uri="{FF2B5EF4-FFF2-40B4-BE49-F238E27FC236}">
+                <a16:creationId xmlns:a16="http://schemas.microsoft.com/office/drawing/2014/main" id="{E840BB47-7261-CD2A-B976-F02A5C6B6141}"/>
+              </a:ext>
+            </a:extLst>
+          </p:cNvPr>
+          <p:cNvSpPr>
+            <a:spLocks noGrp="1"/>
+          </p:cNvSpPr>
+          <p:nvPr>
+            <p:ph type="ctrTitle"/>
+          </p:nvPr>
+        </p:nvSpPr>
+        <p:spPr>
+          <a:xfrm>
+            <a:off x="0" y="-58994"/>
+            <a:ext cx="12192000" cy="884904"/>
+          </a:xfrm>
+          <a:solidFill>
+            <a:schemeClr val="tx1">
+              <a:lumMod val="75000"/>
+              <a:lumOff val="25000"/>
+            </a:schemeClr>
+          </a:solidFill>
+        </p:spPr>
+        <p:txBody>
+          <a:bodyPr>
+            <a:normAutofit/>
+          </a:bodyPr>
+          <a:lstStyle/>
+          <a:p>
+            <a:pPr algn="l"/>
+            <a:r>
+              <a:rPr lang="en-GB" sz="4000" dirty="0">
+                <a:solidFill>
+                  <a:srgbClr val="FFFFFF"/>
+                </a:solidFill>
+              </a:rPr>
+              <a:t>  </a:t>
+            </a:r>
+            <a:r>
+              <a:rPr lang="en-GB" sz="4000" dirty="0">
+                <a:solidFill>
+                  <a:schemeClr val="accent5"/>
+                </a:solidFill>
+              </a:rPr>
+              <a:t>Kilometre Travelled by each Cab Company</a:t>
+            </a:r>
+            <a:endParaRPr lang="en-GB" sz="4800" dirty="0">
+              <a:solidFill>
+                <a:schemeClr val="accent5"/>
+              </a:solidFill>
+            </a:endParaRPr>
+          </a:p>
+        </p:txBody>
+      </p:sp>
+      <p:pic>
+        <p:nvPicPr>
+          <p:cNvPr id="5" name="Picture 4">
+            <a:extLst>
+              <a:ext uri="{FF2B5EF4-FFF2-40B4-BE49-F238E27FC236}">
+                <a16:creationId xmlns:a16="http://schemas.microsoft.com/office/drawing/2014/main" id="{CE0238E5-7189-4ACD-EA0D-895850F61364}"/>
+              </a:ext>
+            </a:extLst>
+          </p:cNvPr>
+          <p:cNvPicPr>
+            <a:picLocks noChangeAspect="1"/>
+          </p:cNvPicPr>
+          <p:nvPr/>
+        </p:nvPicPr>
+        <p:blipFill>
+          <a:blip r:embed="rId2"/>
+          <a:stretch>
+            <a:fillRect/>
+          </a:stretch>
+        </p:blipFill>
+        <p:spPr>
+          <a:xfrm>
+            <a:off x="4628839" y="1171074"/>
+            <a:ext cx="7201524" cy="3970364"/>
+          </a:xfrm>
+          <a:prstGeom prst="rect">
+            <a:avLst/>
+          </a:prstGeom>
+        </p:spPr>
+      </p:pic>
+      <p:pic>
+        <p:nvPicPr>
+          <p:cNvPr id="7" name="Picture 6">
+            <a:extLst>
+              <a:ext uri="{FF2B5EF4-FFF2-40B4-BE49-F238E27FC236}">
+                <a16:creationId xmlns:a16="http://schemas.microsoft.com/office/drawing/2014/main" id="{012927F2-E417-8E02-34BA-855AD570BA15}"/>
+              </a:ext>
+            </a:extLst>
+          </p:cNvPr>
+          <p:cNvPicPr>
+            <a:picLocks noChangeAspect="1"/>
+          </p:cNvPicPr>
+          <p:nvPr/>
+        </p:nvPicPr>
+        <p:blipFill>
+          <a:blip r:embed="rId3"/>
+          <a:stretch>
+            <a:fillRect/>
+          </a:stretch>
+        </p:blipFill>
+        <p:spPr>
+          <a:xfrm>
+            <a:off x="8238" y="1171074"/>
+            <a:ext cx="4711248" cy="3837148"/>
+          </a:xfrm>
+          <a:prstGeom prst="rect">
+            <a:avLst/>
+          </a:prstGeom>
+        </p:spPr>
+      </p:pic>
+    </p:spTree>
+    <p:extLst>
+      <p:ext uri="{BB962C8B-B14F-4D97-AF65-F5344CB8AC3E}">
+        <p14:creationId xmlns:p14="http://schemas.microsoft.com/office/powerpoint/2010/main" val="1550492675"/>
+      </p:ext>
+    </p:extLst>
+  </p:cSld>
+  <p:clrMapOvr>
+    <a:masterClrMapping/>
+  </p:clrMapOvr>
+</p:sld>
+</file>
+
+<file path=ppt/slides/slide14.xml><?xml version="1.0" encoding="utf-8"?>
+<p:sld xmlns:a="http://schemas.openxmlformats.org/drawingml/2006/main" xmlns:r="http://schemas.openxmlformats.org/officeDocument/2006/relationships" xmlns:p="http://schemas.openxmlformats.org/presentationml/2006/main">
+  <p:cSld>
+    <p:spTree>
+      <p:nvGrpSpPr>
+        <p:cNvPr id="1" name=""/>
+        <p:cNvGrpSpPr/>
+        <p:nvPr/>
+      </p:nvGrpSpPr>
+      <p:grpSpPr>
+        <a:xfrm>
+          <a:off x="0" y="0"/>
+          <a:ext cx="0" cy="0"/>
+          <a:chOff x="0" y="0"/>
+          <a:chExt cx="0" cy="0"/>
+        </a:xfrm>
+      </p:grpSpPr>
+      <p:sp>
+        <p:nvSpPr>
+          <p:cNvPr id="3" name="Subtitle 2">
+            <a:extLst>
+              <a:ext uri="{FF2B5EF4-FFF2-40B4-BE49-F238E27FC236}">
+                <a16:creationId xmlns:a16="http://schemas.microsoft.com/office/drawing/2014/main" id="{07D09F2E-AC84-F2F9-17FA-74BD3FCAA546}"/>
+              </a:ext>
+            </a:extLst>
+          </p:cNvPr>
+          <p:cNvSpPr>
+            <a:spLocks noGrp="1"/>
+          </p:cNvSpPr>
+          <p:nvPr>
+            <p:ph type="subTitle" idx="1"/>
+          </p:nvPr>
+        </p:nvSpPr>
+        <p:spPr>
+          <a:xfrm>
+            <a:off x="-1" y="1171074"/>
+            <a:ext cx="12191999" cy="5686926"/>
+          </a:xfrm>
+        </p:spPr>
+        <p:txBody>
+          <a:bodyPr/>
+          <a:lstStyle/>
+          <a:p>
+            <a:pPr algn="l"/>
+            <a:endParaRPr lang="en-GB" dirty="0"/>
+          </a:p>
+          <a:p>
+            <a:pPr marL="342900" indent="-342900" algn="l">
+              <a:buFont typeface="Arial" panose="020B0604020202020204" pitchFamily="34" charset="0"/>
+              <a:buChar char="•"/>
+            </a:pPr>
+            <a:endParaRPr lang="en-GB" dirty="0"/>
+          </a:p>
+        </p:txBody>
+      </p:sp>
+      <p:sp>
+        <p:nvSpPr>
+          <p:cNvPr id="4" name="Title 1">
+            <a:extLst>
+              <a:ext uri="{FF2B5EF4-FFF2-40B4-BE49-F238E27FC236}">
+                <a16:creationId xmlns:a16="http://schemas.microsoft.com/office/drawing/2014/main" id="{E840BB47-7261-CD2A-B976-F02A5C6B6141}"/>
+              </a:ext>
+            </a:extLst>
+          </p:cNvPr>
+          <p:cNvSpPr>
+            <a:spLocks noGrp="1"/>
+          </p:cNvSpPr>
+          <p:nvPr>
+            <p:ph type="ctrTitle"/>
+          </p:nvPr>
+        </p:nvSpPr>
+        <p:spPr>
+          <a:xfrm>
+            <a:off x="0" y="-58994"/>
+            <a:ext cx="12192000" cy="1022555"/>
+          </a:xfrm>
+          <a:solidFill>
+            <a:schemeClr val="tx1">
+              <a:lumMod val="75000"/>
+              <a:lumOff val="25000"/>
+            </a:schemeClr>
+          </a:solidFill>
+        </p:spPr>
+        <p:txBody>
+          <a:bodyPr>
+            <a:normAutofit/>
+          </a:bodyPr>
+          <a:lstStyle/>
+          <a:p>
+            <a:pPr algn="l"/>
+            <a:r>
+              <a:rPr lang="en-GB" sz="4000" dirty="0">
+                <a:solidFill>
+                  <a:srgbClr val="FFFFFF"/>
+                </a:solidFill>
+              </a:rPr>
+              <a:t> </a:t>
+            </a:r>
+            <a:r>
+              <a:rPr lang="en-GB" sz="4000" dirty="0">
+                <a:solidFill>
+                  <a:schemeClr val="accent5"/>
+                </a:solidFill>
+              </a:rPr>
+              <a:t>Average Profit per Kilometre</a:t>
+            </a:r>
+            <a:endParaRPr lang="en-GB" sz="4800" dirty="0">
+              <a:solidFill>
+                <a:schemeClr val="accent5"/>
+              </a:solidFill>
+            </a:endParaRPr>
+          </a:p>
+        </p:txBody>
+      </p:sp>
+      <p:pic>
+        <p:nvPicPr>
+          <p:cNvPr id="5" name="Picture 4">
+            <a:extLst>
+              <a:ext uri="{FF2B5EF4-FFF2-40B4-BE49-F238E27FC236}">
+                <a16:creationId xmlns:a16="http://schemas.microsoft.com/office/drawing/2014/main" id="{F5CC2F9E-0454-BC78-1855-4CA965D14C41}"/>
+              </a:ext>
+            </a:extLst>
+          </p:cNvPr>
+          <p:cNvPicPr>
+            <a:picLocks noChangeAspect="1"/>
+          </p:cNvPicPr>
+          <p:nvPr/>
+        </p:nvPicPr>
+        <p:blipFill>
+          <a:blip r:embed="rId2"/>
+          <a:stretch>
+            <a:fillRect/>
+          </a:stretch>
+        </p:blipFill>
+        <p:spPr>
+          <a:xfrm>
+            <a:off x="0" y="993058"/>
+            <a:ext cx="7394550" cy="5686926"/>
+          </a:xfrm>
+          <a:prstGeom prst="rect">
+            <a:avLst/>
+          </a:prstGeom>
+        </p:spPr>
+      </p:pic>
+      <p:pic>
+        <p:nvPicPr>
+          <p:cNvPr id="6" name="Picture 5">
+            <a:extLst>
+              <a:ext uri="{FF2B5EF4-FFF2-40B4-BE49-F238E27FC236}">
+                <a16:creationId xmlns:a16="http://schemas.microsoft.com/office/drawing/2014/main" id="{413705E5-45C1-1242-A8A2-967F01DAFDFE}"/>
+              </a:ext>
+            </a:extLst>
+          </p:cNvPr>
+          <p:cNvPicPr>
+            <a:picLocks noChangeAspect="1"/>
+          </p:cNvPicPr>
+          <p:nvPr/>
+        </p:nvPicPr>
+        <p:blipFill>
+          <a:blip r:embed="rId3"/>
+          <a:stretch>
+            <a:fillRect/>
+          </a:stretch>
+        </p:blipFill>
+        <p:spPr>
+          <a:xfrm>
+            <a:off x="7370013" y="1210930"/>
+            <a:ext cx="4813806" cy="3824052"/>
+          </a:xfrm>
+          <a:prstGeom prst="rect">
+            <a:avLst/>
+          </a:prstGeom>
+        </p:spPr>
+      </p:pic>
+      <p:sp>
+        <p:nvSpPr>
+          <p:cNvPr id="8" name="TextBox 7">
+            <a:extLst>
+              <a:ext uri="{FF2B5EF4-FFF2-40B4-BE49-F238E27FC236}">
+                <a16:creationId xmlns:a16="http://schemas.microsoft.com/office/drawing/2014/main" id="{B50B8B4C-31C2-0196-0BED-00ADA96155AD}"/>
+              </a:ext>
+            </a:extLst>
+          </p:cNvPr>
+          <p:cNvSpPr txBox="1"/>
+          <p:nvPr/>
+        </p:nvSpPr>
+        <p:spPr>
+          <a:xfrm>
+            <a:off x="7493352" y="5118819"/>
+            <a:ext cx="4591664" cy="1477328"/>
+          </a:xfrm>
+          <a:prstGeom prst="rect">
+            <a:avLst/>
+          </a:prstGeom>
+          <a:noFill/>
+        </p:spPr>
+        <p:txBody>
+          <a:bodyPr wrap="square" rtlCol="0">
+            <a:spAutoFit/>
+          </a:bodyPr>
+          <a:lstStyle/>
+          <a:p>
+            <a:r>
+              <a:rPr lang="en-GB" dirty="0"/>
+              <a:t>Insights:</a:t>
+            </a:r>
+          </a:p>
+          <a:p>
+            <a:endParaRPr lang="en-GB" dirty="0"/>
+          </a:p>
+          <a:p>
+            <a:pPr marL="285750" indent="-285750">
+              <a:buFont typeface="Arial" panose="020B0604020202020204" pitchFamily="34" charset="0"/>
+              <a:buChar char="•"/>
+            </a:pPr>
+            <a:r>
+              <a:rPr lang="en-GB" dirty="0"/>
+              <a:t>Average Profit per Kilometre is greater for Yellow Cab Company</a:t>
+            </a:r>
+          </a:p>
+          <a:p>
+            <a:endParaRPr lang="en-GB" dirty="0"/>
+          </a:p>
+        </p:txBody>
+      </p:sp>
+    </p:spTree>
+    <p:extLst>
+      <p:ext uri="{BB962C8B-B14F-4D97-AF65-F5344CB8AC3E}">
+        <p14:creationId xmlns:p14="http://schemas.microsoft.com/office/powerpoint/2010/main" val="283066543"/>
+      </p:ext>
+    </p:extLst>
+  </p:cSld>
+  <p:clrMapOvr>
+    <a:masterClrMapping/>
+  </p:clrMapOvr>
+</p:sld>
+</file>
+
+<file path=ppt/slides/slide15.xml><?xml version="1.0" encoding="utf-8"?>
+<p:sld xmlns:a="http://schemas.openxmlformats.org/drawingml/2006/main" xmlns:r="http://schemas.openxmlformats.org/officeDocument/2006/relationships" xmlns:p="http://schemas.openxmlformats.org/presentationml/2006/main">
+  <p:cSld>
+    <p:spTree>
+      <p:nvGrpSpPr>
+        <p:cNvPr id="1" name=""/>
+        <p:cNvGrpSpPr/>
+        <p:nvPr/>
+      </p:nvGrpSpPr>
+      <p:grpSpPr>
+        <a:xfrm>
+          <a:off x="0" y="0"/>
+          <a:ext cx="0" cy="0"/>
+          <a:chOff x="0" y="0"/>
+          <a:chExt cx="0" cy="0"/>
+        </a:xfrm>
+      </p:grpSpPr>
+      <p:sp>
+        <p:nvSpPr>
+          <p:cNvPr id="3" name="Subtitle 2">
+            <a:extLst>
+              <a:ext uri="{FF2B5EF4-FFF2-40B4-BE49-F238E27FC236}">
+                <a16:creationId xmlns:a16="http://schemas.microsoft.com/office/drawing/2014/main" id="{07D09F2E-AC84-F2F9-17FA-74BD3FCAA546}"/>
+              </a:ext>
+            </a:extLst>
+          </p:cNvPr>
+          <p:cNvSpPr>
+            <a:spLocks noGrp="1"/>
+          </p:cNvSpPr>
+          <p:nvPr>
+            <p:ph type="subTitle" idx="1"/>
+          </p:nvPr>
+        </p:nvSpPr>
+        <p:spPr>
+          <a:xfrm>
+            <a:off x="-1" y="1171074"/>
+            <a:ext cx="12191999" cy="5686926"/>
+          </a:xfrm>
+        </p:spPr>
+        <p:txBody>
+          <a:bodyPr/>
+          <a:lstStyle/>
+          <a:p>
+            <a:pPr algn="l"/>
+            <a:endParaRPr lang="en-GB" dirty="0"/>
+          </a:p>
+          <a:p>
+            <a:pPr marL="342900" indent="-342900" algn="l">
+              <a:buFont typeface="Arial" panose="020B0604020202020204" pitchFamily="34" charset="0"/>
+              <a:buChar char="•"/>
+            </a:pPr>
+            <a:endParaRPr lang="en-GB" dirty="0"/>
+          </a:p>
+        </p:txBody>
+      </p:sp>
+      <p:sp>
+        <p:nvSpPr>
+          <p:cNvPr id="4" name="Title 1">
+            <a:extLst>
+              <a:ext uri="{FF2B5EF4-FFF2-40B4-BE49-F238E27FC236}">
+                <a16:creationId xmlns:a16="http://schemas.microsoft.com/office/drawing/2014/main" id="{E840BB47-7261-CD2A-B976-F02A5C6B6141}"/>
+              </a:ext>
+            </a:extLst>
+          </p:cNvPr>
+          <p:cNvSpPr>
+            <a:spLocks noGrp="1"/>
+          </p:cNvSpPr>
+          <p:nvPr>
+            <p:ph type="ctrTitle"/>
+          </p:nvPr>
+        </p:nvSpPr>
+        <p:spPr>
+          <a:xfrm>
+            <a:off x="0" y="-29497"/>
+            <a:ext cx="12192000" cy="1022555"/>
+          </a:xfrm>
+          <a:solidFill>
+            <a:schemeClr val="tx1">
+              <a:lumMod val="75000"/>
+              <a:lumOff val="25000"/>
+            </a:schemeClr>
+          </a:solidFill>
+        </p:spPr>
+        <p:txBody>
+          <a:bodyPr>
+            <a:normAutofit/>
+          </a:bodyPr>
+          <a:lstStyle/>
+          <a:p>
+            <a:pPr algn="l"/>
+            <a:r>
+              <a:rPr lang="en-GB" sz="4000" dirty="0">
+                <a:solidFill>
+                  <a:srgbClr val="FFFFFF"/>
+                </a:solidFill>
+              </a:rPr>
+              <a:t> </a:t>
+            </a:r>
+            <a:r>
+              <a:rPr lang="en-GB" sz="4000" dirty="0">
+                <a:solidFill>
+                  <a:schemeClr val="accent5"/>
+                </a:solidFill>
+              </a:rPr>
+              <a:t>Kilometre Travelled by each Cab Company City Wise</a:t>
+            </a:r>
+            <a:endParaRPr lang="en-GB" sz="4800" dirty="0">
+              <a:solidFill>
+                <a:schemeClr val="accent5"/>
+              </a:solidFill>
+            </a:endParaRPr>
+          </a:p>
+        </p:txBody>
+      </p:sp>
+      <p:pic>
+        <p:nvPicPr>
+          <p:cNvPr id="5" name="Picture 4">
+            <a:extLst>
+              <a:ext uri="{FF2B5EF4-FFF2-40B4-BE49-F238E27FC236}">
+                <a16:creationId xmlns:a16="http://schemas.microsoft.com/office/drawing/2014/main" id="{ADE95111-5EAD-AB65-58B7-ABDA3EF19D71}"/>
+              </a:ext>
+            </a:extLst>
+          </p:cNvPr>
+          <p:cNvPicPr>
+            <a:picLocks noChangeAspect="1"/>
+          </p:cNvPicPr>
+          <p:nvPr/>
+        </p:nvPicPr>
+        <p:blipFill>
+          <a:blip r:embed="rId2"/>
+          <a:stretch>
+            <a:fillRect/>
+          </a:stretch>
+        </p:blipFill>
+        <p:spPr>
+          <a:xfrm>
+            <a:off x="302642" y="993058"/>
+            <a:ext cx="4485667" cy="4511431"/>
+          </a:xfrm>
+          <a:prstGeom prst="rect">
+            <a:avLst/>
+          </a:prstGeom>
+        </p:spPr>
+      </p:pic>
+      <p:pic>
+        <p:nvPicPr>
+          <p:cNvPr id="8" name="Picture 7">
+            <a:extLst>
+              <a:ext uri="{FF2B5EF4-FFF2-40B4-BE49-F238E27FC236}">
+                <a16:creationId xmlns:a16="http://schemas.microsoft.com/office/drawing/2014/main" id="{FC6D52E8-7120-113D-18F3-DF52FB49287E}"/>
+              </a:ext>
+            </a:extLst>
+          </p:cNvPr>
+          <p:cNvPicPr>
+            <a:picLocks noChangeAspect="1"/>
+          </p:cNvPicPr>
+          <p:nvPr/>
+        </p:nvPicPr>
+        <p:blipFill>
+          <a:blip r:embed="rId3"/>
+          <a:stretch>
+            <a:fillRect/>
+          </a:stretch>
+        </p:blipFill>
+        <p:spPr>
+          <a:xfrm>
+            <a:off x="5389438" y="993058"/>
+            <a:ext cx="5464013" cy="4511431"/>
+          </a:xfrm>
+          <a:prstGeom prst="rect">
+            <a:avLst/>
+          </a:prstGeom>
+        </p:spPr>
+      </p:pic>
+      <p:sp>
+        <p:nvSpPr>
+          <p:cNvPr id="11" name="TextBox 10">
+            <a:extLst>
+              <a:ext uri="{FF2B5EF4-FFF2-40B4-BE49-F238E27FC236}">
+                <a16:creationId xmlns:a16="http://schemas.microsoft.com/office/drawing/2014/main" id="{BC5BE809-5D2A-8B1A-EAB7-36CAF8EB78F1}"/>
+              </a:ext>
+            </a:extLst>
+          </p:cNvPr>
+          <p:cNvSpPr txBox="1"/>
+          <p:nvPr/>
+        </p:nvSpPr>
+        <p:spPr>
+          <a:xfrm>
+            <a:off x="843115" y="5504489"/>
+            <a:ext cx="10454149" cy="1200329"/>
+          </a:xfrm>
+          <a:prstGeom prst="rect">
+            <a:avLst/>
+          </a:prstGeom>
+          <a:noFill/>
+        </p:spPr>
+        <p:txBody>
+          <a:bodyPr wrap="square">
+            <a:spAutoFit/>
+          </a:bodyPr>
+          <a:lstStyle/>
+          <a:p>
+            <a:r>
+              <a:rPr lang="en-GB" dirty="0"/>
+              <a:t>Insights:</a:t>
+            </a:r>
+          </a:p>
+          <a:p>
+            <a:endParaRPr lang="en-GB" dirty="0"/>
+          </a:p>
+          <a:p>
+            <a:pPr marL="285750" indent="-285750">
+              <a:buFont typeface="Arial" panose="020B0604020202020204" pitchFamily="34" charset="0"/>
+              <a:buChar char="•"/>
+            </a:pPr>
+            <a:r>
+              <a:rPr lang="en-GB" dirty="0"/>
+              <a:t>Customer Retention is more for choosing services offered by Yellow Cab when they have undergone a journey with it.</a:t>
+            </a:r>
+          </a:p>
+        </p:txBody>
+      </p:sp>
+    </p:spTree>
+    <p:extLst>
+      <p:ext uri="{BB962C8B-B14F-4D97-AF65-F5344CB8AC3E}">
+        <p14:creationId xmlns:p14="http://schemas.microsoft.com/office/powerpoint/2010/main" val="1473912062"/>
+      </p:ext>
+    </p:extLst>
+  </p:cSld>
+  <p:clrMapOvr>
+    <a:masterClrMapping/>
+  </p:clrMapOvr>
+</p:sld>
+</file>
+
+<file path=ppt/slides/slide16.xml><?xml version="1.0" encoding="utf-8"?>
+<p:sld xmlns:a="http://schemas.openxmlformats.org/drawingml/2006/main" xmlns:r="http://schemas.openxmlformats.org/officeDocument/2006/relationships" xmlns:p="http://schemas.openxmlformats.org/presentationml/2006/main">
+  <p:cSld>
+    <p:spTree>
+      <p:nvGrpSpPr>
+        <p:cNvPr id="1" name=""/>
+        <p:cNvGrpSpPr/>
+        <p:nvPr/>
+      </p:nvGrpSpPr>
+      <p:grpSpPr>
+        <a:xfrm>
+          <a:off x="0" y="0"/>
+          <a:ext cx="0" cy="0"/>
+          <a:chOff x="0" y="0"/>
+          <a:chExt cx="0" cy="0"/>
+        </a:xfrm>
+      </p:grpSpPr>
+      <p:sp>
+        <p:nvSpPr>
           <p:cNvPr id="2" name="Title 1">
             <a:extLst>
               <a:ext uri="{FF2B5EF4-FFF2-40B4-BE49-F238E27FC236}">
@@ -3364,7 +5773,7 @@
         </p:nvSpPr>
         <p:spPr>
           <a:xfrm rot="5400000">
-            <a:off x="-562431" y="562430"/>
+            <a:off x="-610557" y="562430"/>
             <a:ext cx="6858002" cy="5733142"/>
           </a:xfrm>
           <a:solidFill>
@@ -3385,13 +5794,25 @@
               <a:rPr lang="en-US" dirty="0"/>
             </a:br>
             <a:r>
-              <a:rPr lang="en-US" b="1" dirty="0">
+              <a:rPr lang="en-US" sz="6000" dirty="0">
                 <a:solidFill>
                   <a:srgbClr val="FF6600"/>
                 </a:solidFill>
               </a:rPr>
-              <a:t>Agenda</a:t>
-            </a:r>
+              <a:t>EDA Summary &amp; Recommendation</a:t>
+            </a:r>
+            <a:br>
+              <a:rPr lang="en-US" sz="6000" dirty="0">
+                <a:solidFill>
+                  <a:srgbClr val="FF6600"/>
+                </a:solidFill>
+              </a:rPr>
+            </a:br>
+            <a:endParaRPr lang="en-US" b="1" dirty="0">
+              <a:solidFill>
+                <a:srgbClr val="FF6600"/>
+              </a:solidFill>
+            </a:endParaRPr>
           </a:p>
         </p:txBody>
       </p:sp>
@@ -3419,7 +5840,7 @@
         </p:spPr>
         <p:txBody>
           <a:bodyPr vert="vert270">
-            <a:normAutofit/>
+            <a:normAutofit fontScale="62500" lnSpcReduction="20000"/>
           </a:bodyPr>
           <a:lstStyle/>
           <a:p>
@@ -3430,101 +5851,240 @@
             </a:endParaRPr>
           </a:p>
           <a:p>
-            <a:pPr algn="just"/>
-            <a:r>
-              <a:rPr lang="en-US" dirty="0">
-                <a:solidFill>
-                  <a:srgbClr val="FF6600"/>
-                </a:solidFill>
-              </a:rPr>
-              <a:t>   </a:t>
-            </a:r>
-          </a:p>
-          <a:p>
-            <a:pPr algn="just"/>
-            <a:r>
-              <a:rPr lang="en-US" sz="2800" dirty="0">
-                <a:solidFill>
-                  <a:srgbClr val="FF6600"/>
-                </a:solidFill>
-              </a:rPr>
-              <a:t>         </a:t>
-            </a:r>
-          </a:p>
-          <a:p>
-            <a:pPr algn="just"/>
-            <a:r>
-              <a:rPr lang="en-US" sz="2800" dirty="0">
-                <a:solidFill>
-                  <a:srgbClr val="FF6600"/>
-                </a:solidFill>
-              </a:rPr>
-              <a:t>         Executive Summary</a:t>
-            </a:r>
-          </a:p>
-          <a:p>
-            <a:pPr algn="just"/>
-            <a:r>
-              <a:rPr lang="en-US" sz="2800" dirty="0">
-                <a:solidFill>
-                  <a:srgbClr val="FF6600"/>
-                </a:solidFill>
-              </a:rPr>
-              <a:t>         Problem Statement</a:t>
-            </a:r>
-          </a:p>
-          <a:p>
-            <a:pPr algn="just"/>
-            <a:r>
-              <a:rPr lang="en-US" sz="2800" dirty="0">
-                <a:solidFill>
-                  <a:srgbClr val="FF6600"/>
-                </a:solidFill>
-              </a:rPr>
-              <a:t>         Approach</a:t>
-            </a:r>
-          </a:p>
-          <a:p>
-            <a:pPr algn="just"/>
-            <a:r>
-              <a:rPr lang="en-US" sz="2800" dirty="0">
-                <a:solidFill>
-                  <a:srgbClr val="FF6600"/>
-                </a:solidFill>
-              </a:rPr>
-              <a:t>         EDA</a:t>
-            </a:r>
-          </a:p>
-          <a:p>
-            <a:pPr algn="just"/>
-            <a:r>
-              <a:rPr lang="en-US" sz="2800" dirty="0">
-                <a:solidFill>
-                  <a:srgbClr val="FF6600"/>
-                </a:solidFill>
-              </a:rPr>
-              <a:t>         EDA Summary</a:t>
-            </a:r>
-          </a:p>
-          <a:p>
-            <a:pPr algn="just"/>
-            <a:r>
-              <a:rPr lang="en-US" sz="2800" dirty="0">
-                <a:solidFill>
-                  <a:srgbClr val="FF6600"/>
-                </a:solidFill>
-              </a:rPr>
-              <a:t>         Recommendations</a:t>
-            </a:r>
-          </a:p>
-          <a:p>
-            <a:endParaRPr lang="en-US" sz="3200" dirty="0">
+            <a:endParaRPr lang="en-US" dirty="0">
               <a:solidFill>
                 <a:srgbClr val="FF6600"/>
               </a:solidFill>
             </a:endParaRPr>
           </a:p>
           <a:p>
+            <a:pPr algn="l">
+              <a:lnSpc>
+                <a:spcPct val="120000"/>
+              </a:lnSpc>
+              <a:buFont typeface="Arial" panose="020B0604020202020204" pitchFamily="34" charset="0"/>
+              <a:buChar char="•"/>
+            </a:pPr>
+            <a:r>
+              <a:rPr lang="en-GB" b="0" i="0" dirty="0">
+                <a:solidFill>
+                  <a:srgbClr val="212121"/>
+                </a:solidFill>
+                <a:effectLst/>
+                <a:latin typeface="Roboto" panose="02000000000000000000" pitchFamily="2" charset="0"/>
+              </a:rPr>
+              <a:t>  Yellow Cab' has more number of rides compared to 'Pink Cab’.  That means most of the cab users prefer to choose services offered by 'Yellow Cab' and it has maximum cab users.</a:t>
+            </a:r>
+          </a:p>
+          <a:p>
+            <a:pPr algn="l">
+              <a:lnSpc>
+                <a:spcPct val="120000"/>
+              </a:lnSpc>
+              <a:buFont typeface="Arial" panose="020B0604020202020204" pitchFamily="34" charset="0"/>
+              <a:buChar char="•"/>
+            </a:pPr>
+            <a:r>
+              <a:rPr lang="en-GB" b="0" i="0" dirty="0">
+                <a:solidFill>
+                  <a:srgbClr val="212121"/>
+                </a:solidFill>
+                <a:effectLst/>
+                <a:latin typeface="Roboto" panose="02000000000000000000" pitchFamily="2" charset="0"/>
+              </a:rPr>
+              <a:t>  Total Revenue generated by 'Yellow Cabs' are more when compared to the 'Pink cab’.</a:t>
+            </a:r>
+          </a:p>
+          <a:p>
+            <a:pPr algn="l">
+              <a:lnSpc>
+                <a:spcPct val="120000"/>
+              </a:lnSpc>
+              <a:buFont typeface="Arial" panose="020B0604020202020204" pitchFamily="34" charset="0"/>
+              <a:buChar char="•"/>
+            </a:pPr>
+            <a:r>
+              <a:rPr lang="en-GB" b="0" i="0" dirty="0">
+                <a:solidFill>
+                  <a:srgbClr val="212121"/>
+                </a:solidFill>
+                <a:effectLst/>
+                <a:latin typeface="Roboto" panose="02000000000000000000" pitchFamily="2" charset="0"/>
+              </a:rPr>
+              <a:t>  Total Profit earned by 'Yellow Cabs' are more when compared to the 'Pink cab’.</a:t>
+            </a:r>
+          </a:p>
+          <a:p>
+            <a:pPr algn="l">
+              <a:lnSpc>
+                <a:spcPct val="120000"/>
+              </a:lnSpc>
+              <a:buFont typeface="Arial" panose="020B0604020202020204" pitchFamily="34" charset="0"/>
+              <a:buChar char="•"/>
+            </a:pPr>
+            <a:r>
+              <a:rPr lang="en-GB" b="0" i="0" dirty="0">
+                <a:solidFill>
+                  <a:srgbClr val="212121"/>
+                </a:solidFill>
+                <a:effectLst/>
+                <a:latin typeface="Roboto" panose="02000000000000000000" pitchFamily="2" charset="0"/>
+              </a:rPr>
+              <a:t>  Kms Travelled by 'Yellow Cabs' are more when compared to the 'Pink cab’.</a:t>
+            </a:r>
+          </a:p>
+          <a:p>
+            <a:pPr algn="l">
+              <a:lnSpc>
+                <a:spcPct val="120000"/>
+              </a:lnSpc>
+              <a:buFont typeface="Arial" panose="020B0604020202020204" pitchFamily="34" charset="0"/>
+              <a:buChar char="•"/>
+            </a:pPr>
+            <a:r>
+              <a:rPr lang="en-GB" b="0" i="0" dirty="0">
+                <a:solidFill>
+                  <a:srgbClr val="212121"/>
+                </a:solidFill>
+                <a:effectLst/>
+                <a:latin typeface="Roboto" panose="02000000000000000000" pitchFamily="2" charset="0"/>
+              </a:rPr>
+              <a:t>  Profit per Km of 'Yellow Cabs' are more when compared to the 'Pink cab’.</a:t>
+            </a:r>
+          </a:p>
+          <a:p>
+            <a:pPr algn="l">
+              <a:lnSpc>
+                <a:spcPct val="120000"/>
+              </a:lnSpc>
+              <a:buFont typeface="Arial" panose="020B0604020202020204" pitchFamily="34" charset="0"/>
+              <a:buChar char="•"/>
+            </a:pPr>
+            <a:r>
+              <a:rPr lang="en-GB" b="0" i="0" dirty="0">
+                <a:solidFill>
+                  <a:srgbClr val="212121"/>
+                </a:solidFill>
+                <a:effectLst/>
+                <a:latin typeface="Roboto" panose="02000000000000000000" pitchFamily="2" charset="0"/>
+              </a:rPr>
+              <a:t>  Customers prefer to choose 'Yellow Cabs' during their next journey once they have undergone a ride with it. Customer Retention is more.</a:t>
+            </a:r>
+          </a:p>
+          <a:p>
+            <a:pPr algn="l"/>
+            <a:endParaRPr lang="en-GB" b="0" i="0" dirty="0">
+              <a:solidFill>
+                <a:srgbClr val="212121"/>
+              </a:solidFill>
+              <a:effectLst/>
+              <a:latin typeface="Roboto" panose="02000000000000000000" pitchFamily="2" charset="0"/>
+            </a:endParaRPr>
+          </a:p>
+          <a:p>
+            <a:pPr algn="l">
+              <a:lnSpc>
+                <a:spcPct val="120000"/>
+              </a:lnSpc>
+            </a:pPr>
+            <a:r>
+              <a:rPr lang="en-GB" b="1" i="0" dirty="0">
+                <a:solidFill>
+                  <a:srgbClr val="212121"/>
+                </a:solidFill>
+                <a:effectLst/>
+                <a:latin typeface="Roboto" panose="02000000000000000000" pitchFamily="2" charset="0"/>
+              </a:rPr>
+              <a:t>Recommendation</a:t>
+            </a:r>
+            <a:endParaRPr lang="en-GB" b="0" i="0" dirty="0">
+              <a:solidFill>
+                <a:srgbClr val="212121"/>
+              </a:solidFill>
+              <a:effectLst/>
+              <a:latin typeface="Roboto" panose="02000000000000000000" pitchFamily="2" charset="0"/>
+            </a:endParaRPr>
+          </a:p>
+          <a:p>
+            <a:pPr algn="l">
+              <a:lnSpc>
+                <a:spcPct val="120000"/>
+              </a:lnSpc>
+            </a:pPr>
+            <a:r>
+              <a:rPr lang="en-GB" b="0" i="0" dirty="0">
+                <a:solidFill>
+                  <a:srgbClr val="212121"/>
+                </a:solidFill>
+                <a:effectLst/>
+                <a:latin typeface="Roboto" panose="02000000000000000000" pitchFamily="2" charset="0"/>
+              </a:rPr>
+              <a:t>I recommend that XYZ company should invest in </a:t>
+            </a:r>
+            <a:r>
+              <a:rPr lang="en-GB" b="1" i="0" dirty="0">
+                <a:solidFill>
+                  <a:srgbClr val="212121"/>
+                </a:solidFill>
+                <a:effectLst/>
+                <a:latin typeface="Roboto" panose="02000000000000000000" pitchFamily="2" charset="0"/>
+              </a:rPr>
+              <a:t>'Yellow Cab'</a:t>
+            </a:r>
+            <a:r>
+              <a:rPr lang="en-GB" b="0" i="0" dirty="0">
+                <a:solidFill>
+                  <a:srgbClr val="212121"/>
+                </a:solidFill>
+                <a:effectLst/>
+                <a:latin typeface="Roboto" panose="02000000000000000000" pitchFamily="2" charset="0"/>
+              </a:rPr>
+              <a:t> company to gain more profit</a:t>
+            </a:r>
+          </a:p>
+          <a:p>
+            <a:pPr algn="just">
+              <a:lnSpc>
+                <a:spcPct val="120000"/>
+              </a:lnSpc>
+            </a:pPr>
+            <a:r>
+              <a:rPr lang="en-GB" b="0" i="0" dirty="0">
+                <a:solidFill>
+                  <a:srgbClr val="212121"/>
+                </a:solidFill>
+                <a:effectLst/>
+                <a:latin typeface="Roboto" panose="02000000000000000000" pitchFamily="2" charset="0"/>
+              </a:rPr>
+              <a:t>In the cities with the exceptions, we need to focus on services offered to customers to get more rides for the Yellow cabs.</a:t>
+            </a:r>
+            <a:endParaRPr lang="en-US" dirty="0">
+              <a:solidFill>
+                <a:srgbClr val="FF6600"/>
+              </a:solidFill>
+            </a:endParaRPr>
+          </a:p>
+          <a:p>
+            <a:pPr algn="just"/>
+            <a:r>
+              <a:rPr lang="en-US" sz="2800" dirty="0">
+                <a:solidFill>
+                  <a:srgbClr val="FF6600"/>
+                </a:solidFill>
+              </a:rPr>
+              <a:t>         </a:t>
+            </a:r>
+          </a:p>
+          <a:p>
+            <a:pPr algn="just"/>
+            <a:r>
+              <a:rPr lang="en-US" sz="2800" dirty="0">
+                <a:solidFill>
+                  <a:srgbClr val="FF6600"/>
+                </a:solidFill>
+              </a:rPr>
+              <a:t>  </a:t>
+            </a:r>
             <a:endParaRPr lang="en-US" dirty="0">
               <a:solidFill>
                 <a:srgbClr val="FF6600"/>
@@ -3579,7 +6139,7 @@
     </p:spTree>
     <p:extLst>
       <p:ext uri="{BB962C8B-B14F-4D97-AF65-F5344CB8AC3E}">
-        <p14:creationId xmlns:p14="http://schemas.microsoft.com/office/powerpoint/2010/main" val="4047255108"/>
+        <p14:creationId xmlns:p14="http://schemas.microsoft.com/office/powerpoint/2010/main" val="1134178562"/>
       </p:ext>
     </p:extLst>
   </p:cSld>
@@ -3589,17 +6149,9 @@
 </p:sld>
 </file>
 
-<file path=ppt/slides/slide3.xml><?xml version="1.0" encoding="utf-8"?>
+<file path=ppt/slides/slide17.xml><?xml version="1.0" encoding="utf-8"?>
 <p:sld xmlns:a="http://schemas.openxmlformats.org/drawingml/2006/main" xmlns:r="http://schemas.openxmlformats.org/officeDocument/2006/relationships" xmlns:p="http://schemas.openxmlformats.org/presentationml/2006/main">
   <p:cSld>
-    <p:bg>
-      <p:bgPr>
-        <a:solidFill>
-          <a:schemeClr val="bg1"/>
-        </a:solidFill>
-        <a:effectLst/>
-      </p:bgPr>
-    </p:bg>
     <p:spTree>
       <p:nvGrpSpPr>
         <p:cNvPr id="1" name=""/>
@@ -3619,7 +6171,7 @@
           <p:cNvPr id="2" name="Title 1">
             <a:extLst>
               <a:ext uri="{FF2B5EF4-FFF2-40B4-BE49-F238E27FC236}">
-                <a16:creationId xmlns:a16="http://schemas.microsoft.com/office/drawing/2014/main" id="{5297B551-8FFF-A9BD-185D-B09EA4308D56}"/>
+                <a16:creationId xmlns:a16="http://schemas.microsoft.com/office/drawing/2014/main" id="{E8B8F26E-9345-4747-9094-972E38700A17}"/>
               </a:ext>
             </a:extLst>
           </p:cNvPr>
@@ -3627,20 +6179,61 @@
             <a:spLocks noGrp="1"/>
           </p:cNvSpPr>
           <p:nvPr>
-            <p:ph type="title"/>
+            <p:ph type="ctrTitle"/>
+          </p:nvPr>
+        </p:nvSpPr>
+        <p:spPr>
+          <a:xfrm rot="5400000">
+            <a:off x="-562431" y="562430"/>
+            <a:ext cx="6858002" cy="5733142"/>
+          </a:xfrm>
+          <a:solidFill>
+            <a:srgbClr val="3B3B3B"/>
+          </a:solidFill>
+        </p:spPr>
+        <p:txBody>
+          <a:bodyPr vert="vert270" anchor="t" anchorCtr="0"/>
+          <a:lstStyle/>
+          <a:p>
+            <a:r>
+              <a:rPr lang="en-US" b="1" dirty="0">
+                <a:solidFill>
+                  <a:schemeClr val="bg2">
+                    <a:lumMod val="25000"/>
+                  </a:schemeClr>
+                </a:solidFill>
+              </a:rPr>
+              <a:t>.</a:t>
+            </a:r>
+            <a:endParaRPr lang="en-US" b="1" dirty="0">
+              <a:solidFill>
+                <a:srgbClr val="FF6600"/>
+              </a:solidFill>
+            </a:endParaRPr>
+          </a:p>
+        </p:txBody>
+      </p:sp>
+      <p:sp>
+        <p:nvSpPr>
+          <p:cNvPr id="6" name="Subtitle 5">
+            <a:extLst>
+              <a:ext uri="{FF2B5EF4-FFF2-40B4-BE49-F238E27FC236}">
+                <a16:creationId xmlns:a16="http://schemas.microsoft.com/office/drawing/2014/main" id="{2D4BA697-580E-5544-8F2F-194AD99B859F}"/>
+              </a:ext>
+            </a:extLst>
+          </p:cNvPr>
+          <p:cNvSpPr>
+            <a:spLocks noGrp="1"/>
+          </p:cNvSpPr>
+          <p:nvPr>
+            <p:ph type="subTitle" idx="1"/>
           </p:nvPr>
         </p:nvSpPr>
         <p:spPr>
           <a:xfrm>
-            <a:off x="0" y="0"/>
-            <a:ext cx="12191999" cy="1071716"/>
-          </a:xfrm>
-          <a:solidFill>
-            <a:schemeClr val="tx1">
-              <a:lumMod val="75000"/>
-              <a:lumOff val="25000"/>
-            </a:schemeClr>
-          </a:solidFill>
+            <a:off x="5200696" y="2481943"/>
+            <a:ext cx="5558973" cy="1655762"/>
+          </a:xfrm>
         </p:spPr>
         <p:txBody>
           <a:bodyPr>
@@ -3648,50 +6241,64 @@
           </a:bodyPr>
           <a:lstStyle/>
           <a:p>
-            <a:endParaRPr lang="en-GB" sz="4000" dirty="0">
+            <a:r>
+              <a:rPr lang="en-US" sz="6600" dirty="0">
+                <a:solidFill>
+                  <a:srgbClr val="FF6600"/>
+                </a:solidFill>
+              </a:rPr>
+              <a:t>Thank You</a:t>
+            </a:r>
+          </a:p>
+          <a:p>
+            <a:endParaRPr lang="en-US" sz="6600" dirty="0">
               <a:solidFill>
-                <a:srgbClr val="FFFFFF"/>
+                <a:srgbClr val="FF6600"/>
               </a:solidFill>
             </a:endParaRPr>
           </a:p>
         </p:txBody>
       </p:sp>
-      <p:sp>
-        <p:nvSpPr>
-          <p:cNvPr id="17" name="Content Placeholder 2">
+      <p:pic>
+        <p:nvPicPr>
+          <p:cNvPr id="4" name="Picture 3">
             <a:extLst>
               <a:ext uri="{FF2B5EF4-FFF2-40B4-BE49-F238E27FC236}">
-                <a16:creationId xmlns:a16="http://schemas.microsoft.com/office/drawing/2014/main" id="{C764DEDE-B45D-6C2C-5EEF-D269F6A5F781}"/>
+                <a16:creationId xmlns:a16="http://schemas.microsoft.com/office/drawing/2014/main" id="{7A465064-0714-5743-882B-8875105A7023}"/>
               </a:ext>
             </a:extLst>
           </p:cNvPr>
-          <p:cNvSpPr>
-            <a:spLocks noGrp="1"/>
-          </p:cNvSpPr>
-          <p:nvPr>
-            <p:ph idx="1"/>
-          </p:nvPr>
-        </p:nvSpPr>
+          <p:cNvPicPr>
+            <a:picLocks noChangeAspect="1"/>
+          </p:cNvPicPr>
+          <p:nvPr/>
+        </p:nvPicPr>
+        <p:blipFill>
+          <a:blip r:embed="rId2" cstate="print">
+            <a:extLst>
+              <a:ext uri="{28A0092B-C50C-407E-A947-70E740481C1C}">
+                <a14:useLocalDpi xmlns:a14="http://schemas.microsoft.com/office/drawing/2010/main" val="0"/>
+              </a:ext>
+            </a:extLst>
+          </a:blip>
+          <a:stretch>
+            <a:fillRect/>
+          </a:stretch>
+        </p:blipFill>
         <p:spPr>
           <a:xfrm>
-            <a:off x="0" y="1386348"/>
-            <a:ext cx="12191999" cy="5471652"/>
-          </a:xfrm>
-        </p:spPr>
-        <p:txBody>
-          <a:bodyPr anchor="ctr">
-            <a:normAutofit/>
-          </a:bodyPr>
-          <a:lstStyle/>
-          <a:p>
-            <a:endParaRPr lang="en-GB" sz="2000" dirty="0"/>
-          </a:p>
-        </p:txBody>
-      </p:sp>
+            <a:off x="0" y="5863771"/>
+            <a:ext cx="1654627" cy="994232"/>
+          </a:xfrm>
+          <a:prstGeom prst="rect">
+            <a:avLst/>
+          </a:prstGeom>
+        </p:spPr>
+      </p:pic>
     </p:spTree>
     <p:extLst>
       <p:ext uri="{BB962C8B-B14F-4D97-AF65-F5344CB8AC3E}">
-        <p14:creationId xmlns:p14="http://schemas.microsoft.com/office/powerpoint/2010/main" val="4133099076"/>
+        <p14:creationId xmlns:p14="http://schemas.microsoft.com/office/powerpoint/2010/main" val="116821060"/>
       </p:ext>
     </p:extLst>
   </p:cSld>
@@ -3701,17 +6308,9 @@
 </p:sld>
 </file>
 
-<file path=ppt/slides/slide4.xml><?xml version="1.0" encoding="utf-8"?>
+<file path=ppt/slides/slide2.xml><?xml version="1.0" encoding="utf-8"?>
 <p:sld xmlns:a="http://schemas.openxmlformats.org/drawingml/2006/main" xmlns:r="http://schemas.openxmlformats.org/officeDocument/2006/relationships" xmlns:p="http://schemas.openxmlformats.org/presentationml/2006/main">
   <p:cSld>
-    <p:bg>
-      <p:bgPr>
-        <a:solidFill>
-          <a:schemeClr val="bg1"/>
-        </a:solidFill>
-        <a:effectLst/>
-      </p:bgPr>
-    </p:bg>
     <p:spTree>
       <p:nvGrpSpPr>
         <p:cNvPr id="1" name=""/>
@@ -3731,7 +6330,7 @@
           <p:cNvPr id="2" name="Title 1">
             <a:extLst>
               <a:ext uri="{FF2B5EF4-FFF2-40B4-BE49-F238E27FC236}">
-                <a16:creationId xmlns:a16="http://schemas.microsoft.com/office/drawing/2014/main" id="{5297B551-8FFF-A9BD-185D-B09EA4308D56}"/>
+                <a16:creationId xmlns:a16="http://schemas.microsoft.com/office/drawing/2014/main" id="{E8B8F26E-9345-4747-9094-972E38700A17}"/>
               </a:ext>
             </a:extLst>
           </p:cNvPr>
@@ -3739,41 +6338,48 @@
             <a:spLocks noGrp="1"/>
           </p:cNvSpPr>
           <p:nvPr>
-            <p:ph type="title"/>
-          </p:nvPr>
-        </p:nvSpPr>
-        <p:spPr>
-          <a:xfrm>
-            <a:off x="0" y="0"/>
-            <a:ext cx="12191999" cy="1071716"/>
+            <p:ph type="ctrTitle"/>
+          </p:nvPr>
+        </p:nvSpPr>
+        <p:spPr>
+          <a:xfrm rot="5400000">
+            <a:off x="-610557" y="562430"/>
+            <a:ext cx="6858002" cy="5733142"/>
           </a:xfrm>
           <a:solidFill>
-            <a:schemeClr val="tx1">
-              <a:lumMod val="75000"/>
-              <a:lumOff val="25000"/>
-            </a:schemeClr>
+            <a:srgbClr val="3B3B3B"/>
           </a:solidFill>
         </p:spPr>
         <p:txBody>
-          <a:bodyPr>
-            <a:normAutofit/>
-          </a:bodyPr>
-          <a:lstStyle/>
-          <a:p>
-            <a:endParaRPr lang="en-GB" sz="4000" dirty="0">
-              <a:solidFill>
-                <a:srgbClr val="FFFFFF"/>
-              </a:solidFill>
-            </a:endParaRPr>
-          </a:p>
-        </p:txBody>
-      </p:sp>
-      <p:sp>
-        <p:nvSpPr>
-          <p:cNvPr id="17" name="Content Placeholder 2">
+          <a:bodyPr vert="vert270" anchor="t" anchorCtr="0"/>
+          <a:lstStyle/>
+          <a:p>
+            <a:br>
+              <a:rPr lang="en-US" dirty="0"/>
+            </a:br>
+            <a:br>
+              <a:rPr lang="en-US" dirty="0"/>
+            </a:br>
+            <a:br>
+              <a:rPr lang="en-US" dirty="0"/>
+            </a:br>
+            <a:r>
+              <a:rPr lang="en-US" b="1" dirty="0">
+                <a:solidFill>
+                  <a:srgbClr val="FF6600"/>
+                </a:solidFill>
+              </a:rPr>
+              <a:t>Agenda</a:t>
+            </a:r>
+          </a:p>
+        </p:txBody>
+      </p:sp>
+      <p:sp>
+        <p:nvSpPr>
+          <p:cNvPr id="3" name="Subtitle 2">
             <a:extLst>
               <a:ext uri="{FF2B5EF4-FFF2-40B4-BE49-F238E27FC236}">
-                <a16:creationId xmlns:a16="http://schemas.microsoft.com/office/drawing/2014/main" id="{C764DEDE-B45D-6C2C-5EEF-D269F6A5F781}"/>
+                <a16:creationId xmlns:a16="http://schemas.microsoft.com/office/drawing/2014/main" id="{60B3D5A6-E766-7C41-BD00-B22DA4727FBA}"/>
               </a:ext>
             </a:extLst>
           </p:cNvPr>
@@ -3781,29 +6387,176 @@
             <a:spLocks noGrp="1"/>
           </p:cNvSpPr>
           <p:nvPr>
-            <p:ph idx="1"/>
-          </p:nvPr>
-        </p:nvSpPr>
-        <p:spPr>
-          <a:xfrm>
-            <a:off x="0" y="1386348"/>
-            <a:ext cx="12191999" cy="5471652"/>
-          </a:xfrm>
-        </p:spPr>
-        <p:txBody>
-          <a:bodyPr anchor="ctr">
+            <p:ph type="subTitle" idx="1"/>
+          </p:nvPr>
+        </p:nvSpPr>
+        <p:spPr>
+          <a:xfrm rot="5400000">
+            <a:off x="5533569" y="199573"/>
+            <a:ext cx="6858004" cy="6458857"/>
+          </a:xfrm>
+        </p:spPr>
+        <p:txBody>
+          <a:bodyPr vert="vert270">
             <a:normAutofit/>
           </a:bodyPr>
           <a:lstStyle/>
           <a:p>
-            <a:endParaRPr lang="en-GB" sz="2000" dirty="0"/>
-          </a:p>
-        </p:txBody>
-      </p:sp>
+            <a:endParaRPr lang="en-US" dirty="0">
+              <a:solidFill>
+                <a:srgbClr val="FF6600"/>
+              </a:solidFill>
+            </a:endParaRPr>
+          </a:p>
+          <a:p>
+            <a:pPr algn="just"/>
+            <a:r>
+              <a:rPr lang="en-US" dirty="0">
+                <a:solidFill>
+                  <a:srgbClr val="FF6600"/>
+                </a:solidFill>
+              </a:rPr>
+              <a:t>   </a:t>
+            </a:r>
+          </a:p>
+          <a:p>
+            <a:pPr algn="just"/>
+            <a:r>
+              <a:rPr lang="en-US" sz="2800" dirty="0">
+                <a:solidFill>
+                  <a:srgbClr val="FF6600"/>
+                </a:solidFill>
+              </a:rPr>
+              <a:t>         </a:t>
+            </a:r>
+          </a:p>
+          <a:p>
+            <a:pPr algn="just"/>
+            <a:r>
+              <a:rPr lang="en-US" sz="2800" dirty="0">
+                <a:solidFill>
+                  <a:srgbClr val="FF6600"/>
+                </a:solidFill>
+              </a:rPr>
+              <a:t>         Executive Summary</a:t>
+            </a:r>
+          </a:p>
+          <a:p>
+            <a:pPr algn="just"/>
+            <a:r>
+              <a:rPr lang="en-US" sz="2800" dirty="0">
+                <a:solidFill>
+                  <a:srgbClr val="FF6600"/>
+                </a:solidFill>
+              </a:rPr>
+              <a:t>         Problem Statement</a:t>
+            </a:r>
+          </a:p>
+          <a:p>
+            <a:pPr algn="just"/>
+            <a:r>
+              <a:rPr lang="en-US" sz="2800" dirty="0">
+                <a:solidFill>
+                  <a:srgbClr val="FF6600"/>
+                </a:solidFill>
+              </a:rPr>
+              <a:t>         Approach</a:t>
+            </a:r>
+          </a:p>
+          <a:p>
+            <a:pPr algn="just"/>
+            <a:r>
+              <a:rPr lang="en-US" sz="2800" dirty="0">
+                <a:solidFill>
+                  <a:srgbClr val="FF6600"/>
+                </a:solidFill>
+              </a:rPr>
+              <a:t>         EDA</a:t>
+            </a:r>
+          </a:p>
+          <a:p>
+            <a:pPr algn="just"/>
+            <a:r>
+              <a:rPr lang="en-US" sz="2800" dirty="0">
+                <a:solidFill>
+                  <a:srgbClr val="FF6600"/>
+                </a:solidFill>
+              </a:rPr>
+              <a:t>         EDA Summary</a:t>
+            </a:r>
+          </a:p>
+          <a:p>
+            <a:pPr algn="just"/>
+            <a:r>
+              <a:rPr lang="en-US" sz="2800" dirty="0">
+                <a:solidFill>
+                  <a:srgbClr val="FF6600"/>
+                </a:solidFill>
+              </a:rPr>
+              <a:t>         Recommendations</a:t>
+            </a:r>
+            <a:endParaRPr lang="en-US" sz="3200" dirty="0">
+              <a:solidFill>
+                <a:srgbClr val="FF6600"/>
+              </a:solidFill>
+            </a:endParaRPr>
+          </a:p>
+          <a:p>
+            <a:endParaRPr lang="en-US" dirty="0">
+              <a:solidFill>
+                <a:srgbClr val="FF6600"/>
+              </a:solidFill>
+            </a:endParaRPr>
+          </a:p>
+          <a:p>
+            <a:endParaRPr lang="en-US" dirty="0">
+              <a:solidFill>
+                <a:srgbClr val="FF6600"/>
+              </a:solidFill>
+            </a:endParaRPr>
+          </a:p>
+        </p:txBody>
+      </p:sp>
+      <p:pic>
+        <p:nvPicPr>
+          <p:cNvPr id="4" name="Picture 3">
+            <a:extLst>
+              <a:ext uri="{FF2B5EF4-FFF2-40B4-BE49-F238E27FC236}">
+                <a16:creationId xmlns:a16="http://schemas.microsoft.com/office/drawing/2014/main" id="{7A465064-0714-5743-882B-8875105A7023}"/>
+              </a:ext>
+            </a:extLst>
+          </p:cNvPr>
+          <p:cNvPicPr>
+            <a:picLocks noChangeAspect="1"/>
+          </p:cNvPicPr>
+          <p:nvPr/>
+        </p:nvPicPr>
+        <p:blipFill>
+          <a:blip r:embed="rId2" cstate="print">
+            <a:extLst>
+              <a:ext uri="{28A0092B-C50C-407E-A947-70E740481C1C}">
+                <a14:useLocalDpi xmlns:a14="http://schemas.microsoft.com/office/drawing/2010/main" val="0"/>
+              </a:ext>
+            </a:extLst>
+          </a:blip>
+          <a:stretch>
+            <a:fillRect/>
+          </a:stretch>
+        </p:blipFill>
+        <p:spPr>
+          <a:xfrm>
+            <a:off x="0" y="5863771"/>
+            <a:ext cx="1654627" cy="994232"/>
+          </a:xfrm>
+          <a:prstGeom prst="rect">
+            <a:avLst/>
+          </a:prstGeom>
+        </p:spPr>
+      </p:pic>
     </p:spTree>
     <p:extLst>
       <p:ext uri="{BB962C8B-B14F-4D97-AF65-F5344CB8AC3E}">
-        <p14:creationId xmlns:p14="http://schemas.microsoft.com/office/powerpoint/2010/main" val="4204140153"/>
+        <p14:creationId xmlns:p14="http://schemas.microsoft.com/office/powerpoint/2010/main" val="4047255108"/>
       </p:ext>
     </p:extLst>
   </p:cSld>
@@ -3813,17 +6566,9 @@
 </p:sld>
 </file>
 
-<file path=ppt/slides/slide5.xml><?xml version="1.0" encoding="utf-8"?>
+<file path=ppt/slides/slide3.xml><?xml version="1.0" encoding="utf-8"?>
 <p:sld xmlns:a="http://schemas.openxmlformats.org/drawingml/2006/main" xmlns:r="http://schemas.openxmlformats.org/officeDocument/2006/relationships" xmlns:p="http://schemas.openxmlformats.org/presentationml/2006/main">
   <p:cSld>
-    <p:bg>
-      <p:bgPr>
-        <a:solidFill>
-          <a:schemeClr val="bg1"/>
-        </a:solidFill>
-        <a:effectLst/>
-      </p:bgPr>
-    </p:bg>
     <p:spTree>
       <p:nvGrpSpPr>
         <p:cNvPr id="1" name=""/>
@@ -3843,7 +6588,7 @@
           <p:cNvPr id="2" name="Title 1">
             <a:extLst>
               <a:ext uri="{FF2B5EF4-FFF2-40B4-BE49-F238E27FC236}">
-                <a16:creationId xmlns:a16="http://schemas.microsoft.com/office/drawing/2014/main" id="{5297B551-8FFF-A9BD-185D-B09EA4308D56}"/>
+                <a16:creationId xmlns:a16="http://schemas.microsoft.com/office/drawing/2014/main" id="{E8B8F26E-9345-4747-9094-972E38700A17}"/>
               </a:ext>
             </a:extLst>
           </p:cNvPr>
@@ -3851,41 +6596,48 @@
             <a:spLocks noGrp="1"/>
           </p:cNvSpPr>
           <p:nvPr>
-            <p:ph type="title"/>
-          </p:nvPr>
-        </p:nvSpPr>
-        <p:spPr>
-          <a:xfrm>
-            <a:off x="0" y="0"/>
-            <a:ext cx="12191999" cy="1071716"/>
+            <p:ph type="ctrTitle"/>
+          </p:nvPr>
+        </p:nvSpPr>
+        <p:spPr>
+          <a:xfrm rot="5400000">
+            <a:off x="-610557" y="562430"/>
+            <a:ext cx="6858002" cy="5733142"/>
           </a:xfrm>
           <a:solidFill>
-            <a:schemeClr val="tx1">
-              <a:lumMod val="75000"/>
-              <a:lumOff val="25000"/>
-            </a:schemeClr>
+            <a:srgbClr val="3B3B3B"/>
           </a:solidFill>
         </p:spPr>
         <p:txBody>
-          <a:bodyPr>
-            <a:normAutofit/>
-          </a:bodyPr>
-          <a:lstStyle/>
-          <a:p>
-            <a:endParaRPr lang="en-GB" sz="4000" dirty="0">
-              <a:solidFill>
-                <a:srgbClr val="FFFFFF"/>
-              </a:solidFill>
-            </a:endParaRPr>
-          </a:p>
-        </p:txBody>
-      </p:sp>
-      <p:sp>
-        <p:nvSpPr>
-          <p:cNvPr id="17" name="Content Placeholder 2">
+          <a:bodyPr vert="vert270" anchor="t" anchorCtr="0"/>
+          <a:lstStyle/>
+          <a:p>
+            <a:br>
+              <a:rPr lang="en-US" dirty="0"/>
+            </a:br>
+            <a:br>
+              <a:rPr lang="en-US" dirty="0"/>
+            </a:br>
+            <a:br>
+              <a:rPr lang="en-US" dirty="0"/>
+            </a:br>
+            <a:r>
+              <a:rPr lang="en-US" b="1" dirty="0">
+                <a:solidFill>
+                  <a:srgbClr val="FF6600"/>
+                </a:solidFill>
+              </a:rPr>
+              <a:t>Executive Summary</a:t>
+            </a:r>
+          </a:p>
+        </p:txBody>
+      </p:sp>
+      <p:sp>
+        <p:nvSpPr>
+          <p:cNvPr id="3" name="Subtitle 2">
             <a:extLst>
               <a:ext uri="{FF2B5EF4-FFF2-40B4-BE49-F238E27FC236}">
-                <a16:creationId xmlns:a16="http://schemas.microsoft.com/office/drawing/2014/main" id="{C764DEDE-B45D-6C2C-5EEF-D269F6A5F781}"/>
+                <a16:creationId xmlns:a16="http://schemas.microsoft.com/office/drawing/2014/main" id="{60B3D5A6-E766-7C41-BD00-B22DA4727FBA}"/>
               </a:ext>
             </a:extLst>
           </p:cNvPr>
@@ -3893,29 +6645,601 @@
             <a:spLocks noGrp="1"/>
           </p:cNvSpPr>
           <p:nvPr>
-            <p:ph idx="1"/>
-          </p:nvPr>
-        </p:nvSpPr>
-        <p:spPr>
-          <a:xfrm>
-            <a:off x="0" y="1386348"/>
-            <a:ext cx="12191999" cy="5471652"/>
-          </a:xfrm>
-        </p:spPr>
-        <p:txBody>
-          <a:bodyPr anchor="ctr">
+            <p:ph type="subTitle" idx="1"/>
+          </p:nvPr>
+        </p:nvSpPr>
+        <p:spPr>
+          <a:xfrm rot="5400000">
+            <a:off x="5368182" y="364961"/>
+            <a:ext cx="7050508" cy="6320589"/>
+          </a:xfrm>
+        </p:spPr>
+        <p:txBody>
+          <a:bodyPr vert="vert270">
             <a:normAutofit/>
           </a:bodyPr>
           <a:lstStyle/>
           <a:p>
-            <a:endParaRPr lang="en-GB" sz="2000" dirty="0"/>
-          </a:p>
-        </p:txBody>
-      </p:sp>
+            <a:endParaRPr lang="en-US" dirty="0">
+              <a:solidFill>
+                <a:srgbClr val="FF6600"/>
+              </a:solidFill>
+            </a:endParaRPr>
+          </a:p>
+          <a:p>
+            <a:endParaRPr lang="en-US" dirty="0">
+              <a:solidFill>
+                <a:srgbClr val="FF6600"/>
+              </a:solidFill>
+            </a:endParaRPr>
+          </a:p>
+          <a:p>
+            <a:endParaRPr lang="en-US" dirty="0">
+              <a:solidFill>
+                <a:srgbClr val="FF6600"/>
+              </a:solidFill>
+            </a:endParaRPr>
+          </a:p>
+          <a:p>
+            <a:pPr marL="342900" indent="-342900" algn="l">
+              <a:buFont typeface="Arial" panose="020B0604020202020204" pitchFamily="34" charset="0"/>
+              <a:buChar char="•"/>
+            </a:pPr>
+            <a:r>
+              <a:rPr lang="en-GB" dirty="0"/>
+              <a:t>XYZ, a private firm in US, is planning for an investment in the cab industry due to its remarkable growth in recent years.</a:t>
+            </a:r>
+          </a:p>
+          <a:p>
+            <a:pPr algn="l"/>
+            <a:endParaRPr lang="en-GB" dirty="0"/>
+          </a:p>
+          <a:p>
+            <a:pPr marL="342900" indent="-342900" algn="l">
+              <a:buFont typeface="Arial" panose="020B0604020202020204" pitchFamily="34" charset="0"/>
+              <a:buChar char="•"/>
+            </a:pPr>
+            <a:r>
+              <a:rPr lang="en-GB" dirty="0"/>
+              <a:t>It is seeking actionable insights to inform their investment decisions. This project aims to provide actionable insights to help XYZ identify the right company for their investment. </a:t>
+            </a:r>
+            <a:endParaRPr lang="en-US" dirty="0"/>
+          </a:p>
+          <a:p>
+            <a:pPr algn="just"/>
+            <a:r>
+              <a:rPr lang="en-US" sz="2800" dirty="0"/>
+              <a:t>         </a:t>
+            </a:r>
+          </a:p>
+          <a:p>
+            <a:pPr algn="just"/>
+            <a:r>
+              <a:rPr lang="en-US" sz="2800" dirty="0">
+                <a:solidFill>
+                  <a:srgbClr val="FF6600"/>
+                </a:solidFill>
+              </a:rPr>
+              <a:t>         </a:t>
+            </a:r>
+            <a:endParaRPr lang="en-US" dirty="0">
+              <a:solidFill>
+                <a:srgbClr val="FF6600"/>
+              </a:solidFill>
+            </a:endParaRPr>
+          </a:p>
+          <a:p>
+            <a:endParaRPr lang="en-US" dirty="0">
+              <a:solidFill>
+                <a:srgbClr val="FF6600"/>
+              </a:solidFill>
+            </a:endParaRPr>
+          </a:p>
+        </p:txBody>
+      </p:sp>
+      <p:pic>
+        <p:nvPicPr>
+          <p:cNvPr id="4" name="Picture 3">
+            <a:extLst>
+              <a:ext uri="{FF2B5EF4-FFF2-40B4-BE49-F238E27FC236}">
+                <a16:creationId xmlns:a16="http://schemas.microsoft.com/office/drawing/2014/main" id="{7A465064-0714-5743-882B-8875105A7023}"/>
+              </a:ext>
+            </a:extLst>
+          </p:cNvPr>
+          <p:cNvPicPr>
+            <a:picLocks noChangeAspect="1"/>
+          </p:cNvPicPr>
+          <p:nvPr/>
+        </p:nvPicPr>
+        <p:blipFill>
+          <a:blip r:embed="rId2" cstate="print">
+            <a:extLst>
+              <a:ext uri="{28A0092B-C50C-407E-A947-70E740481C1C}">
+                <a14:useLocalDpi xmlns:a14="http://schemas.microsoft.com/office/drawing/2010/main" val="0"/>
+              </a:ext>
+            </a:extLst>
+          </a:blip>
+          <a:stretch>
+            <a:fillRect/>
+          </a:stretch>
+        </p:blipFill>
+        <p:spPr>
+          <a:xfrm>
+            <a:off x="0" y="5863771"/>
+            <a:ext cx="1654627" cy="994232"/>
+          </a:xfrm>
+          <a:prstGeom prst="rect">
+            <a:avLst/>
+          </a:prstGeom>
+        </p:spPr>
+      </p:pic>
     </p:spTree>
     <p:extLst>
       <p:ext uri="{BB962C8B-B14F-4D97-AF65-F5344CB8AC3E}">
-        <p14:creationId xmlns:p14="http://schemas.microsoft.com/office/powerpoint/2010/main" val="2943574500"/>
+        <p14:creationId xmlns:p14="http://schemas.microsoft.com/office/powerpoint/2010/main" val="1887042566"/>
+      </p:ext>
+    </p:extLst>
+  </p:cSld>
+  <p:clrMapOvr>
+    <a:masterClrMapping/>
+  </p:clrMapOvr>
+</p:sld>
+</file>
+
+<file path=ppt/slides/slide4.xml><?xml version="1.0" encoding="utf-8"?>
+<p:sld xmlns:a="http://schemas.openxmlformats.org/drawingml/2006/main" xmlns:r="http://schemas.openxmlformats.org/officeDocument/2006/relationships" xmlns:p="http://schemas.openxmlformats.org/presentationml/2006/main">
+  <p:cSld>
+    <p:spTree>
+      <p:nvGrpSpPr>
+        <p:cNvPr id="1" name=""/>
+        <p:cNvGrpSpPr/>
+        <p:nvPr/>
+      </p:nvGrpSpPr>
+      <p:grpSpPr>
+        <a:xfrm>
+          <a:off x="0" y="0"/>
+          <a:ext cx="0" cy="0"/>
+          <a:chOff x="0" y="0"/>
+          <a:chExt cx="0" cy="0"/>
+        </a:xfrm>
+      </p:grpSpPr>
+      <p:sp>
+        <p:nvSpPr>
+          <p:cNvPr id="2" name="Title 1">
+            <a:extLst>
+              <a:ext uri="{FF2B5EF4-FFF2-40B4-BE49-F238E27FC236}">
+                <a16:creationId xmlns:a16="http://schemas.microsoft.com/office/drawing/2014/main" id="{E8B8F26E-9345-4747-9094-972E38700A17}"/>
+              </a:ext>
+            </a:extLst>
+          </p:cNvPr>
+          <p:cNvSpPr>
+            <a:spLocks noGrp="1"/>
+          </p:cNvSpPr>
+          <p:nvPr>
+            <p:ph type="ctrTitle"/>
+          </p:nvPr>
+        </p:nvSpPr>
+        <p:spPr>
+          <a:xfrm rot="5400000">
+            <a:off x="-610557" y="562430"/>
+            <a:ext cx="6858002" cy="5733142"/>
+          </a:xfrm>
+          <a:solidFill>
+            <a:srgbClr val="3B3B3B"/>
+          </a:solidFill>
+        </p:spPr>
+        <p:txBody>
+          <a:bodyPr vert="vert270" anchor="t" anchorCtr="0"/>
+          <a:lstStyle/>
+          <a:p>
+            <a:br>
+              <a:rPr lang="en-US" dirty="0"/>
+            </a:br>
+            <a:br>
+              <a:rPr lang="en-US" dirty="0"/>
+            </a:br>
+            <a:r>
+              <a:rPr lang="en-US" sz="6000" dirty="0">
+                <a:solidFill>
+                  <a:srgbClr val="FF6600"/>
+                </a:solidFill>
+              </a:rPr>
+              <a:t> Problem Statement</a:t>
+            </a:r>
+            <a:endParaRPr lang="en-US" dirty="0">
+              <a:solidFill>
+                <a:srgbClr val="FF6600"/>
+              </a:solidFill>
+            </a:endParaRPr>
+          </a:p>
+        </p:txBody>
+      </p:sp>
+      <p:sp>
+        <p:nvSpPr>
+          <p:cNvPr id="3" name="Subtitle 2">
+            <a:extLst>
+              <a:ext uri="{FF2B5EF4-FFF2-40B4-BE49-F238E27FC236}">
+                <a16:creationId xmlns:a16="http://schemas.microsoft.com/office/drawing/2014/main" id="{60B3D5A6-E766-7C41-BD00-B22DA4727FBA}"/>
+              </a:ext>
+            </a:extLst>
+          </p:cNvPr>
+          <p:cNvSpPr>
+            <a:spLocks noGrp="1"/>
+          </p:cNvSpPr>
+          <p:nvPr>
+            <p:ph type="subTitle" idx="1"/>
+          </p:nvPr>
+        </p:nvSpPr>
+        <p:spPr>
+          <a:xfrm rot="5400000">
+            <a:off x="5533569" y="199573"/>
+            <a:ext cx="6858004" cy="6458857"/>
+          </a:xfrm>
+        </p:spPr>
+        <p:txBody>
+          <a:bodyPr vert="vert270">
+            <a:normAutofit/>
+          </a:bodyPr>
+          <a:lstStyle/>
+          <a:p>
+            <a:endParaRPr lang="en-US" dirty="0">
+              <a:solidFill>
+                <a:srgbClr val="FF6600"/>
+              </a:solidFill>
+            </a:endParaRPr>
+          </a:p>
+          <a:p>
+            <a:pPr algn="just"/>
+            <a:r>
+              <a:rPr lang="en-US" dirty="0">
+                <a:solidFill>
+                  <a:srgbClr val="FF6600"/>
+                </a:solidFill>
+              </a:rPr>
+              <a:t>   </a:t>
+            </a:r>
+          </a:p>
+          <a:p>
+            <a:pPr algn="l"/>
+            <a:r>
+              <a:rPr lang="en-US" sz="2800" dirty="0">
+                <a:solidFill>
+                  <a:srgbClr val="FF6600"/>
+                </a:solidFill>
+              </a:rPr>
+              <a:t>         </a:t>
+            </a:r>
+            <a:endParaRPr lang="en-GB" b="0" i="0" dirty="0">
+              <a:solidFill>
+                <a:srgbClr val="374151"/>
+              </a:solidFill>
+              <a:effectLst/>
+              <a:latin typeface="Söhne"/>
+            </a:endParaRPr>
+          </a:p>
+          <a:p>
+            <a:pPr marL="342900" indent="-342900" algn="l">
+              <a:buFont typeface="Arial" panose="020B0604020202020204" pitchFamily="34" charset="0"/>
+              <a:buChar char="•"/>
+            </a:pPr>
+            <a:r>
+              <a:rPr lang="en-GB" b="0" i="0" dirty="0">
+                <a:effectLst/>
+                <a:latin typeface="Söhne"/>
+              </a:rPr>
+              <a:t>XYZ aims to invest in the cab industry, but they need to understand the market better before making a final decision as per their Go-to-Market (G2M) strategy. Specifically, they want to determine which cab company is a better investment opportunity. To address this, we conducted a comprehensive data analysis.</a:t>
+            </a:r>
+          </a:p>
+          <a:p>
+            <a:pPr algn="just"/>
+            <a:endParaRPr lang="en-US" dirty="0"/>
+          </a:p>
+          <a:p>
+            <a:endParaRPr lang="en-US" dirty="0">
+              <a:solidFill>
+                <a:srgbClr val="FF6600"/>
+              </a:solidFill>
+            </a:endParaRPr>
+          </a:p>
+        </p:txBody>
+      </p:sp>
+      <p:pic>
+        <p:nvPicPr>
+          <p:cNvPr id="4" name="Picture 3">
+            <a:extLst>
+              <a:ext uri="{FF2B5EF4-FFF2-40B4-BE49-F238E27FC236}">
+                <a16:creationId xmlns:a16="http://schemas.microsoft.com/office/drawing/2014/main" id="{7A465064-0714-5743-882B-8875105A7023}"/>
+              </a:ext>
+            </a:extLst>
+          </p:cNvPr>
+          <p:cNvPicPr>
+            <a:picLocks noChangeAspect="1"/>
+          </p:cNvPicPr>
+          <p:nvPr/>
+        </p:nvPicPr>
+        <p:blipFill>
+          <a:blip r:embed="rId2" cstate="print">
+            <a:extLst>
+              <a:ext uri="{28A0092B-C50C-407E-A947-70E740481C1C}">
+                <a14:useLocalDpi xmlns:a14="http://schemas.microsoft.com/office/drawing/2010/main" val="0"/>
+              </a:ext>
+            </a:extLst>
+          </a:blip>
+          <a:stretch>
+            <a:fillRect/>
+          </a:stretch>
+        </p:blipFill>
+        <p:spPr>
+          <a:xfrm>
+            <a:off x="0" y="5863771"/>
+            <a:ext cx="1654627" cy="994232"/>
+          </a:xfrm>
+          <a:prstGeom prst="rect">
+            <a:avLst/>
+          </a:prstGeom>
+        </p:spPr>
+      </p:pic>
+    </p:spTree>
+    <p:extLst>
+      <p:ext uri="{BB962C8B-B14F-4D97-AF65-F5344CB8AC3E}">
+        <p14:creationId xmlns:p14="http://schemas.microsoft.com/office/powerpoint/2010/main" val="3460855582"/>
+      </p:ext>
+    </p:extLst>
+  </p:cSld>
+  <p:clrMapOvr>
+    <a:masterClrMapping/>
+  </p:clrMapOvr>
+</p:sld>
+</file>
+
+<file path=ppt/slides/slide5.xml><?xml version="1.0" encoding="utf-8"?>
+<p:sld xmlns:a="http://schemas.openxmlformats.org/drawingml/2006/main" xmlns:r="http://schemas.openxmlformats.org/officeDocument/2006/relationships" xmlns:p="http://schemas.openxmlformats.org/presentationml/2006/main">
+  <p:cSld>
+    <p:spTree>
+      <p:nvGrpSpPr>
+        <p:cNvPr id="1" name=""/>
+        <p:cNvGrpSpPr/>
+        <p:nvPr/>
+      </p:nvGrpSpPr>
+      <p:grpSpPr>
+        <a:xfrm>
+          <a:off x="0" y="0"/>
+          <a:ext cx="0" cy="0"/>
+          <a:chOff x="0" y="0"/>
+          <a:chExt cx="0" cy="0"/>
+        </a:xfrm>
+      </p:grpSpPr>
+      <p:sp>
+        <p:nvSpPr>
+          <p:cNvPr id="2" name="Title 1">
+            <a:extLst>
+              <a:ext uri="{FF2B5EF4-FFF2-40B4-BE49-F238E27FC236}">
+                <a16:creationId xmlns:a16="http://schemas.microsoft.com/office/drawing/2014/main" id="{E8B8F26E-9345-4747-9094-972E38700A17}"/>
+              </a:ext>
+            </a:extLst>
+          </p:cNvPr>
+          <p:cNvSpPr>
+            <a:spLocks noGrp="1"/>
+          </p:cNvSpPr>
+          <p:nvPr>
+            <p:ph type="ctrTitle"/>
+          </p:nvPr>
+        </p:nvSpPr>
+        <p:spPr>
+          <a:xfrm rot="5400000">
+            <a:off x="-610557" y="562430"/>
+            <a:ext cx="6858002" cy="5733142"/>
+          </a:xfrm>
+          <a:solidFill>
+            <a:srgbClr val="3B3B3B"/>
+          </a:solidFill>
+        </p:spPr>
+        <p:txBody>
+          <a:bodyPr vert="vert270" anchor="t" anchorCtr="0"/>
+          <a:lstStyle/>
+          <a:p>
+            <a:br>
+              <a:rPr lang="en-US" dirty="0"/>
+            </a:br>
+            <a:br>
+              <a:rPr lang="en-US" dirty="0"/>
+            </a:br>
+            <a:br>
+              <a:rPr lang="en-US" dirty="0"/>
+            </a:br>
+            <a:r>
+              <a:rPr lang="en-US" b="1" dirty="0">
+                <a:solidFill>
+                  <a:srgbClr val="FF6600"/>
+                </a:solidFill>
+              </a:rPr>
+              <a:t>Approach</a:t>
+            </a:r>
+          </a:p>
+        </p:txBody>
+      </p:sp>
+      <p:sp>
+        <p:nvSpPr>
+          <p:cNvPr id="3" name="Subtitle 2">
+            <a:extLst>
+              <a:ext uri="{FF2B5EF4-FFF2-40B4-BE49-F238E27FC236}">
+                <a16:creationId xmlns:a16="http://schemas.microsoft.com/office/drawing/2014/main" id="{60B3D5A6-E766-7C41-BD00-B22DA4727FBA}"/>
+              </a:ext>
+            </a:extLst>
+          </p:cNvPr>
+          <p:cNvSpPr>
+            <a:spLocks noGrp="1"/>
+          </p:cNvSpPr>
+          <p:nvPr>
+            <p:ph type="subTitle" idx="1"/>
+          </p:nvPr>
+        </p:nvSpPr>
+        <p:spPr>
+          <a:xfrm rot="5400000">
+            <a:off x="5533569" y="199573"/>
+            <a:ext cx="6858004" cy="6458857"/>
+          </a:xfrm>
+        </p:spPr>
+        <p:txBody>
+          <a:bodyPr vert="vert270">
+            <a:normAutofit/>
+          </a:bodyPr>
+          <a:lstStyle/>
+          <a:p>
+            <a:endParaRPr lang="en-US" dirty="0">
+              <a:solidFill>
+                <a:srgbClr val="FF6600"/>
+              </a:solidFill>
+            </a:endParaRPr>
+          </a:p>
+          <a:p>
+            <a:pPr algn="l">
+              <a:buFont typeface="Arial" panose="020B0604020202020204" pitchFamily="34" charset="0"/>
+              <a:buChar char="•"/>
+            </a:pPr>
+            <a:r>
+              <a:rPr lang="en-GB" dirty="0"/>
+              <a:t>Here we merge the datasets '</a:t>
+            </a:r>
+            <a:r>
+              <a:rPr lang="en-GB" dirty="0" err="1"/>
+              <a:t>cab_data</a:t>
+            </a:r>
+            <a:r>
+              <a:rPr lang="en-GB" dirty="0"/>
+              <a:t>' and '</a:t>
+            </a:r>
+            <a:r>
+              <a:rPr lang="en-GB" dirty="0" err="1"/>
+              <a:t>transaction_data</a:t>
+            </a:r>
+            <a:r>
+              <a:rPr lang="en-GB" dirty="0"/>
+              <a:t>' with the 'Transaction ID' column and the merged dataset. </a:t>
+            </a:r>
+            <a:r>
+              <a:rPr lang="en-GB" dirty="0" err="1"/>
+              <a:t>customer_data</a:t>
+            </a:r>
+            <a:r>
+              <a:rPr lang="en-GB" dirty="0"/>
+              <a:t> dataset will be merged to it with the 'Customer ID' column. We will form a new dataset '</a:t>
+            </a:r>
+            <a:r>
+              <a:rPr lang="en-GB" dirty="0" err="1"/>
+              <a:t>final_cab_data</a:t>
+            </a:r>
+            <a:r>
+              <a:rPr lang="en-GB" dirty="0"/>
+              <a:t>' with these merged dataset</a:t>
+            </a:r>
+          </a:p>
+          <a:p>
+            <a:pPr algn="l">
+              <a:buFont typeface="Arial" panose="020B0604020202020204" pitchFamily="34" charset="0"/>
+              <a:buChar char="•"/>
+            </a:pPr>
+            <a:endParaRPr lang="en-GB" dirty="0">
+              <a:solidFill>
+                <a:srgbClr val="FF6600"/>
+              </a:solidFill>
+            </a:endParaRPr>
+          </a:p>
+          <a:p>
+            <a:pPr algn="l">
+              <a:buFont typeface="Arial" panose="020B0604020202020204" pitchFamily="34" charset="0"/>
+              <a:buChar char="•"/>
+            </a:pPr>
+            <a:r>
+              <a:rPr lang="en-GB" dirty="0"/>
+              <a:t>Here we are not merging </a:t>
+            </a:r>
+            <a:r>
+              <a:rPr lang="en-GB" dirty="0" err="1"/>
+              <a:t>city_data</a:t>
+            </a:r>
+            <a:r>
+              <a:rPr lang="en-GB" dirty="0"/>
+              <a:t> dataset to '</a:t>
+            </a:r>
+            <a:r>
+              <a:rPr lang="en-GB" dirty="0" err="1"/>
+              <a:t>final_cab_data</a:t>
+            </a:r>
+            <a:r>
+              <a:rPr lang="en-GB" dirty="0"/>
+              <a:t>' dataset as this won't give any useful insights. Merging makes the values of 'population of the city' and 'no: of cab users in the city' repeated each time in the </a:t>
+            </a:r>
+            <a:r>
+              <a:rPr lang="en-GB" dirty="0" err="1"/>
+              <a:t>final_cab_data</a:t>
+            </a:r>
+            <a:r>
+              <a:rPr lang="en-GB" dirty="0"/>
+              <a:t> dataset against the city column</a:t>
+            </a:r>
+          </a:p>
+          <a:p>
+            <a:pPr algn="l">
+              <a:buFont typeface="Arial" panose="020B0604020202020204" pitchFamily="34" charset="0"/>
+              <a:buChar char="•"/>
+            </a:pPr>
+            <a:r>
+              <a:rPr lang="en-GB" dirty="0"/>
+              <a:t>We then perform Exploratory data Analysis in the </a:t>
+            </a:r>
+            <a:r>
+              <a:rPr lang="en-GB" dirty="0" err="1"/>
+              <a:t>final_cab_data</a:t>
+            </a:r>
+            <a:r>
+              <a:rPr lang="en-GB" dirty="0"/>
+              <a:t> dataset.</a:t>
+            </a:r>
+            <a:endParaRPr lang="en-US" dirty="0"/>
+          </a:p>
+        </p:txBody>
+      </p:sp>
+      <p:pic>
+        <p:nvPicPr>
+          <p:cNvPr id="4" name="Picture 3">
+            <a:extLst>
+              <a:ext uri="{FF2B5EF4-FFF2-40B4-BE49-F238E27FC236}">
+                <a16:creationId xmlns:a16="http://schemas.microsoft.com/office/drawing/2014/main" id="{7A465064-0714-5743-882B-8875105A7023}"/>
+              </a:ext>
+            </a:extLst>
+          </p:cNvPr>
+          <p:cNvPicPr>
+            <a:picLocks noChangeAspect="1"/>
+          </p:cNvPicPr>
+          <p:nvPr/>
+        </p:nvPicPr>
+        <p:blipFill>
+          <a:blip r:embed="rId2" cstate="print">
+            <a:extLst>
+              <a:ext uri="{28A0092B-C50C-407E-A947-70E740481C1C}">
+                <a14:useLocalDpi xmlns:a14="http://schemas.microsoft.com/office/drawing/2010/main" val="0"/>
+              </a:ext>
+            </a:extLst>
+          </a:blip>
+          <a:stretch>
+            <a:fillRect/>
+          </a:stretch>
+        </p:blipFill>
+        <p:spPr>
+          <a:xfrm>
+            <a:off x="0" y="5863771"/>
+            <a:ext cx="1654627" cy="994232"/>
+          </a:xfrm>
+          <a:prstGeom prst="rect">
+            <a:avLst/>
+          </a:prstGeom>
+        </p:spPr>
+      </p:pic>
+    </p:spTree>
+    <p:extLst>
+      <p:ext uri="{BB962C8B-B14F-4D97-AF65-F5344CB8AC3E}">
+        <p14:creationId xmlns:p14="http://schemas.microsoft.com/office/powerpoint/2010/main" val="2209780632"/>
       </p:ext>
     </p:extLst>
   </p:cSld>
@@ -3944,10 +7268,233 @@
       </p:grpSpPr>
       <p:sp>
         <p:nvSpPr>
+          <p:cNvPr id="3" name="Subtitle 2">
+            <a:extLst>
+              <a:ext uri="{FF2B5EF4-FFF2-40B4-BE49-F238E27FC236}">
+                <a16:creationId xmlns:a16="http://schemas.microsoft.com/office/drawing/2014/main" id="{07D09F2E-AC84-F2F9-17FA-74BD3FCAA546}"/>
+              </a:ext>
+            </a:extLst>
+          </p:cNvPr>
+          <p:cNvSpPr>
+            <a:spLocks noGrp="1"/>
+          </p:cNvSpPr>
+          <p:nvPr>
+            <p:ph type="subTitle" idx="1"/>
+          </p:nvPr>
+        </p:nvSpPr>
+        <p:spPr>
+          <a:xfrm>
+            <a:off x="-1" y="1171074"/>
+            <a:ext cx="12191999" cy="5686926"/>
+          </a:xfrm>
+        </p:spPr>
+        <p:txBody>
+          <a:bodyPr/>
+          <a:lstStyle/>
+          <a:p>
+            <a:pPr algn="l"/>
+            <a:endParaRPr lang="en-GB" dirty="0"/>
+          </a:p>
+          <a:p>
+            <a:pPr marL="342900" indent="-342900" algn="l">
+              <a:buFont typeface="Arial" panose="020B0604020202020204" pitchFamily="34" charset="0"/>
+              <a:buChar char="•"/>
+            </a:pPr>
+            <a:endParaRPr lang="en-GB" dirty="0"/>
+          </a:p>
+        </p:txBody>
+      </p:sp>
+      <p:sp>
+        <p:nvSpPr>
+          <p:cNvPr id="4" name="Title 1">
+            <a:extLst>
+              <a:ext uri="{FF2B5EF4-FFF2-40B4-BE49-F238E27FC236}">
+                <a16:creationId xmlns:a16="http://schemas.microsoft.com/office/drawing/2014/main" id="{E840BB47-7261-CD2A-B976-F02A5C6B6141}"/>
+              </a:ext>
+            </a:extLst>
+          </p:cNvPr>
+          <p:cNvSpPr>
+            <a:spLocks noGrp="1"/>
+          </p:cNvSpPr>
+          <p:nvPr>
+            <p:ph type="ctrTitle"/>
+          </p:nvPr>
+        </p:nvSpPr>
+        <p:spPr>
+          <a:xfrm>
+            <a:off x="0" y="0"/>
+            <a:ext cx="12192000" cy="1171074"/>
+          </a:xfrm>
+          <a:solidFill>
+            <a:schemeClr val="tx1">
+              <a:lumMod val="75000"/>
+              <a:lumOff val="25000"/>
+            </a:schemeClr>
+          </a:solidFill>
+        </p:spPr>
+        <p:txBody>
+          <a:bodyPr>
+            <a:normAutofit/>
+          </a:bodyPr>
+          <a:lstStyle/>
+          <a:p>
+            <a:pPr algn="l"/>
+            <a:r>
+              <a:rPr lang="en-GB" sz="4000" dirty="0">
+                <a:solidFill>
+                  <a:srgbClr val="FFFFFF"/>
+                </a:solidFill>
+              </a:rPr>
+              <a:t>  </a:t>
+            </a:r>
+            <a:r>
+              <a:rPr lang="en-GB" sz="4800" dirty="0">
+                <a:solidFill>
+                  <a:schemeClr val="accent5"/>
+                </a:solidFill>
+              </a:rPr>
+              <a:t>Exploratory Data Analysis</a:t>
+            </a:r>
+          </a:p>
+        </p:txBody>
+      </p:sp>
+      <p:sp>
+        <p:nvSpPr>
+          <p:cNvPr id="2" name="TextBox 1">
+            <a:extLst>
+              <a:ext uri="{FF2B5EF4-FFF2-40B4-BE49-F238E27FC236}">
+                <a16:creationId xmlns:a16="http://schemas.microsoft.com/office/drawing/2014/main" id="{BC6B02C7-AB20-3521-DFB1-D8DD5AF4F0F9}"/>
+              </a:ext>
+            </a:extLst>
+          </p:cNvPr>
+          <p:cNvSpPr txBox="1"/>
+          <p:nvPr/>
+        </p:nvSpPr>
+        <p:spPr>
+          <a:xfrm>
+            <a:off x="112295" y="1491916"/>
+            <a:ext cx="12079703" cy="2585323"/>
+          </a:xfrm>
+          <a:prstGeom prst="rect">
+            <a:avLst/>
+          </a:prstGeom>
+          <a:noFill/>
+        </p:spPr>
+        <p:txBody>
+          <a:bodyPr wrap="square" rtlCol="0">
+            <a:spAutoFit/>
+          </a:bodyPr>
+          <a:lstStyle/>
+          <a:p>
+            <a:pPr marL="342900" indent="-342900">
+              <a:buFont typeface="Arial" panose="020B0604020202020204" pitchFamily="34" charset="0"/>
+              <a:buChar char="•"/>
+            </a:pPr>
+            <a:r>
+              <a:rPr lang="en-GB" sz="2400" dirty="0"/>
+              <a:t>Data analysis covers the period from 31/01/2016 to 31/12/2018, using multiple datasets, including </a:t>
+            </a:r>
+            <a:r>
+              <a:rPr lang="en-GB" sz="2400" dirty="0" err="1"/>
+              <a:t>Cab_Data</a:t>
+            </a:r>
+            <a:r>
+              <a:rPr lang="en-GB" sz="2400" dirty="0"/>
+              <a:t>, </a:t>
+            </a:r>
+            <a:r>
+              <a:rPr lang="en-GB" sz="2400" dirty="0" err="1"/>
+              <a:t>Customer_ID</a:t>
+            </a:r>
+            <a:r>
+              <a:rPr lang="en-GB" sz="2400" dirty="0"/>
+              <a:t>, </a:t>
+            </a:r>
+            <a:r>
+              <a:rPr lang="en-GB" sz="2400" dirty="0" err="1"/>
+              <a:t>Transaction_ID</a:t>
+            </a:r>
+            <a:r>
+              <a:rPr lang="en-GB" sz="2400" dirty="0"/>
+              <a:t>, and City that contains information on 2 cab companies- Yellow Cab and Pink Cab</a:t>
+            </a:r>
+          </a:p>
+          <a:p>
+            <a:pPr marL="342900" indent="-342900">
+              <a:buFont typeface="Arial" panose="020B0604020202020204" pitchFamily="34" charset="0"/>
+              <a:buChar char="•"/>
+            </a:pPr>
+            <a:r>
+              <a:rPr lang="en-GB" sz="2400" dirty="0" err="1"/>
+              <a:t>Final_Cab_Data</a:t>
+            </a:r>
+            <a:r>
+              <a:rPr lang="en-GB" sz="2400" dirty="0"/>
+              <a:t> dataset is formed by merging these datasets</a:t>
+            </a:r>
+          </a:p>
+          <a:p>
+            <a:pPr marL="342900" indent="-342900">
+              <a:buFont typeface="Arial" panose="020B0604020202020204" pitchFamily="34" charset="0"/>
+              <a:buChar char="•"/>
+            </a:pPr>
+            <a:r>
+              <a:rPr lang="en-GB" sz="2400" dirty="0"/>
+              <a:t>Total Data points: 359392</a:t>
+            </a:r>
+          </a:p>
+          <a:p>
+            <a:endParaRPr lang="en-GB" sz="2400" dirty="0"/>
+          </a:p>
+          <a:p>
+            <a:endParaRPr lang="en-GB" dirty="0"/>
+          </a:p>
+        </p:txBody>
+      </p:sp>
+    </p:spTree>
+    <p:extLst>
+      <p:ext uri="{BB962C8B-B14F-4D97-AF65-F5344CB8AC3E}">
+        <p14:creationId xmlns:p14="http://schemas.microsoft.com/office/powerpoint/2010/main" val="3732162510"/>
+      </p:ext>
+    </p:extLst>
+  </p:cSld>
+  <p:clrMapOvr>
+    <a:masterClrMapping/>
+  </p:clrMapOvr>
+</p:sld>
+</file>
+
+<file path=ppt/slides/slide7.xml><?xml version="1.0" encoding="utf-8"?>
+<p:sld xmlns:a="http://schemas.openxmlformats.org/drawingml/2006/main" xmlns:r="http://schemas.openxmlformats.org/officeDocument/2006/relationships" xmlns:p="http://schemas.openxmlformats.org/presentationml/2006/main">
+  <p:cSld>
+    <p:bg>
+      <p:bgPr>
+        <a:solidFill>
+          <a:schemeClr val="bg1"/>
+        </a:solidFill>
+        <a:effectLst/>
+      </p:bgPr>
+    </p:bg>
+    <p:spTree>
+      <p:nvGrpSpPr>
+        <p:cNvPr id="1" name=""/>
+        <p:cNvGrpSpPr/>
+        <p:nvPr/>
+      </p:nvGrpSpPr>
+      <p:grpSpPr>
+        <a:xfrm>
+          <a:off x="0" y="0"/>
+          <a:ext cx="0" cy="0"/>
+          <a:chOff x="0" y="0"/>
+          <a:chExt cx="0" cy="0"/>
+        </a:xfrm>
+      </p:grpSpPr>
+      <p:sp>
+        <p:nvSpPr>
           <p:cNvPr id="2" name="Title 1">
             <a:extLst>
               <a:ext uri="{FF2B5EF4-FFF2-40B4-BE49-F238E27FC236}">
-                <a16:creationId xmlns:a16="http://schemas.microsoft.com/office/drawing/2014/main" id="{E8B8F26E-9345-4747-9094-972E38700A17}"/>
+                <a16:creationId xmlns:a16="http://schemas.microsoft.com/office/drawing/2014/main" id="{5297B551-8FFF-A9BD-185D-B09EA4308D56}"/>
               </a:ext>
             </a:extLst>
           </p:cNvPr>
@@ -3955,36 +7502,44 @@
             <a:spLocks noGrp="1"/>
           </p:cNvSpPr>
           <p:nvPr>
-            <p:ph type="ctrTitle"/>
-          </p:nvPr>
-        </p:nvSpPr>
-        <p:spPr>
-          <a:xfrm rot="5400000">
-            <a:off x="-562431" y="562430"/>
-            <a:ext cx="6858002" cy="5733142"/>
+            <p:ph type="title"/>
+          </p:nvPr>
+        </p:nvSpPr>
+        <p:spPr>
+          <a:xfrm>
+            <a:off x="0" y="0"/>
+            <a:ext cx="12191999" cy="855406"/>
           </a:xfrm>
           <a:solidFill>
-            <a:srgbClr val="3B3B3B"/>
+            <a:schemeClr val="tx1">
+              <a:lumMod val="75000"/>
+              <a:lumOff val="25000"/>
+            </a:schemeClr>
           </a:solidFill>
         </p:spPr>
         <p:txBody>
-          <a:bodyPr vert="vert270" anchor="t" anchorCtr="0"/>
-          <a:lstStyle/>
-          <a:p>
-            <a:endParaRPr lang="en-US" b="1" dirty="0">
-              <a:solidFill>
-                <a:srgbClr val="FF6600"/>
-              </a:solidFill>
-            </a:endParaRPr>
-          </a:p>
-        </p:txBody>
-      </p:sp>
-      <p:sp>
-        <p:nvSpPr>
-          <p:cNvPr id="6" name="Subtitle 5">
+          <a:bodyPr>
+            <a:normAutofit/>
+          </a:bodyPr>
+          <a:lstStyle/>
+          <a:p>
+            <a:r>
+              <a:rPr lang="en-GB" sz="4000" dirty="0">
+                <a:solidFill>
+                  <a:schemeClr val="accent5"/>
+                </a:solidFill>
+              </a:rPr>
+              <a:t>Number of Rides for each Cab Company</a:t>
+            </a:r>
+          </a:p>
+        </p:txBody>
+      </p:sp>
+      <p:sp>
+        <p:nvSpPr>
+          <p:cNvPr id="8" name="Content Placeholder 7">
             <a:extLst>
               <a:ext uri="{FF2B5EF4-FFF2-40B4-BE49-F238E27FC236}">
-                <a16:creationId xmlns:a16="http://schemas.microsoft.com/office/drawing/2014/main" id="{2D4BA697-580E-5544-8F2F-194AD99B859F}"/>
+                <a16:creationId xmlns:a16="http://schemas.microsoft.com/office/drawing/2014/main" id="{AAE7C4B2-013E-D0D6-3388-0CEBC33CD6BB}"/>
               </a:ext>
             </a:extLst>
           </p:cNvPr>
@@ -3992,45 +7547,77 @@
             <a:spLocks noGrp="1"/>
           </p:cNvSpPr>
           <p:nvPr>
-            <p:ph type="subTitle" idx="1"/>
+            <p:ph idx="1"/>
           </p:nvPr>
         </p:nvSpPr>
         <p:spPr>
           <a:xfrm>
-            <a:off x="5152570" y="2481943"/>
-            <a:ext cx="5558973" cy="1655762"/>
-          </a:xfrm>
-        </p:spPr>
-        <p:txBody>
-          <a:bodyPr>
-            <a:normAutofit/>
-          </a:bodyPr>
-          <a:lstStyle/>
-          <a:p>
-            <a:r>
-              <a:rPr lang="en-US" sz="6600" dirty="0">
-                <a:solidFill>
-                  <a:srgbClr val="FF6600"/>
-                </a:solidFill>
-              </a:rPr>
-              <a:t>Thank You</a:t>
-            </a:r>
-          </a:p>
-          <a:p>
-            <a:endParaRPr lang="en-US" sz="6600" dirty="0">
-              <a:solidFill>
-                <a:srgbClr val="FF6600"/>
-              </a:solidFill>
-            </a:endParaRPr>
+            <a:off x="0" y="1825624"/>
+            <a:ext cx="12192000" cy="5032375"/>
+          </a:xfrm>
+        </p:spPr>
+        <p:txBody>
+          <a:bodyPr/>
+          <a:lstStyle/>
+          <a:p>
+            <a:pPr marL="0" indent="0">
+              <a:buNone/>
+            </a:pPr>
+            <a:endParaRPr lang="en-GB" dirty="0"/>
+          </a:p>
+          <a:p>
+            <a:pPr marL="0" indent="0">
+              <a:buNone/>
+            </a:pPr>
+            <a:endParaRPr lang="en-GB" dirty="0"/>
+          </a:p>
+          <a:p>
+            <a:pPr marL="0" indent="0">
+              <a:buNone/>
+            </a:pPr>
+            <a:endParaRPr lang="en-GB" dirty="0"/>
+          </a:p>
+          <a:p>
+            <a:pPr marL="0" indent="0">
+              <a:buNone/>
+            </a:pPr>
+            <a:endParaRPr lang="en-GB" dirty="0"/>
+          </a:p>
+          <a:p>
+            <a:pPr marL="0" indent="0">
+              <a:buNone/>
+            </a:pPr>
+            <a:endParaRPr lang="en-GB" dirty="0"/>
+          </a:p>
+          <a:p>
+            <a:pPr marL="0" indent="0">
+              <a:buNone/>
+            </a:pPr>
+            <a:r>
+              <a:rPr lang="en-GB" b="1" dirty="0"/>
+              <a:t>Insights:</a:t>
+            </a:r>
+          </a:p>
+          <a:p>
+            <a:r>
+              <a:rPr lang="en-GB" sz="2400" dirty="0"/>
+              <a:t>‘Yellow Cab’ has maximum number of rides compared to pink cab. That means ‘Yellow Cab’ has maximum cab users and most of the cab users prefer to choose services offered by 'Yellow Cab'.</a:t>
+            </a:r>
+          </a:p>
+          <a:p>
+            <a:r>
+              <a:rPr lang="en-GB" sz="2400" dirty="0"/>
+              <a:t>Yellow cab has the highest number of rides in the year 2017.</a:t>
+            </a:r>
           </a:p>
         </p:txBody>
       </p:sp>
       <p:pic>
         <p:nvPicPr>
-          <p:cNvPr id="4" name="Picture 3">
+          <p:cNvPr id="10" name="Picture 9">
             <a:extLst>
               <a:ext uri="{FF2B5EF4-FFF2-40B4-BE49-F238E27FC236}">
-                <a16:creationId xmlns:a16="http://schemas.microsoft.com/office/drawing/2014/main" id="{7A465064-0714-5743-882B-8875105A7023}"/>
+                <a16:creationId xmlns:a16="http://schemas.microsoft.com/office/drawing/2014/main" id="{6CB18174-D108-6B75-3654-4EA0E77937CE}"/>
               </a:ext>
             </a:extLst>
           </p:cNvPr>
@@ -4040,21 +7627,45 @@
           <p:nvPr/>
         </p:nvPicPr>
         <p:blipFill>
-          <a:blip r:embed="rId2" cstate="print">
-            <a:extLst>
-              <a:ext uri="{28A0092B-C50C-407E-A947-70E740481C1C}">
-                <a14:useLocalDpi xmlns:a14="http://schemas.microsoft.com/office/drawing/2010/main" val="0"/>
-              </a:ext>
-            </a:extLst>
-          </a:blip>
+          <a:blip r:embed="rId2"/>
           <a:stretch>
             <a:fillRect/>
           </a:stretch>
         </p:blipFill>
         <p:spPr>
           <a:xfrm>
-            <a:off x="0" y="5863771"/>
-            <a:ext cx="1654627" cy="994232"/>
+            <a:off x="137947" y="927782"/>
+            <a:ext cx="4552040" cy="3414029"/>
+          </a:xfrm>
+          <a:prstGeom prst="rect">
+            <a:avLst/>
+          </a:prstGeom>
+        </p:spPr>
+      </p:pic>
+      <p:pic>
+        <p:nvPicPr>
+          <p:cNvPr id="12" name="Picture 11">
+            <a:extLst>
+              <a:ext uri="{FF2B5EF4-FFF2-40B4-BE49-F238E27FC236}">
+                <a16:creationId xmlns:a16="http://schemas.microsoft.com/office/drawing/2014/main" id="{B917DF74-B05B-8B99-07F8-5350CD5C1015}"/>
+              </a:ext>
+            </a:extLst>
+          </p:cNvPr>
+          <p:cNvPicPr>
+            <a:picLocks noChangeAspect="1"/>
+          </p:cNvPicPr>
+          <p:nvPr/>
+        </p:nvPicPr>
+        <p:blipFill>
+          <a:blip r:embed="rId3"/>
+          <a:stretch>
+            <a:fillRect/>
+          </a:stretch>
+        </p:blipFill>
+        <p:spPr>
+          <a:xfrm>
+            <a:off x="5668970" y="1008672"/>
+            <a:ext cx="6385083" cy="3406434"/>
           </a:xfrm>
           <a:prstGeom prst="rect">
             <a:avLst/>
@@ -4064,7 +7675,505 @@
     </p:spTree>
     <p:extLst>
       <p:ext uri="{BB962C8B-B14F-4D97-AF65-F5344CB8AC3E}">
-        <p14:creationId xmlns:p14="http://schemas.microsoft.com/office/powerpoint/2010/main" val="116821060"/>
+        <p14:creationId xmlns:p14="http://schemas.microsoft.com/office/powerpoint/2010/main" val="4204140153"/>
+      </p:ext>
+    </p:extLst>
+  </p:cSld>
+  <p:clrMapOvr>
+    <a:masterClrMapping/>
+  </p:clrMapOvr>
+</p:sld>
+</file>
+
+<file path=ppt/slides/slide8.xml><?xml version="1.0" encoding="utf-8"?>
+<p:sld xmlns:a="http://schemas.openxmlformats.org/drawingml/2006/main" xmlns:r="http://schemas.openxmlformats.org/officeDocument/2006/relationships" xmlns:p="http://schemas.openxmlformats.org/presentationml/2006/main">
+  <p:cSld>
+    <p:bg>
+      <p:bgPr>
+        <a:solidFill>
+          <a:schemeClr val="bg1"/>
+        </a:solidFill>
+        <a:effectLst/>
+      </p:bgPr>
+    </p:bg>
+    <p:spTree>
+      <p:nvGrpSpPr>
+        <p:cNvPr id="1" name=""/>
+        <p:cNvGrpSpPr/>
+        <p:nvPr/>
+      </p:nvGrpSpPr>
+      <p:grpSpPr>
+        <a:xfrm>
+          <a:off x="0" y="0"/>
+          <a:ext cx="0" cy="0"/>
+          <a:chOff x="0" y="0"/>
+          <a:chExt cx="0" cy="0"/>
+        </a:xfrm>
+      </p:grpSpPr>
+      <p:sp>
+        <p:nvSpPr>
+          <p:cNvPr id="2" name="Title 1">
+            <a:extLst>
+              <a:ext uri="{FF2B5EF4-FFF2-40B4-BE49-F238E27FC236}">
+                <a16:creationId xmlns:a16="http://schemas.microsoft.com/office/drawing/2014/main" id="{5297B551-8FFF-A9BD-185D-B09EA4308D56}"/>
+              </a:ext>
+            </a:extLst>
+          </p:cNvPr>
+          <p:cNvSpPr>
+            <a:spLocks noGrp="1"/>
+          </p:cNvSpPr>
+          <p:nvPr>
+            <p:ph type="title"/>
+          </p:nvPr>
+        </p:nvSpPr>
+        <p:spPr>
+          <a:xfrm>
+            <a:off x="0" y="0"/>
+            <a:ext cx="12191999" cy="1071716"/>
+          </a:xfrm>
+          <a:solidFill>
+            <a:schemeClr val="tx1">
+              <a:lumMod val="75000"/>
+              <a:lumOff val="25000"/>
+            </a:schemeClr>
+          </a:solidFill>
+        </p:spPr>
+        <p:txBody>
+          <a:bodyPr>
+            <a:normAutofit/>
+          </a:bodyPr>
+          <a:lstStyle/>
+          <a:p>
+            <a:r>
+              <a:rPr lang="en-GB" sz="4000" dirty="0">
+                <a:solidFill>
+                  <a:schemeClr val="accent5"/>
+                </a:solidFill>
+              </a:rPr>
+              <a:t>Number of Rides for each Cab Company City Wise</a:t>
+            </a:r>
+            <a:endParaRPr lang="en-GB" sz="4000" dirty="0">
+              <a:solidFill>
+                <a:srgbClr val="FFFFFF"/>
+              </a:solidFill>
+            </a:endParaRPr>
+          </a:p>
+        </p:txBody>
+      </p:sp>
+      <p:pic>
+        <p:nvPicPr>
+          <p:cNvPr id="4" name="Content Placeholder 3" descr="A graph of a number of rides&#10;&#10;Description automatically generated">
+            <a:extLst>
+              <a:ext uri="{FF2B5EF4-FFF2-40B4-BE49-F238E27FC236}">
+                <a16:creationId xmlns:a16="http://schemas.microsoft.com/office/drawing/2014/main" id="{36B531E5-E2E1-1632-2D0E-B8D8940AC647}"/>
+              </a:ext>
+            </a:extLst>
+          </p:cNvPr>
+          <p:cNvPicPr>
+            <a:picLocks noGrp="1" noChangeAspect="1"/>
+          </p:cNvPicPr>
+          <p:nvPr>
+            <p:ph idx="1"/>
+          </p:nvPr>
+        </p:nvPicPr>
+        <p:blipFill>
+          <a:blip r:embed="rId2"/>
+          <a:stretch>
+            <a:fillRect/>
+          </a:stretch>
+        </p:blipFill>
+        <p:spPr>
+          <a:xfrm>
+            <a:off x="0" y="1071716"/>
+            <a:ext cx="7280829" cy="5560074"/>
+          </a:xfrm>
+        </p:spPr>
+      </p:pic>
+      <p:sp>
+        <p:nvSpPr>
+          <p:cNvPr id="5" name="TextBox 4">
+            <a:extLst>
+              <a:ext uri="{FF2B5EF4-FFF2-40B4-BE49-F238E27FC236}">
+                <a16:creationId xmlns:a16="http://schemas.microsoft.com/office/drawing/2014/main" id="{BD85EADB-78EB-1CFA-4D3F-1A62C0AD6B22}"/>
+              </a:ext>
+            </a:extLst>
+          </p:cNvPr>
+          <p:cNvSpPr txBox="1"/>
+          <p:nvPr/>
+        </p:nvSpPr>
+        <p:spPr>
+          <a:xfrm>
+            <a:off x="7364361" y="1317523"/>
+            <a:ext cx="4827638" cy="4724370"/>
+          </a:xfrm>
+          <a:prstGeom prst="rect">
+            <a:avLst/>
+          </a:prstGeom>
+          <a:noFill/>
+          <a:ln>
+            <a:noFill/>
+          </a:ln>
+        </p:spPr>
+        <p:txBody>
+          <a:bodyPr wrap="square" rtlCol="0">
+            <a:spAutoFit/>
+          </a:bodyPr>
+          <a:lstStyle/>
+          <a:p>
+            <a:r>
+              <a:rPr lang="en-GB" sz="2800" b="1" i="0" dirty="0">
+                <a:solidFill>
+                  <a:srgbClr val="212121"/>
+                </a:solidFill>
+                <a:effectLst/>
+                <a:latin typeface="Roboto" panose="02000000000000000000" pitchFamily="2" charset="0"/>
+              </a:rPr>
+              <a:t>Outliers:</a:t>
+            </a:r>
+          </a:p>
+          <a:p>
+            <a:endParaRPr lang="en-GB" sz="1050" b="1" i="0" dirty="0">
+              <a:solidFill>
+                <a:srgbClr val="212121"/>
+              </a:solidFill>
+              <a:effectLst/>
+              <a:latin typeface="Roboto" panose="02000000000000000000" pitchFamily="2" charset="0"/>
+            </a:endParaRPr>
+          </a:p>
+          <a:p>
+            <a:pPr algn="l"/>
+            <a:r>
+              <a:rPr lang="en-GB" b="0" i="0" dirty="0">
+                <a:solidFill>
+                  <a:srgbClr val="212121"/>
+                </a:solidFill>
+                <a:effectLst/>
+                <a:latin typeface="Roboto" panose="02000000000000000000" pitchFamily="2" charset="0"/>
+              </a:rPr>
+              <a:t>Pink cab has got more number of rides when compared to yellow cabs in cities like</a:t>
+            </a:r>
+          </a:p>
+          <a:p>
+            <a:pPr algn="l">
+              <a:buFont typeface="Arial" panose="020B0604020202020204" pitchFamily="34" charset="0"/>
+              <a:buChar char="•"/>
+            </a:pPr>
+            <a:r>
+              <a:rPr lang="en-GB" b="0" i="0" dirty="0">
+                <a:solidFill>
+                  <a:srgbClr val="212121"/>
+                </a:solidFill>
+                <a:effectLst/>
+                <a:latin typeface="Roboto" panose="02000000000000000000" pitchFamily="2" charset="0"/>
+              </a:rPr>
+              <a:t>Nashville TN(Pink cab:1841, Yellow cab:1169)</a:t>
+            </a:r>
+          </a:p>
+          <a:p>
+            <a:pPr algn="l">
+              <a:buFont typeface="Arial" panose="020B0604020202020204" pitchFamily="34" charset="0"/>
+              <a:buChar char="•"/>
+            </a:pPr>
+            <a:r>
+              <a:rPr lang="en-GB" b="0" i="0" dirty="0">
+                <a:solidFill>
+                  <a:srgbClr val="212121"/>
+                </a:solidFill>
+                <a:effectLst/>
+                <a:latin typeface="Roboto" panose="02000000000000000000" pitchFamily="2" charset="0"/>
+              </a:rPr>
+              <a:t>Pittsburgh PA(Pink cab:682, Yellow cab: 631)</a:t>
+            </a:r>
+          </a:p>
+          <a:p>
+            <a:pPr algn="l">
+              <a:buFont typeface="Arial" panose="020B0604020202020204" pitchFamily="34" charset="0"/>
+              <a:buChar char="•"/>
+            </a:pPr>
+            <a:r>
+              <a:rPr lang="en-GB" b="0" i="0" dirty="0">
+                <a:solidFill>
+                  <a:srgbClr val="212121"/>
+                </a:solidFill>
+                <a:effectLst/>
+                <a:latin typeface="Roboto" panose="02000000000000000000" pitchFamily="2" charset="0"/>
+              </a:rPr>
+              <a:t>Sacramento CA(Pink cab:1134, Yellow cab:1033)</a:t>
+            </a:r>
+          </a:p>
+          <a:p>
+            <a:pPr algn="l">
+              <a:buFont typeface="Arial" panose="020B0604020202020204" pitchFamily="34" charset="0"/>
+              <a:buChar char="•"/>
+            </a:pPr>
+            <a:r>
+              <a:rPr lang="en-GB" b="0" i="0" dirty="0">
+                <a:solidFill>
+                  <a:srgbClr val="212121"/>
+                </a:solidFill>
+                <a:effectLst/>
+                <a:latin typeface="Roboto" panose="02000000000000000000" pitchFamily="2" charset="0"/>
+              </a:rPr>
+              <a:t>San Deigo CA(Pink cab:10672, Yellow cab:9816)</a:t>
+            </a:r>
+          </a:p>
+          <a:p>
+            <a:pPr algn="l"/>
+            <a:r>
+              <a:rPr lang="en-GB" b="0" i="0" dirty="0">
+                <a:solidFill>
+                  <a:srgbClr val="212121"/>
+                </a:solidFill>
+                <a:effectLst/>
+                <a:latin typeface="Roboto" panose="02000000000000000000" pitchFamily="2" charset="0"/>
+              </a:rPr>
+              <a:t>These exceptions we can ignore when compared to the yellow cab rides in other major cities.</a:t>
+            </a:r>
+          </a:p>
+          <a:p>
+            <a:endParaRPr lang="en-GB" dirty="0"/>
+          </a:p>
+        </p:txBody>
+      </p:sp>
+    </p:spTree>
+    <p:extLst>
+      <p:ext uri="{BB962C8B-B14F-4D97-AF65-F5344CB8AC3E}">
+        <p14:creationId xmlns:p14="http://schemas.microsoft.com/office/powerpoint/2010/main" val="2943574500"/>
+      </p:ext>
+    </p:extLst>
+  </p:cSld>
+  <p:clrMapOvr>
+    <a:masterClrMapping/>
+  </p:clrMapOvr>
+</p:sld>
+</file>
+
+<file path=ppt/slides/slide9.xml><?xml version="1.0" encoding="utf-8"?>
+<p:sld xmlns:a="http://schemas.openxmlformats.org/drawingml/2006/main" xmlns:r="http://schemas.openxmlformats.org/officeDocument/2006/relationships" xmlns:p="http://schemas.openxmlformats.org/presentationml/2006/main">
+  <p:cSld>
+    <p:spTree>
+      <p:nvGrpSpPr>
+        <p:cNvPr id="1" name=""/>
+        <p:cNvGrpSpPr/>
+        <p:nvPr/>
+      </p:nvGrpSpPr>
+      <p:grpSpPr>
+        <a:xfrm>
+          <a:off x="0" y="0"/>
+          <a:ext cx="0" cy="0"/>
+          <a:chOff x="0" y="0"/>
+          <a:chExt cx="0" cy="0"/>
+        </a:xfrm>
+      </p:grpSpPr>
+      <p:sp>
+        <p:nvSpPr>
+          <p:cNvPr id="3" name="Subtitle 2">
+            <a:extLst>
+              <a:ext uri="{FF2B5EF4-FFF2-40B4-BE49-F238E27FC236}">
+                <a16:creationId xmlns:a16="http://schemas.microsoft.com/office/drawing/2014/main" id="{07D09F2E-AC84-F2F9-17FA-74BD3FCAA546}"/>
+              </a:ext>
+            </a:extLst>
+          </p:cNvPr>
+          <p:cNvSpPr>
+            <a:spLocks noGrp="1"/>
+          </p:cNvSpPr>
+          <p:nvPr>
+            <p:ph type="subTitle" idx="1"/>
+          </p:nvPr>
+        </p:nvSpPr>
+        <p:spPr>
+          <a:xfrm>
+            <a:off x="-1" y="963561"/>
+            <a:ext cx="12191999" cy="5894439"/>
+          </a:xfrm>
+        </p:spPr>
+        <p:txBody>
+          <a:bodyPr/>
+          <a:lstStyle/>
+          <a:p>
+            <a:pPr algn="l"/>
+            <a:endParaRPr lang="en-GB" dirty="0"/>
+          </a:p>
+        </p:txBody>
+      </p:sp>
+      <p:sp>
+        <p:nvSpPr>
+          <p:cNvPr id="4" name="Title 1">
+            <a:extLst>
+              <a:ext uri="{FF2B5EF4-FFF2-40B4-BE49-F238E27FC236}">
+                <a16:creationId xmlns:a16="http://schemas.microsoft.com/office/drawing/2014/main" id="{E840BB47-7261-CD2A-B976-F02A5C6B6141}"/>
+              </a:ext>
+            </a:extLst>
+          </p:cNvPr>
+          <p:cNvSpPr>
+            <a:spLocks noGrp="1"/>
+          </p:cNvSpPr>
+          <p:nvPr>
+            <p:ph type="ctrTitle"/>
+          </p:nvPr>
+        </p:nvSpPr>
+        <p:spPr>
+          <a:xfrm>
+            <a:off x="0" y="-29496"/>
+            <a:ext cx="12192000" cy="993057"/>
+          </a:xfrm>
+          <a:solidFill>
+            <a:schemeClr val="tx1">
+              <a:lumMod val="75000"/>
+              <a:lumOff val="25000"/>
+            </a:schemeClr>
+          </a:solidFill>
+        </p:spPr>
+        <p:txBody>
+          <a:bodyPr>
+            <a:normAutofit/>
+          </a:bodyPr>
+          <a:lstStyle/>
+          <a:p>
+            <a:pPr algn="l"/>
+            <a:r>
+              <a:rPr lang="en-GB" sz="4000" dirty="0">
+                <a:solidFill>
+                  <a:srgbClr val="FFFFFF"/>
+                </a:solidFill>
+              </a:rPr>
+              <a:t>  </a:t>
+            </a:r>
+            <a:r>
+              <a:rPr lang="en-GB" sz="4000" dirty="0">
+                <a:solidFill>
+                  <a:schemeClr val="accent5"/>
+                </a:solidFill>
+              </a:rPr>
+              <a:t>Total Revenue for each Cab Company</a:t>
+            </a:r>
+            <a:endParaRPr lang="en-GB" sz="4800" dirty="0">
+              <a:solidFill>
+                <a:schemeClr val="accent5"/>
+              </a:solidFill>
+            </a:endParaRPr>
+          </a:p>
+        </p:txBody>
+      </p:sp>
+      <p:pic>
+        <p:nvPicPr>
+          <p:cNvPr id="5" name="Picture 4" descr="A chart with a number and a number in a yellow box&#10;&#10;Description automatically generated with medium confidence">
+            <a:extLst>
+              <a:ext uri="{FF2B5EF4-FFF2-40B4-BE49-F238E27FC236}">
+                <a16:creationId xmlns:a16="http://schemas.microsoft.com/office/drawing/2014/main" id="{BB68543E-2A07-7484-0DF6-BBBCA834CA65}"/>
+              </a:ext>
+            </a:extLst>
+          </p:cNvPr>
+          <p:cNvPicPr>
+            <a:picLocks noChangeAspect="1"/>
+          </p:cNvPicPr>
+          <p:nvPr/>
+        </p:nvPicPr>
+        <p:blipFill>
+          <a:blip r:embed="rId2"/>
+          <a:stretch>
+            <a:fillRect/>
+          </a:stretch>
+        </p:blipFill>
+        <p:spPr>
+          <a:xfrm>
+            <a:off x="0" y="963561"/>
+            <a:ext cx="5334462" cy="4160881"/>
+          </a:xfrm>
+          <a:prstGeom prst="rect">
+            <a:avLst/>
+          </a:prstGeom>
+        </p:spPr>
+      </p:pic>
+      <p:pic>
+        <p:nvPicPr>
+          <p:cNvPr id="7" name="Picture 6">
+            <a:extLst>
+              <a:ext uri="{FF2B5EF4-FFF2-40B4-BE49-F238E27FC236}">
+                <a16:creationId xmlns:a16="http://schemas.microsoft.com/office/drawing/2014/main" id="{5D7F1A81-A36C-EFA1-DBA4-87EE1DEA1504}"/>
+              </a:ext>
+            </a:extLst>
+          </p:cNvPr>
+          <p:cNvPicPr>
+            <a:picLocks noChangeAspect="1"/>
+          </p:cNvPicPr>
+          <p:nvPr/>
+        </p:nvPicPr>
+        <p:blipFill>
+          <a:blip r:embed="rId3"/>
+          <a:stretch>
+            <a:fillRect/>
+          </a:stretch>
+        </p:blipFill>
+        <p:spPr>
+          <a:xfrm>
+            <a:off x="5273457" y="1180787"/>
+            <a:ext cx="6863406" cy="3746091"/>
+          </a:xfrm>
+          <a:prstGeom prst="rect">
+            <a:avLst/>
+          </a:prstGeom>
+        </p:spPr>
+      </p:pic>
+      <p:sp>
+        <p:nvSpPr>
+          <p:cNvPr id="8" name="TextBox 7">
+            <a:extLst>
+              <a:ext uri="{FF2B5EF4-FFF2-40B4-BE49-F238E27FC236}">
+                <a16:creationId xmlns:a16="http://schemas.microsoft.com/office/drawing/2014/main" id="{0928D065-7E4C-23FE-C432-41AFB7338331}"/>
+              </a:ext>
+            </a:extLst>
+          </p:cNvPr>
+          <p:cNvSpPr txBox="1"/>
+          <p:nvPr/>
+        </p:nvSpPr>
+        <p:spPr>
+          <a:xfrm>
+            <a:off x="205011" y="5144104"/>
+            <a:ext cx="10659634" cy="1261884"/>
+          </a:xfrm>
+          <a:prstGeom prst="rect">
+            <a:avLst/>
+          </a:prstGeom>
+          <a:noFill/>
+        </p:spPr>
+        <p:txBody>
+          <a:bodyPr wrap="square" rtlCol="0">
+            <a:spAutoFit/>
+          </a:bodyPr>
+          <a:lstStyle/>
+          <a:p>
+            <a:r>
+              <a:rPr lang="en-GB" sz="2800" dirty="0"/>
+              <a:t>Insights:</a:t>
+            </a:r>
+          </a:p>
+          <a:p>
+            <a:pPr marL="342900" indent="-342900">
+              <a:buFont typeface="Arial" panose="020B0604020202020204" pitchFamily="34" charset="0"/>
+              <a:buChar char="•"/>
+            </a:pPr>
+            <a:r>
+              <a:rPr lang="en-GB" sz="2400" dirty="0"/>
+              <a:t>Yellow Cab has earned more revenue when compared to Pink Cab in each Year.</a:t>
+            </a:r>
+          </a:p>
+          <a:p>
+            <a:pPr marL="342900" indent="-342900">
+              <a:buFont typeface="Arial" panose="020B0604020202020204" pitchFamily="34" charset="0"/>
+              <a:buChar char="•"/>
+            </a:pPr>
+            <a:r>
+              <a:rPr lang="en-GB" sz="2400" dirty="0"/>
+              <a:t>Yellow Cab has earned more revenue in the year 2017.</a:t>
+            </a:r>
+          </a:p>
+        </p:txBody>
+      </p:sp>
+    </p:spTree>
+    <p:extLst>
+      <p:ext uri="{BB962C8B-B14F-4D97-AF65-F5344CB8AC3E}">
+        <p14:creationId xmlns:p14="http://schemas.microsoft.com/office/powerpoint/2010/main" val="1901692113"/>
       </p:ext>
     </p:extLst>
   </p:cSld>

--- a/G2M Case Study.pptx
+++ b/G2M Case Study.pptx
@@ -141,7 +141,7 @@
   <pc:docChgLst>
     <pc:chgData name="Nazri Jasmal" userId="e6a065d2aca82f38" providerId="LiveId" clId="{045C37C3-1970-4C45-95B9-9F160D623BBC}"/>
     <pc:docChg chg="undo custSel addSld delSld modSld sldOrd">
-      <pc:chgData name="Nazri Jasmal" userId="e6a065d2aca82f38" providerId="LiveId" clId="{045C37C3-1970-4C45-95B9-9F160D623BBC}" dt="2023-10-24T18:21:15.242" v="2870" actId="20577"/>
+      <pc:chgData name="Nazri Jasmal" userId="e6a065d2aca82f38" providerId="LiveId" clId="{045C37C3-1970-4C45-95B9-9F160D623BBC}" dt="2023-10-24T18:32:55.430" v="2889" actId="20577"/>
       <pc:docMkLst>
         <pc:docMk/>
       </pc:docMkLst>
@@ -568,7 +568,7 @@
         </pc:spChg>
       </pc:sldChg>
       <pc:sldChg chg="modSp add mod ord">
-        <pc:chgData name="Nazri Jasmal" userId="e6a065d2aca82f38" providerId="LiveId" clId="{045C37C3-1970-4C45-95B9-9F160D623BBC}" dt="2023-10-24T18:21:15.242" v="2870" actId="20577"/>
+        <pc:chgData name="Nazri Jasmal" userId="e6a065d2aca82f38" providerId="LiveId" clId="{045C37C3-1970-4C45-95B9-9F160D623BBC}" dt="2023-10-24T18:32:55.430" v="2889" actId="20577"/>
         <pc:sldMkLst>
           <pc:docMk/>
           <pc:sldMk cId="2209780632" sldId="274"/>
@@ -582,7 +582,7 @@
           </ac:spMkLst>
         </pc:spChg>
         <pc:spChg chg="mod">
-          <ac:chgData name="Nazri Jasmal" userId="e6a065d2aca82f38" providerId="LiveId" clId="{045C37C3-1970-4C45-95B9-9F160D623BBC}" dt="2023-10-24T18:21:15.242" v="2870" actId="20577"/>
+          <ac:chgData name="Nazri Jasmal" userId="e6a065d2aca82f38" providerId="LiveId" clId="{045C37C3-1970-4C45-95B9-9F160D623BBC}" dt="2023-10-24T18:32:55.430" v="2889" actId="20577"/>
           <ac:spMkLst>
             <pc:docMk/>
             <pc:sldMk cId="2209780632" sldId="274"/>
@@ -7115,7 +7115,11 @@
             </a:r>
             <a:r>
               <a:rPr lang="en-GB" dirty="0"/>
-              <a:t>' with the 'Transaction ID' column and the merged dataset. </a:t>
+              <a:t>' with the 'Transaction ID' column </a:t>
+            </a:r>
+            <a:r>
+              <a:rPr lang="en-GB"/>
+              <a:t>and the  </a:t>
             </a:r>
             <a:r>
               <a:rPr lang="en-GB" dirty="0" err="1"/>
